--- a/assets/img/postsimg/20250527/dnn-1.pptx
+++ b/assets/img/postsimg/20250527/dnn-1.pptx
@@ -4845,7 +4845,7 @@
         </p:nvSpPr>
         <p:spPr>
           <a:xfrm>
-            <a:off x="3206263" y="3534727"/>
+            <a:off x="3206263" y="3373555"/>
             <a:ext cx="269626" cy="461665"/>
           </a:xfrm>
           <a:prstGeom prst="rect">
@@ -4887,7 +4887,7 @@
         </p:nvSpPr>
         <p:spPr>
           <a:xfrm>
-            <a:off x="5725375" y="3534727"/>
+            <a:off x="5725375" y="3373555"/>
             <a:ext cx="776651" cy="461665"/>
           </a:xfrm>
           <a:prstGeom prst="rect">
@@ -4936,7 +4936,7 @@
         </p:nvSpPr>
         <p:spPr>
           <a:xfrm>
-            <a:off x="9831316" y="3534727"/>
+            <a:off x="9831316" y="3373555"/>
             <a:ext cx="776651" cy="461665"/>
           </a:xfrm>
           <a:prstGeom prst="rect">
@@ -5428,6 +5428,714 @@
                 <a:cs typeface="Times New Roman" panose="02020603050405020304" pitchFamily="18" charset="0"/>
               </a:rPr>
               <a:t>L</a:t>
+            </a:r>
+            <a:endParaRPr lang="zh-CN" altLang="en-US" sz="2400" i="1" dirty="0">
+              <a:latin typeface="Times New Roman" panose="02020603050405020304" pitchFamily="18" charset="0"/>
+              <a:cs typeface="Times New Roman" panose="02020603050405020304" pitchFamily="18" charset="0"/>
+            </a:endParaRPr>
+          </a:p>
+        </p:txBody>
+      </p:sp>
+      <p:cxnSp>
+        <p:nvCxnSpPr>
+          <p:cNvPr id="7" name="直接连接符 6">
+            <a:extLst>
+              <a:ext uri="{FF2B5EF4-FFF2-40B4-BE49-F238E27FC236}">
+                <a16:creationId xmlns:a16="http://schemas.microsoft.com/office/drawing/2014/main" id="{52533641-BA3E-7601-A09D-C2D8015039C5}"/>
+              </a:ext>
+            </a:extLst>
+          </p:cNvPr>
+          <p:cNvCxnSpPr>
+            <a:cxnSpLocks/>
+            <a:endCxn id="8" idx="2"/>
+          </p:cNvCxnSpPr>
+          <p:nvPr/>
+        </p:nvCxnSpPr>
+        <p:spPr>
+          <a:xfrm>
+            <a:off x="1746326" y="5141238"/>
+            <a:ext cx="766806" cy="0"/>
+          </a:xfrm>
+          <a:prstGeom prst="line">
+            <a:avLst/>
+          </a:prstGeom>
+          <a:ln w="28575">
+            <a:solidFill>
+              <a:schemeClr val="tx1"/>
+            </a:solidFill>
+            <a:headEnd type="none" w="med" len="med"/>
+            <a:tailEnd type="triangle" w="med" len="med"/>
+          </a:ln>
+        </p:spPr>
+        <p:style>
+          <a:lnRef idx="1">
+            <a:schemeClr val="accent1"/>
+          </a:lnRef>
+          <a:fillRef idx="0">
+            <a:schemeClr val="accent1"/>
+          </a:fillRef>
+          <a:effectRef idx="0">
+            <a:schemeClr val="accent1"/>
+          </a:effectRef>
+          <a:fontRef idx="minor">
+            <a:schemeClr val="tx1"/>
+          </a:fontRef>
+        </p:style>
+      </p:cxnSp>
+      <p:sp>
+        <p:nvSpPr>
+          <p:cNvPr id="8" name="椭圆 7">
+            <a:extLst>
+              <a:ext uri="{FF2B5EF4-FFF2-40B4-BE49-F238E27FC236}">
+                <a16:creationId xmlns:a16="http://schemas.microsoft.com/office/drawing/2014/main" id="{E72BBCBB-ACC6-F304-3D7E-886B0FE99219}"/>
+              </a:ext>
+            </a:extLst>
+          </p:cNvPr>
+          <p:cNvSpPr/>
+          <p:nvPr/>
+        </p:nvSpPr>
+        <p:spPr>
+          <a:xfrm>
+            <a:off x="2513132" y="4499399"/>
+            <a:ext cx="1283677" cy="1283677"/>
+          </a:xfrm>
+          <a:prstGeom prst="ellipse">
+            <a:avLst/>
+          </a:prstGeom>
+          <a:noFill/>
+          <a:ln w="28575">
+            <a:solidFill>
+              <a:schemeClr val="tx1"/>
+            </a:solidFill>
+          </a:ln>
+        </p:spPr>
+        <p:style>
+          <a:lnRef idx="2">
+            <a:schemeClr val="accent1">
+              <a:shade val="15000"/>
+            </a:schemeClr>
+          </a:lnRef>
+          <a:fillRef idx="1">
+            <a:schemeClr val="accent1"/>
+          </a:fillRef>
+          <a:effectRef idx="0">
+            <a:schemeClr val="accent1"/>
+          </a:effectRef>
+          <a:fontRef idx="minor">
+            <a:schemeClr val="lt1"/>
+          </a:fontRef>
+        </p:style>
+        <p:txBody>
+          <a:bodyPr rtlCol="0" anchor="ctr"/>
+          <a:lstStyle/>
+          <a:p>
+            <a:pPr algn="ctr"/>
+            <a:endParaRPr lang="zh-CN" altLang="en-US"/>
+          </a:p>
+        </p:txBody>
+      </p:sp>
+      <p:sp>
+        <p:nvSpPr>
+          <p:cNvPr id="16" name="文本框 15">
+            <a:extLst>
+              <a:ext uri="{FF2B5EF4-FFF2-40B4-BE49-F238E27FC236}">
+                <a16:creationId xmlns:a16="http://schemas.microsoft.com/office/drawing/2014/main" id="{A7DC9BC8-D663-8F2C-FBF1-390C118DF154}"/>
+              </a:ext>
+            </a:extLst>
+          </p:cNvPr>
+          <p:cNvSpPr txBox="1"/>
+          <p:nvPr/>
+        </p:nvSpPr>
+        <p:spPr>
+          <a:xfrm>
+            <a:off x="2664773" y="4908939"/>
+            <a:ext cx="304892" cy="461665"/>
+          </a:xfrm>
+          <a:prstGeom prst="rect">
+            <a:avLst/>
+          </a:prstGeom>
+          <a:noFill/>
+        </p:spPr>
+        <p:txBody>
+          <a:bodyPr wrap="none" rtlCol="0">
+            <a:spAutoFit/>
+          </a:bodyPr>
+          <a:lstStyle/>
+          <a:p>
+            <a:r>
+              <a:rPr lang="en-US" altLang="zh-CN" sz="2400" b="1" i="1" dirty="0">
+                <a:latin typeface="Times New Roman" panose="02020603050405020304" pitchFamily="18" charset="0"/>
+                <a:cs typeface="Times New Roman" panose="02020603050405020304" pitchFamily="18" charset="0"/>
+              </a:rPr>
+              <a:t>z</a:t>
+            </a:r>
+            <a:endParaRPr lang="zh-CN" altLang="en-US" sz="2400" i="1" baseline="30000" dirty="0">
+              <a:latin typeface="Times New Roman" panose="02020603050405020304" pitchFamily="18" charset="0"/>
+              <a:cs typeface="Times New Roman" panose="02020603050405020304" pitchFamily="18" charset="0"/>
+            </a:endParaRPr>
+          </a:p>
+        </p:txBody>
+      </p:sp>
+      <p:sp>
+        <p:nvSpPr>
+          <p:cNvPr id="18" name="文本框 17">
+            <a:extLst>
+              <a:ext uri="{FF2B5EF4-FFF2-40B4-BE49-F238E27FC236}">
+                <a16:creationId xmlns:a16="http://schemas.microsoft.com/office/drawing/2014/main" id="{286C02E2-81D9-A6FC-9387-9C20D3236D8C}"/>
+              </a:ext>
+            </a:extLst>
+          </p:cNvPr>
+          <p:cNvSpPr txBox="1"/>
+          <p:nvPr/>
+        </p:nvSpPr>
+        <p:spPr>
+          <a:xfrm>
+            <a:off x="3883408" y="4610235"/>
+            <a:ext cx="803425" cy="461665"/>
+          </a:xfrm>
+          <a:prstGeom prst="rect">
+            <a:avLst/>
+          </a:prstGeom>
+          <a:noFill/>
+        </p:spPr>
+        <p:txBody>
+          <a:bodyPr wrap="none" rtlCol="0">
+            <a:spAutoFit/>
+          </a:bodyPr>
+          <a:lstStyle/>
+          <a:p>
+            <a:r>
+              <a:rPr lang="en-US" altLang="zh-CN" sz="2400" b="1" i="1" dirty="0">
+                <a:latin typeface="Times New Roman" panose="02020603050405020304" pitchFamily="18" charset="0"/>
+                <a:cs typeface="Times New Roman" panose="02020603050405020304" pitchFamily="18" charset="0"/>
+              </a:rPr>
+              <a:t>a = y</a:t>
+            </a:r>
+            <a:endParaRPr lang="zh-CN" altLang="en-US" sz="2400" i="1" dirty="0">
+              <a:latin typeface="Times New Roman" panose="02020603050405020304" pitchFamily="18" charset="0"/>
+              <a:cs typeface="Times New Roman" panose="02020603050405020304" pitchFamily="18" charset="0"/>
+            </a:endParaRPr>
+          </a:p>
+        </p:txBody>
+      </p:sp>
+      <p:cxnSp>
+        <p:nvCxnSpPr>
+          <p:cNvPr id="19" name="直接连接符 18">
+            <a:extLst>
+              <a:ext uri="{FF2B5EF4-FFF2-40B4-BE49-F238E27FC236}">
+                <a16:creationId xmlns:a16="http://schemas.microsoft.com/office/drawing/2014/main" id="{B4BA4571-561D-007F-BBBA-3A85AB5C3B59}"/>
+              </a:ext>
+            </a:extLst>
+          </p:cNvPr>
+          <p:cNvCxnSpPr>
+            <a:cxnSpLocks/>
+            <a:stCxn id="8" idx="0"/>
+            <a:endCxn id="8" idx="4"/>
+          </p:cNvCxnSpPr>
+          <p:nvPr/>
+        </p:nvCxnSpPr>
+        <p:spPr>
+          <a:xfrm>
+            <a:off x="3154971" y="4499399"/>
+            <a:ext cx="0" cy="1283677"/>
+          </a:xfrm>
+          <a:prstGeom prst="line">
+            <a:avLst/>
+          </a:prstGeom>
+          <a:ln w="28575">
+            <a:solidFill>
+              <a:schemeClr val="tx1"/>
+            </a:solidFill>
+          </a:ln>
+        </p:spPr>
+        <p:style>
+          <a:lnRef idx="1">
+            <a:schemeClr val="accent1"/>
+          </a:lnRef>
+          <a:fillRef idx="0">
+            <a:schemeClr val="accent1"/>
+          </a:fillRef>
+          <a:effectRef idx="0">
+            <a:schemeClr val="accent1"/>
+          </a:effectRef>
+          <a:fontRef idx="minor">
+            <a:schemeClr val="tx1"/>
+          </a:fontRef>
+        </p:style>
+      </p:cxnSp>
+      <p:cxnSp>
+        <p:nvCxnSpPr>
+          <p:cNvPr id="20" name="直接连接符 19">
+            <a:extLst>
+              <a:ext uri="{FF2B5EF4-FFF2-40B4-BE49-F238E27FC236}">
+                <a16:creationId xmlns:a16="http://schemas.microsoft.com/office/drawing/2014/main" id="{7F7D56E2-1A21-30F5-37C2-3D7C6CFAFBC0}"/>
+              </a:ext>
+            </a:extLst>
+          </p:cNvPr>
+          <p:cNvCxnSpPr>
+            <a:cxnSpLocks/>
+            <a:stCxn id="8" idx="6"/>
+          </p:cNvCxnSpPr>
+          <p:nvPr/>
+        </p:nvCxnSpPr>
+        <p:spPr>
+          <a:xfrm flipV="1">
+            <a:off x="3796809" y="5139771"/>
+            <a:ext cx="641839" cy="1467"/>
+          </a:xfrm>
+          <a:prstGeom prst="line">
+            <a:avLst/>
+          </a:prstGeom>
+          <a:ln w="28575">
+            <a:solidFill>
+              <a:schemeClr val="tx1"/>
+            </a:solidFill>
+            <a:headEnd type="none" w="med" len="med"/>
+            <a:tailEnd type="triangle" w="med" len="med"/>
+          </a:ln>
+        </p:spPr>
+        <p:style>
+          <a:lnRef idx="1">
+            <a:schemeClr val="accent1"/>
+          </a:lnRef>
+          <a:fillRef idx="0">
+            <a:schemeClr val="accent1"/>
+          </a:fillRef>
+          <a:effectRef idx="0">
+            <a:schemeClr val="accent1"/>
+          </a:effectRef>
+          <a:fontRef idx="minor">
+            <a:schemeClr val="tx1"/>
+          </a:fontRef>
+        </p:style>
+      </p:cxnSp>
+      <p:sp>
+        <p:nvSpPr>
+          <p:cNvPr id="24" name="文本框 23">
+            <a:extLst>
+              <a:ext uri="{FF2B5EF4-FFF2-40B4-BE49-F238E27FC236}">
+                <a16:creationId xmlns:a16="http://schemas.microsoft.com/office/drawing/2014/main" id="{FE6F354D-3A02-A9FE-E519-883CD897B331}"/>
+              </a:ext>
+            </a:extLst>
+          </p:cNvPr>
+          <p:cNvSpPr txBox="1"/>
+          <p:nvPr/>
+        </p:nvSpPr>
+        <p:spPr>
+          <a:xfrm rot="5400000">
+            <a:off x="1743648" y="5155160"/>
+            <a:ext cx="492443" cy="461665"/>
+          </a:xfrm>
+          <a:prstGeom prst="rect">
+            <a:avLst/>
+          </a:prstGeom>
+          <a:noFill/>
+        </p:spPr>
+        <p:txBody>
+          <a:bodyPr wrap="none" rtlCol="0">
+            <a:spAutoFit/>
+          </a:bodyPr>
+          <a:lstStyle/>
+          <a:p>
+            <a:r>
+              <a:rPr lang="en-US" altLang="zh-CN" sz="2400" dirty="0">
+                <a:latin typeface="Times New Roman" panose="02020603050405020304" pitchFamily="18" charset="0"/>
+                <a:cs typeface="Times New Roman" panose="02020603050405020304" pitchFamily="18" charset="0"/>
+              </a:rPr>
+              <a:t>…</a:t>
+            </a:r>
+            <a:endParaRPr lang="zh-CN" altLang="en-US" sz="2400" dirty="0">
+              <a:latin typeface="Times New Roman" panose="02020603050405020304" pitchFamily="18" charset="0"/>
+              <a:cs typeface="Times New Roman" panose="02020603050405020304" pitchFamily="18" charset="0"/>
+            </a:endParaRPr>
+          </a:p>
+        </p:txBody>
+      </p:sp>
+      <p:cxnSp>
+        <p:nvCxnSpPr>
+          <p:cNvPr id="25" name="直接连接符 24">
+            <a:extLst>
+              <a:ext uri="{FF2B5EF4-FFF2-40B4-BE49-F238E27FC236}">
+                <a16:creationId xmlns:a16="http://schemas.microsoft.com/office/drawing/2014/main" id="{816CFBC9-E1A3-1B56-546C-E33133F44E0D}"/>
+              </a:ext>
+            </a:extLst>
+          </p:cNvPr>
+          <p:cNvCxnSpPr>
+            <a:cxnSpLocks/>
+            <a:endCxn id="8" idx="2"/>
+          </p:cNvCxnSpPr>
+          <p:nvPr/>
+        </p:nvCxnSpPr>
+        <p:spPr>
+          <a:xfrm>
+            <a:off x="1734625" y="4444066"/>
+            <a:ext cx="778507" cy="697172"/>
+          </a:xfrm>
+          <a:prstGeom prst="line">
+            <a:avLst/>
+          </a:prstGeom>
+          <a:ln w="28575">
+            <a:solidFill>
+              <a:schemeClr val="tx1"/>
+            </a:solidFill>
+            <a:headEnd type="none" w="med" len="med"/>
+            <a:tailEnd type="triangle" w="med" len="med"/>
+          </a:ln>
+        </p:spPr>
+        <p:style>
+          <a:lnRef idx="1">
+            <a:schemeClr val="accent1"/>
+          </a:lnRef>
+          <a:fillRef idx="0">
+            <a:schemeClr val="accent1"/>
+          </a:fillRef>
+          <a:effectRef idx="0">
+            <a:schemeClr val="accent1"/>
+          </a:effectRef>
+          <a:fontRef idx="minor">
+            <a:schemeClr val="tx1"/>
+          </a:fontRef>
+        </p:style>
+      </p:cxnSp>
+      <p:cxnSp>
+        <p:nvCxnSpPr>
+          <p:cNvPr id="26" name="直接连接符 25">
+            <a:extLst>
+              <a:ext uri="{FF2B5EF4-FFF2-40B4-BE49-F238E27FC236}">
+                <a16:creationId xmlns:a16="http://schemas.microsoft.com/office/drawing/2014/main" id="{B2425368-B8CE-E83D-7859-77F7BD626F42}"/>
+              </a:ext>
+            </a:extLst>
+          </p:cNvPr>
+          <p:cNvCxnSpPr>
+            <a:cxnSpLocks/>
+            <a:endCxn id="8" idx="2"/>
+          </p:cNvCxnSpPr>
+          <p:nvPr/>
+        </p:nvCxnSpPr>
+        <p:spPr>
+          <a:xfrm>
+            <a:off x="1734625" y="4792652"/>
+            <a:ext cx="778507" cy="348586"/>
+          </a:xfrm>
+          <a:prstGeom prst="line">
+            <a:avLst/>
+          </a:prstGeom>
+          <a:ln w="28575">
+            <a:solidFill>
+              <a:schemeClr val="tx1"/>
+            </a:solidFill>
+            <a:headEnd type="none" w="med" len="med"/>
+            <a:tailEnd type="triangle" w="med" len="med"/>
+          </a:ln>
+        </p:spPr>
+        <p:style>
+          <a:lnRef idx="1">
+            <a:schemeClr val="accent1"/>
+          </a:lnRef>
+          <a:fillRef idx="0">
+            <a:schemeClr val="accent1"/>
+          </a:fillRef>
+          <a:effectRef idx="0">
+            <a:schemeClr val="accent1"/>
+          </a:effectRef>
+          <a:fontRef idx="minor">
+            <a:schemeClr val="tx1"/>
+          </a:fontRef>
+        </p:style>
+      </p:cxnSp>
+      <p:sp>
+        <p:nvSpPr>
+          <p:cNvPr id="28" name="文本框 27">
+            <a:extLst>
+              <a:ext uri="{FF2B5EF4-FFF2-40B4-BE49-F238E27FC236}">
+                <a16:creationId xmlns:a16="http://schemas.microsoft.com/office/drawing/2014/main" id="{8498419F-DAAD-90BF-2A1B-C8F63F2FFE90}"/>
+              </a:ext>
+            </a:extLst>
+          </p:cNvPr>
+          <p:cNvSpPr txBox="1"/>
+          <p:nvPr/>
+        </p:nvSpPr>
+        <p:spPr>
+          <a:xfrm>
+            <a:off x="1896261" y="4194575"/>
+            <a:ext cx="458780" cy="461665"/>
+          </a:xfrm>
+          <a:prstGeom prst="rect">
+            <a:avLst/>
+          </a:prstGeom>
+          <a:noFill/>
+        </p:spPr>
+        <p:txBody>
+          <a:bodyPr wrap="none" rtlCol="0">
+            <a:spAutoFit/>
+          </a:bodyPr>
+          <a:lstStyle/>
+          <a:p>
+            <a:r>
+              <a:rPr lang="en-US" altLang="zh-CN" sz="2400" b="1" i="1" dirty="0">
+                <a:latin typeface="Times New Roman" panose="02020603050405020304" pitchFamily="18" charset="0"/>
+                <a:cs typeface="Times New Roman" panose="02020603050405020304" pitchFamily="18" charset="0"/>
+              </a:rPr>
+              <a:t>W</a:t>
+            </a:r>
+            <a:endParaRPr lang="zh-CN" altLang="en-US" sz="2400" dirty="0">
+              <a:latin typeface="Times New Roman" panose="02020603050405020304" pitchFamily="18" charset="0"/>
+              <a:cs typeface="Times New Roman" panose="02020603050405020304" pitchFamily="18" charset="0"/>
+            </a:endParaRPr>
+          </a:p>
+        </p:txBody>
+      </p:sp>
+      <p:cxnSp>
+        <p:nvCxnSpPr>
+          <p:cNvPr id="29" name="直接连接符 28">
+            <a:extLst>
+              <a:ext uri="{FF2B5EF4-FFF2-40B4-BE49-F238E27FC236}">
+                <a16:creationId xmlns:a16="http://schemas.microsoft.com/office/drawing/2014/main" id="{9EB536AF-B1CF-B188-4B80-C0EB10E57CFC}"/>
+              </a:ext>
+            </a:extLst>
+          </p:cNvPr>
+          <p:cNvCxnSpPr>
+            <a:cxnSpLocks/>
+            <a:endCxn id="8" idx="3"/>
+          </p:cNvCxnSpPr>
+          <p:nvPr/>
+        </p:nvCxnSpPr>
+        <p:spPr>
+          <a:xfrm flipV="1">
+            <a:off x="2313629" y="5595086"/>
+            <a:ext cx="387493" cy="744836"/>
+          </a:xfrm>
+          <a:prstGeom prst="line">
+            <a:avLst/>
+          </a:prstGeom>
+          <a:ln w="28575">
+            <a:solidFill>
+              <a:schemeClr val="tx1"/>
+            </a:solidFill>
+            <a:headEnd type="none" w="med" len="med"/>
+            <a:tailEnd type="triangle" w="med" len="med"/>
+          </a:ln>
+        </p:spPr>
+        <p:style>
+          <a:lnRef idx="1">
+            <a:schemeClr val="accent1"/>
+          </a:lnRef>
+          <a:fillRef idx="0">
+            <a:schemeClr val="accent1"/>
+          </a:fillRef>
+          <a:effectRef idx="0">
+            <a:schemeClr val="accent1"/>
+          </a:effectRef>
+          <a:fontRef idx="minor">
+            <a:schemeClr val="tx1"/>
+          </a:fontRef>
+        </p:style>
+      </p:cxnSp>
+      <p:sp>
+        <p:nvSpPr>
+          <p:cNvPr id="30" name="文本框 29">
+            <a:extLst>
+              <a:ext uri="{FF2B5EF4-FFF2-40B4-BE49-F238E27FC236}">
+                <a16:creationId xmlns:a16="http://schemas.microsoft.com/office/drawing/2014/main" id="{809D119A-C1E0-DC12-C08E-F6B62081D462}"/>
+              </a:ext>
+            </a:extLst>
+          </p:cNvPr>
+          <p:cNvSpPr txBox="1"/>
+          <p:nvPr/>
+        </p:nvSpPr>
+        <p:spPr>
+          <a:xfrm>
+            <a:off x="1877697" y="5731307"/>
+            <a:ext cx="338554" cy="461665"/>
+          </a:xfrm>
+          <a:prstGeom prst="rect">
+            <a:avLst/>
+          </a:prstGeom>
+          <a:noFill/>
+        </p:spPr>
+        <p:txBody>
+          <a:bodyPr wrap="none" rtlCol="0">
+            <a:spAutoFit/>
+          </a:bodyPr>
+          <a:lstStyle/>
+          <a:p>
+            <a:r>
+              <a:rPr lang="en-US" altLang="zh-CN" sz="2400" b="1" i="1" dirty="0">
+                <a:latin typeface="Times New Roman" panose="02020603050405020304" pitchFamily="18" charset="0"/>
+                <a:cs typeface="Times New Roman" panose="02020603050405020304" pitchFamily="18" charset="0"/>
+              </a:rPr>
+              <a:t>b</a:t>
+            </a:r>
+            <a:endParaRPr lang="zh-CN" altLang="en-US" sz="2400" i="1" dirty="0">
+              <a:latin typeface="Times New Roman" panose="02020603050405020304" pitchFamily="18" charset="0"/>
+              <a:cs typeface="Times New Roman" panose="02020603050405020304" pitchFamily="18" charset="0"/>
+            </a:endParaRPr>
+          </a:p>
+        </p:txBody>
+      </p:sp>
+      <p:cxnSp>
+        <p:nvCxnSpPr>
+          <p:cNvPr id="33" name="直接连接符 32">
+            <a:extLst>
+              <a:ext uri="{FF2B5EF4-FFF2-40B4-BE49-F238E27FC236}">
+                <a16:creationId xmlns:a16="http://schemas.microsoft.com/office/drawing/2014/main" id="{AE2FFC51-7F15-EFEB-820B-E7CAFF51F8E4}"/>
+              </a:ext>
+            </a:extLst>
+          </p:cNvPr>
+          <p:cNvCxnSpPr>
+            <a:cxnSpLocks/>
+          </p:cNvCxnSpPr>
+          <p:nvPr/>
+        </p:nvCxnSpPr>
+        <p:spPr>
+          <a:xfrm>
+            <a:off x="3475889" y="5020208"/>
+            <a:ext cx="0" cy="239126"/>
+          </a:xfrm>
+          <a:prstGeom prst="line">
+            <a:avLst/>
+          </a:prstGeom>
+          <a:ln w="28575">
+            <a:solidFill>
+              <a:schemeClr val="tx1"/>
+            </a:solidFill>
+          </a:ln>
+        </p:spPr>
+        <p:style>
+          <a:lnRef idx="1">
+            <a:schemeClr val="accent1"/>
+          </a:lnRef>
+          <a:fillRef idx="0">
+            <a:schemeClr val="accent1"/>
+          </a:fillRef>
+          <a:effectRef idx="0">
+            <a:schemeClr val="accent1"/>
+          </a:effectRef>
+          <a:fontRef idx="minor">
+            <a:schemeClr val="tx1"/>
+          </a:fontRef>
+        </p:style>
+      </p:cxnSp>
+      <p:cxnSp>
+        <p:nvCxnSpPr>
+          <p:cNvPr id="43" name="直接连接符 42">
+            <a:extLst>
+              <a:ext uri="{FF2B5EF4-FFF2-40B4-BE49-F238E27FC236}">
+                <a16:creationId xmlns:a16="http://schemas.microsoft.com/office/drawing/2014/main" id="{F74AA90F-C61F-93C6-F2D4-FEDF4135E48B}"/>
+              </a:ext>
+            </a:extLst>
+          </p:cNvPr>
+          <p:cNvCxnSpPr>
+            <a:cxnSpLocks/>
+          </p:cNvCxnSpPr>
+          <p:nvPr/>
+        </p:nvCxnSpPr>
+        <p:spPr>
+          <a:xfrm>
+            <a:off x="3475889" y="5020208"/>
+            <a:ext cx="162528" cy="0"/>
+          </a:xfrm>
+          <a:prstGeom prst="line">
+            <a:avLst/>
+          </a:prstGeom>
+          <a:ln w="28575">
+            <a:solidFill>
+              <a:schemeClr val="tx1"/>
+            </a:solidFill>
+          </a:ln>
+        </p:spPr>
+        <p:style>
+          <a:lnRef idx="1">
+            <a:schemeClr val="accent1"/>
+          </a:lnRef>
+          <a:fillRef idx="0">
+            <a:schemeClr val="accent1"/>
+          </a:fillRef>
+          <a:effectRef idx="0">
+            <a:schemeClr val="accent1"/>
+          </a:effectRef>
+          <a:fontRef idx="minor">
+            <a:schemeClr val="tx1"/>
+          </a:fontRef>
+        </p:style>
+      </p:cxnSp>
+      <p:cxnSp>
+        <p:nvCxnSpPr>
+          <p:cNvPr id="52" name="直接连接符 51">
+            <a:extLst>
+              <a:ext uri="{FF2B5EF4-FFF2-40B4-BE49-F238E27FC236}">
+                <a16:creationId xmlns:a16="http://schemas.microsoft.com/office/drawing/2014/main" id="{C33B2E44-659C-1E67-F2C0-1618C79B7943}"/>
+              </a:ext>
+            </a:extLst>
+          </p:cNvPr>
+          <p:cNvCxnSpPr>
+            <a:cxnSpLocks/>
+          </p:cNvCxnSpPr>
+          <p:nvPr/>
+        </p:nvCxnSpPr>
+        <p:spPr>
+          <a:xfrm>
+            <a:off x="3295650" y="5259334"/>
+            <a:ext cx="180239" cy="0"/>
+          </a:xfrm>
+          <a:prstGeom prst="line">
+            <a:avLst/>
+          </a:prstGeom>
+          <a:ln w="28575">
+            <a:solidFill>
+              <a:schemeClr val="tx1"/>
+            </a:solidFill>
+          </a:ln>
+        </p:spPr>
+        <p:style>
+          <a:lnRef idx="1">
+            <a:schemeClr val="accent1"/>
+          </a:lnRef>
+          <a:fillRef idx="0">
+            <a:schemeClr val="accent1"/>
+          </a:fillRef>
+          <a:effectRef idx="0">
+            <a:schemeClr val="accent1"/>
+          </a:effectRef>
+          <a:fontRef idx="minor">
+            <a:schemeClr val="tx1"/>
+          </a:fontRef>
+        </p:style>
+      </p:cxnSp>
+      <p:sp>
+        <p:nvSpPr>
+          <p:cNvPr id="71" name="文本框 70">
+            <a:extLst>
+              <a:ext uri="{FF2B5EF4-FFF2-40B4-BE49-F238E27FC236}">
+                <a16:creationId xmlns:a16="http://schemas.microsoft.com/office/drawing/2014/main" id="{CF13BC2F-4A15-83A1-A1D7-C1785C30F5C5}"/>
+              </a:ext>
+            </a:extLst>
+          </p:cNvPr>
+          <p:cNvSpPr txBox="1"/>
+          <p:nvPr/>
+        </p:nvSpPr>
+        <p:spPr>
+          <a:xfrm>
+            <a:off x="1315119" y="4637428"/>
+            <a:ext cx="338554" cy="461665"/>
+          </a:xfrm>
+          <a:prstGeom prst="rect">
+            <a:avLst/>
+          </a:prstGeom>
+          <a:noFill/>
+        </p:spPr>
+        <p:txBody>
+          <a:bodyPr wrap="none" rtlCol="0">
+            <a:spAutoFit/>
+          </a:bodyPr>
+          <a:lstStyle/>
+          <a:p>
+            <a:r>
+              <a:rPr lang="en-US" altLang="zh-CN" sz="2400" b="1" i="1" dirty="0">
+                <a:latin typeface="Times New Roman" panose="02020603050405020304" pitchFamily="18" charset="0"/>
+                <a:cs typeface="Times New Roman" panose="02020603050405020304" pitchFamily="18" charset="0"/>
+              </a:rPr>
+              <a:t>x</a:t>
             </a:r>
             <a:endParaRPr lang="zh-CN" altLang="en-US" sz="2400" i="1" dirty="0">
               <a:latin typeface="Times New Roman" panose="02020603050405020304" pitchFamily="18" charset="0"/>

--- a/assets/img/postsimg/20250527/dnn-1.pptx
+++ b/assets/img/postsimg/20250527/dnn-1.pptx
@@ -6,6 +6,8 @@
   </p:sldMasterIdLst>
   <p:sldIdLst>
     <p:sldId id="256" r:id="rId2"/>
+    <p:sldId id="258" r:id="rId3"/>
+    <p:sldId id="257" r:id="rId4"/>
   </p:sldIdLst>
   <p:sldSz cx="12192000" cy="6858000"/>
   <p:notesSz cx="6858000" cy="9144000"/>
@@ -259,7 +261,7 @@
           <a:p>
             <a:fld id="{0CCFED97-D672-4F0E-ADD1-DBF034906CA6}" type="datetimeFigureOut">
               <a:rPr lang="zh-CN" altLang="en-US" smtClean="0"/>
-              <a:t>2025/5/28</a:t>
+              <a:t>2025/5/29</a:t>
             </a:fld>
             <a:endParaRPr lang="zh-CN" altLang="en-US"/>
           </a:p>
@@ -457,7 +459,7 @@
           <a:p>
             <a:fld id="{0CCFED97-D672-4F0E-ADD1-DBF034906CA6}" type="datetimeFigureOut">
               <a:rPr lang="zh-CN" altLang="en-US" smtClean="0"/>
-              <a:t>2025/5/28</a:t>
+              <a:t>2025/5/29</a:t>
             </a:fld>
             <a:endParaRPr lang="zh-CN" altLang="en-US"/>
           </a:p>
@@ -665,7 +667,7 @@
           <a:p>
             <a:fld id="{0CCFED97-D672-4F0E-ADD1-DBF034906CA6}" type="datetimeFigureOut">
               <a:rPr lang="zh-CN" altLang="en-US" smtClean="0"/>
-              <a:t>2025/5/28</a:t>
+              <a:t>2025/5/29</a:t>
             </a:fld>
             <a:endParaRPr lang="zh-CN" altLang="en-US"/>
           </a:p>
@@ -863,7 +865,7 @@
           <a:p>
             <a:fld id="{0CCFED97-D672-4F0E-ADD1-DBF034906CA6}" type="datetimeFigureOut">
               <a:rPr lang="zh-CN" altLang="en-US" smtClean="0"/>
-              <a:t>2025/5/28</a:t>
+              <a:t>2025/5/29</a:t>
             </a:fld>
             <a:endParaRPr lang="zh-CN" altLang="en-US"/>
           </a:p>
@@ -1138,7 +1140,7 @@
           <a:p>
             <a:fld id="{0CCFED97-D672-4F0E-ADD1-DBF034906CA6}" type="datetimeFigureOut">
               <a:rPr lang="zh-CN" altLang="en-US" smtClean="0"/>
-              <a:t>2025/5/28</a:t>
+              <a:t>2025/5/29</a:t>
             </a:fld>
             <a:endParaRPr lang="zh-CN" altLang="en-US"/>
           </a:p>
@@ -1403,7 +1405,7 @@
           <a:p>
             <a:fld id="{0CCFED97-D672-4F0E-ADD1-DBF034906CA6}" type="datetimeFigureOut">
               <a:rPr lang="zh-CN" altLang="en-US" smtClean="0"/>
-              <a:t>2025/5/28</a:t>
+              <a:t>2025/5/29</a:t>
             </a:fld>
             <a:endParaRPr lang="zh-CN" altLang="en-US"/>
           </a:p>
@@ -1815,7 +1817,7 @@
           <a:p>
             <a:fld id="{0CCFED97-D672-4F0E-ADD1-DBF034906CA6}" type="datetimeFigureOut">
               <a:rPr lang="zh-CN" altLang="en-US" smtClean="0"/>
-              <a:t>2025/5/28</a:t>
+              <a:t>2025/5/29</a:t>
             </a:fld>
             <a:endParaRPr lang="zh-CN" altLang="en-US"/>
           </a:p>
@@ -1956,7 +1958,7 @@
           <a:p>
             <a:fld id="{0CCFED97-D672-4F0E-ADD1-DBF034906CA6}" type="datetimeFigureOut">
               <a:rPr lang="zh-CN" altLang="en-US" smtClean="0"/>
-              <a:t>2025/5/28</a:t>
+              <a:t>2025/5/29</a:t>
             </a:fld>
             <a:endParaRPr lang="zh-CN" altLang="en-US"/>
           </a:p>
@@ -2069,7 +2071,7 @@
           <a:p>
             <a:fld id="{0CCFED97-D672-4F0E-ADD1-DBF034906CA6}" type="datetimeFigureOut">
               <a:rPr lang="zh-CN" altLang="en-US" smtClean="0"/>
-              <a:t>2025/5/28</a:t>
+              <a:t>2025/5/29</a:t>
             </a:fld>
             <a:endParaRPr lang="zh-CN" altLang="en-US"/>
           </a:p>
@@ -2380,7 +2382,7 @@
           <a:p>
             <a:fld id="{0CCFED97-D672-4F0E-ADD1-DBF034906CA6}" type="datetimeFigureOut">
               <a:rPr lang="zh-CN" altLang="en-US" smtClean="0"/>
-              <a:t>2025/5/28</a:t>
+              <a:t>2025/5/29</a:t>
             </a:fld>
             <a:endParaRPr lang="zh-CN" altLang="en-US"/>
           </a:p>
@@ -2668,7 +2670,7 @@
           <a:p>
             <a:fld id="{0CCFED97-D672-4F0E-ADD1-DBF034906CA6}" type="datetimeFigureOut">
               <a:rPr lang="zh-CN" altLang="en-US" smtClean="0"/>
-              <a:t>2025/5/28</a:t>
+              <a:t>2025/5/29</a:t>
             </a:fld>
             <a:endParaRPr lang="zh-CN" altLang="en-US"/>
           </a:p>
@@ -2909,7 +2911,7 @@
           <a:p>
             <a:fld id="{0CCFED97-D672-4F0E-ADD1-DBF034906CA6}" type="datetimeFigureOut">
               <a:rPr lang="zh-CN" altLang="en-US" smtClean="0"/>
-              <a:t>2025/5/28</a:t>
+              <a:t>2025/5/29</a:t>
             </a:fld>
             <a:endParaRPr lang="zh-CN" altLang="en-US"/>
           </a:p>
@@ -6144,10 +6146,4099 @@
           </a:p>
         </p:txBody>
       </p:sp>
+      <p:cxnSp>
+        <p:nvCxnSpPr>
+          <p:cNvPr id="15" name="直接连接符 14">
+            <a:extLst>
+              <a:ext uri="{FF2B5EF4-FFF2-40B4-BE49-F238E27FC236}">
+                <a16:creationId xmlns:a16="http://schemas.microsoft.com/office/drawing/2014/main" id="{6423D986-8CDB-56A7-4F5F-81494E331FE3}"/>
+              </a:ext>
+            </a:extLst>
+          </p:cNvPr>
+          <p:cNvCxnSpPr>
+            <a:cxnSpLocks/>
+            <a:endCxn id="21" idx="2"/>
+          </p:cNvCxnSpPr>
+          <p:nvPr/>
+        </p:nvCxnSpPr>
+        <p:spPr>
+          <a:xfrm>
+            <a:off x="5800208" y="5151448"/>
+            <a:ext cx="766806" cy="0"/>
+          </a:xfrm>
+          <a:prstGeom prst="line">
+            <a:avLst/>
+          </a:prstGeom>
+          <a:ln w="28575">
+            <a:solidFill>
+              <a:schemeClr val="tx1"/>
+            </a:solidFill>
+            <a:headEnd type="none" w="med" len="med"/>
+            <a:tailEnd type="triangle" w="med" len="med"/>
+          </a:ln>
+        </p:spPr>
+        <p:style>
+          <a:lnRef idx="1">
+            <a:schemeClr val="accent1"/>
+          </a:lnRef>
+          <a:fillRef idx="0">
+            <a:schemeClr val="accent1"/>
+          </a:fillRef>
+          <a:effectRef idx="0">
+            <a:schemeClr val="accent1"/>
+          </a:effectRef>
+          <a:fontRef idx="minor">
+            <a:schemeClr val="tx1"/>
+          </a:fontRef>
+        </p:style>
+      </p:cxnSp>
+      <p:sp>
+        <p:nvSpPr>
+          <p:cNvPr id="21" name="椭圆 20">
+            <a:extLst>
+              <a:ext uri="{FF2B5EF4-FFF2-40B4-BE49-F238E27FC236}">
+                <a16:creationId xmlns:a16="http://schemas.microsoft.com/office/drawing/2014/main" id="{0F15EE22-5166-DD70-528F-55B83C5CD97E}"/>
+              </a:ext>
+            </a:extLst>
+          </p:cNvPr>
+          <p:cNvSpPr/>
+          <p:nvPr/>
+        </p:nvSpPr>
+        <p:spPr>
+          <a:xfrm>
+            <a:off x="6567014" y="4509609"/>
+            <a:ext cx="1283677" cy="1283677"/>
+          </a:xfrm>
+          <a:prstGeom prst="ellipse">
+            <a:avLst/>
+          </a:prstGeom>
+          <a:noFill/>
+          <a:ln w="28575">
+            <a:solidFill>
+              <a:schemeClr val="tx1"/>
+            </a:solidFill>
+          </a:ln>
+        </p:spPr>
+        <p:style>
+          <a:lnRef idx="2">
+            <a:schemeClr val="accent1">
+              <a:shade val="15000"/>
+            </a:schemeClr>
+          </a:lnRef>
+          <a:fillRef idx="1">
+            <a:schemeClr val="accent1"/>
+          </a:fillRef>
+          <a:effectRef idx="0">
+            <a:schemeClr val="accent1"/>
+          </a:effectRef>
+          <a:fontRef idx="minor">
+            <a:schemeClr val="lt1"/>
+          </a:fontRef>
+        </p:style>
+        <p:txBody>
+          <a:bodyPr rtlCol="0" anchor="ctr"/>
+          <a:lstStyle/>
+          <a:p>
+            <a:pPr algn="ctr"/>
+            <a:endParaRPr lang="zh-CN" altLang="en-US"/>
+          </a:p>
+        </p:txBody>
+      </p:sp>
+      <p:sp>
+        <p:nvSpPr>
+          <p:cNvPr id="34" name="文本框 33">
+            <a:extLst>
+              <a:ext uri="{FF2B5EF4-FFF2-40B4-BE49-F238E27FC236}">
+                <a16:creationId xmlns:a16="http://schemas.microsoft.com/office/drawing/2014/main" id="{01E832D1-D10D-322D-D499-272BC71F5644}"/>
+              </a:ext>
+            </a:extLst>
+          </p:cNvPr>
+          <p:cNvSpPr txBox="1"/>
+          <p:nvPr/>
+        </p:nvSpPr>
+        <p:spPr>
+          <a:xfrm>
+            <a:off x="6718655" y="4919149"/>
+            <a:ext cx="304892" cy="461665"/>
+          </a:xfrm>
+          <a:prstGeom prst="rect">
+            <a:avLst/>
+          </a:prstGeom>
+          <a:noFill/>
+        </p:spPr>
+        <p:txBody>
+          <a:bodyPr wrap="none" rtlCol="0">
+            <a:spAutoFit/>
+          </a:bodyPr>
+          <a:lstStyle/>
+          <a:p>
+            <a:r>
+              <a:rPr lang="en-US" altLang="zh-CN" sz="2400" b="1" i="1" dirty="0">
+                <a:latin typeface="Times New Roman" panose="02020603050405020304" pitchFamily="18" charset="0"/>
+                <a:cs typeface="Times New Roman" panose="02020603050405020304" pitchFamily="18" charset="0"/>
+              </a:rPr>
+              <a:t>z</a:t>
+            </a:r>
+            <a:endParaRPr lang="zh-CN" altLang="en-US" sz="2400" i="1" baseline="30000" dirty="0">
+              <a:latin typeface="Times New Roman" panose="02020603050405020304" pitchFamily="18" charset="0"/>
+              <a:cs typeface="Times New Roman" panose="02020603050405020304" pitchFamily="18" charset="0"/>
+            </a:endParaRPr>
+          </a:p>
+        </p:txBody>
+      </p:sp>
+      <p:sp>
+        <p:nvSpPr>
+          <p:cNvPr id="49" name="文本框 48">
+            <a:extLst>
+              <a:ext uri="{FF2B5EF4-FFF2-40B4-BE49-F238E27FC236}">
+                <a16:creationId xmlns:a16="http://schemas.microsoft.com/office/drawing/2014/main" id="{8A1E4282-2D03-979A-AF20-8327DFB64608}"/>
+              </a:ext>
+            </a:extLst>
+          </p:cNvPr>
+          <p:cNvSpPr txBox="1"/>
+          <p:nvPr/>
+        </p:nvSpPr>
+        <p:spPr>
+          <a:xfrm>
+            <a:off x="7937290" y="4620445"/>
+            <a:ext cx="837089" cy="461665"/>
+          </a:xfrm>
+          <a:prstGeom prst="rect">
+            <a:avLst/>
+          </a:prstGeom>
+          <a:noFill/>
+        </p:spPr>
+        <p:txBody>
+          <a:bodyPr wrap="none" rtlCol="0">
+            <a:spAutoFit/>
+          </a:bodyPr>
+          <a:lstStyle/>
+          <a:p>
+            <a:r>
+              <a:rPr lang="en-US" altLang="zh-CN" sz="2400" i="1" dirty="0">
+                <a:latin typeface="Times New Roman" panose="02020603050405020304" pitchFamily="18" charset="0"/>
+                <a:cs typeface="Times New Roman" panose="02020603050405020304" pitchFamily="18" charset="0"/>
+              </a:rPr>
+              <a:t>a = y</a:t>
+            </a:r>
+            <a:endParaRPr lang="zh-CN" altLang="en-US" sz="2400" i="1" dirty="0">
+              <a:latin typeface="Times New Roman" panose="02020603050405020304" pitchFamily="18" charset="0"/>
+              <a:cs typeface="Times New Roman" panose="02020603050405020304" pitchFamily="18" charset="0"/>
+            </a:endParaRPr>
+          </a:p>
+        </p:txBody>
+      </p:sp>
+      <p:cxnSp>
+        <p:nvCxnSpPr>
+          <p:cNvPr id="50" name="直接连接符 49">
+            <a:extLst>
+              <a:ext uri="{FF2B5EF4-FFF2-40B4-BE49-F238E27FC236}">
+                <a16:creationId xmlns:a16="http://schemas.microsoft.com/office/drawing/2014/main" id="{7FDAF06B-CB11-43D5-5986-7276CB258097}"/>
+              </a:ext>
+            </a:extLst>
+          </p:cNvPr>
+          <p:cNvCxnSpPr>
+            <a:cxnSpLocks/>
+            <a:stCxn id="21" idx="0"/>
+            <a:endCxn id="21" idx="4"/>
+          </p:cNvCxnSpPr>
+          <p:nvPr/>
+        </p:nvCxnSpPr>
+        <p:spPr>
+          <a:xfrm>
+            <a:off x="7208853" y="4509609"/>
+            <a:ext cx="0" cy="1283677"/>
+          </a:xfrm>
+          <a:prstGeom prst="line">
+            <a:avLst/>
+          </a:prstGeom>
+          <a:ln w="28575">
+            <a:solidFill>
+              <a:schemeClr val="tx1"/>
+            </a:solidFill>
+          </a:ln>
+        </p:spPr>
+        <p:style>
+          <a:lnRef idx="1">
+            <a:schemeClr val="accent1"/>
+          </a:lnRef>
+          <a:fillRef idx="0">
+            <a:schemeClr val="accent1"/>
+          </a:fillRef>
+          <a:effectRef idx="0">
+            <a:schemeClr val="accent1"/>
+          </a:effectRef>
+          <a:fontRef idx="minor">
+            <a:schemeClr val="tx1"/>
+          </a:fontRef>
+        </p:style>
+      </p:cxnSp>
+      <p:cxnSp>
+        <p:nvCxnSpPr>
+          <p:cNvPr id="56" name="直接连接符 55">
+            <a:extLst>
+              <a:ext uri="{FF2B5EF4-FFF2-40B4-BE49-F238E27FC236}">
+                <a16:creationId xmlns:a16="http://schemas.microsoft.com/office/drawing/2014/main" id="{9891E617-1AA1-9B72-5E0F-14C0B895183F}"/>
+              </a:ext>
+            </a:extLst>
+          </p:cNvPr>
+          <p:cNvCxnSpPr>
+            <a:cxnSpLocks/>
+            <a:stCxn id="21" idx="6"/>
+          </p:cNvCxnSpPr>
+          <p:nvPr/>
+        </p:nvCxnSpPr>
+        <p:spPr>
+          <a:xfrm flipV="1">
+            <a:off x="7850691" y="5149981"/>
+            <a:ext cx="641839" cy="1467"/>
+          </a:xfrm>
+          <a:prstGeom prst="line">
+            <a:avLst/>
+          </a:prstGeom>
+          <a:ln w="28575">
+            <a:solidFill>
+              <a:schemeClr val="tx1"/>
+            </a:solidFill>
+            <a:headEnd type="none" w="med" len="med"/>
+            <a:tailEnd type="triangle" w="med" len="med"/>
+          </a:ln>
+        </p:spPr>
+        <p:style>
+          <a:lnRef idx="1">
+            <a:schemeClr val="accent1"/>
+          </a:lnRef>
+          <a:fillRef idx="0">
+            <a:schemeClr val="accent1"/>
+          </a:fillRef>
+          <a:effectRef idx="0">
+            <a:schemeClr val="accent1"/>
+          </a:effectRef>
+          <a:fontRef idx="minor">
+            <a:schemeClr val="tx1"/>
+          </a:fontRef>
+        </p:style>
+      </p:cxnSp>
+      <p:sp>
+        <p:nvSpPr>
+          <p:cNvPr id="57" name="文本框 56">
+            <a:extLst>
+              <a:ext uri="{FF2B5EF4-FFF2-40B4-BE49-F238E27FC236}">
+                <a16:creationId xmlns:a16="http://schemas.microsoft.com/office/drawing/2014/main" id="{35138450-9B66-9FC8-F5AB-C03CC043E9E0}"/>
+              </a:ext>
+            </a:extLst>
+          </p:cNvPr>
+          <p:cNvSpPr txBox="1"/>
+          <p:nvPr/>
+        </p:nvSpPr>
+        <p:spPr>
+          <a:xfrm rot="5400000">
+            <a:off x="5797530" y="5165370"/>
+            <a:ext cx="492443" cy="461665"/>
+          </a:xfrm>
+          <a:prstGeom prst="rect">
+            <a:avLst/>
+          </a:prstGeom>
+          <a:noFill/>
+        </p:spPr>
+        <p:txBody>
+          <a:bodyPr wrap="none" rtlCol="0">
+            <a:spAutoFit/>
+          </a:bodyPr>
+          <a:lstStyle/>
+          <a:p>
+            <a:r>
+              <a:rPr lang="en-US" altLang="zh-CN" sz="2400" dirty="0">
+                <a:latin typeface="Times New Roman" panose="02020603050405020304" pitchFamily="18" charset="0"/>
+                <a:cs typeface="Times New Roman" panose="02020603050405020304" pitchFamily="18" charset="0"/>
+              </a:rPr>
+              <a:t>…</a:t>
+            </a:r>
+            <a:endParaRPr lang="zh-CN" altLang="en-US" sz="2400" dirty="0">
+              <a:latin typeface="Times New Roman" panose="02020603050405020304" pitchFamily="18" charset="0"/>
+              <a:cs typeface="Times New Roman" panose="02020603050405020304" pitchFamily="18" charset="0"/>
+            </a:endParaRPr>
+          </a:p>
+        </p:txBody>
+      </p:sp>
+      <p:cxnSp>
+        <p:nvCxnSpPr>
+          <p:cNvPr id="60" name="直接连接符 59">
+            <a:extLst>
+              <a:ext uri="{FF2B5EF4-FFF2-40B4-BE49-F238E27FC236}">
+                <a16:creationId xmlns:a16="http://schemas.microsoft.com/office/drawing/2014/main" id="{A314B534-BF5B-CC47-4E33-AA4AE9D33467}"/>
+              </a:ext>
+            </a:extLst>
+          </p:cNvPr>
+          <p:cNvCxnSpPr>
+            <a:cxnSpLocks/>
+            <a:endCxn id="21" idx="2"/>
+          </p:cNvCxnSpPr>
+          <p:nvPr/>
+        </p:nvCxnSpPr>
+        <p:spPr>
+          <a:xfrm>
+            <a:off x="5788507" y="4454276"/>
+            <a:ext cx="778507" cy="697172"/>
+          </a:xfrm>
+          <a:prstGeom prst="line">
+            <a:avLst/>
+          </a:prstGeom>
+          <a:ln w="28575">
+            <a:solidFill>
+              <a:schemeClr val="tx1"/>
+            </a:solidFill>
+            <a:headEnd type="none" w="med" len="med"/>
+            <a:tailEnd type="triangle" w="med" len="med"/>
+          </a:ln>
+        </p:spPr>
+        <p:style>
+          <a:lnRef idx="1">
+            <a:schemeClr val="accent1"/>
+          </a:lnRef>
+          <a:fillRef idx="0">
+            <a:schemeClr val="accent1"/>
+          </a:fillRef>
+          <a:effectRef idx="0">
+            <a:schemeClr val="accent1"/>
+          </a:effectRef>
+          <a:fontRef idx="minor">
+            <a:schemeClr val="tx1"/>
+          </a:fontRef>
+        </p:style>
+      </p:cxnSp>
+      <p:cxnSp>
+        <p:nvCxnSpPr>
+          <p:cNvPr id="61" name="直接连接符 60">
+            <a:extLst>
+              <a:ext uri="{FF2B5EF4-FFF2-40B4-BE49-F238E27FC236}">
+                <a16:creationId xmlns:a16="http://schemas.microsoft.com/office/drawing/2014/main" id="{8F938E71-3677-0F1D-C6EE-AC427F1D4A63}"/>
+              </a:ext>
+            </a:extLst>
+          </p:cNvPr>
+          <p:cNvCxnSpPr>
+            <a:cxnSpLocks/>
+            <a:endCxn id="21" idx="2"/>
+          </p:cNvCxnSpPr>
+          <p:nvPr/>
+        </p:nvCxnSpPr>
+        <p:spPr>
+          <a:xfrm>
+            <a:off x="5788507" y="4802862"/>
+            <a:ext cx="778507" cy="348586"/>
+          </a:xfrm>
+          <a:prstGeom prst="line">
+            <a:avLst/>
+          </a:prstGeom>
+          <a:ln w="28575">
+            <a:solidFill>
+              <a:schemeClr val="tx1"/>
+            </a:solidFill>
+            <a:headEnd type="none" w="med" len="med"/>
+            <a:tailEnd type="triangle" w="med" len="med"/>
+          </a:ln>
+        </p:spPr>
+        <p:style>
+          <a:lnRef idx="1">
+            <a:schemeClr val="accent1"/>
+          </a:lnRef>
+          <a:fillRef idx="0">
+            <a:schemeClr val="accent1"/>
+          </a:fillRef>
+          <a:effectRef idx="0">
+            <a:schemeClr val="accent1"/>
+          </a:effectRef>
+          <a:fontRef idx="minor">
+            <a:schemeClr val="tx1"/>
+          </a:fontRef>
+        </p:style>
+      </p:cxnSp>
+      <p:sp>
+        <p:nvSpPr>
+          <p:cNvPr id="62" name="文本框 61">
+            <a:extLst>
+              <a:ext uri="{FF2B5EF4-FFF2-40B4-BE49-F238E27FC236}">
+                <a16:creationId xmlns:a16="http://schemas.microsoft.com/office/drawing/2014/main" id="{6AD68C81-B991-4D3C-B305-6EE2192D56C7}"/>
+              </a:ext>
+            </a:extLst>
+          </p:cNvPr>
+          <p:cNvSpPr txBox="1"/>
+          <p:nvPr/>
+        </p:nvSpPr>
+        <p:spPr>
+          <a:xfrm>
+            <a:off x="5950143" y="4204785"/>
+            <a:ext cx="458780" cy="461665"/>
+          </a:xfrm>
+          <a:prstGeom prst="rect">
+            <a:avLst/>
+          </a:prstGeom>
+          <a:noFill/>
+        </p:spPr>
+        <p:txBody>
+          <a:bodyPr wrap="none" rtlCol="0">
+            <a:spAutoFit/>
+          </a:bodyPr>
+          <a:lstStyle/>
+          <a:p>
+            <a:r>
+              <a:rPr lang="en-US" altLang="zh-CN" sz="2400" b="1" i="1" dirty="0">
+                <a:latin typeface="Times New Roman" panose="02020603050405020304" pitchFamily="18" charset="0"/>
+                <a:cs typeface="Times New Roman" panose="02020603050405020304" pitchFamily="18" charset="0"/>
+              </a:rPr>
+              <a:t>W</a:t>
+            </a:r>
+            <a:endParaRPr lang="zh-CN" altLang="en-US" sz="2400" dirty="0">
+              <a:latin typeface="Times New Roman" panose="02020603050405020304" pitchFamily="18" charset="0"/>
+              <a:cs typeface="Times New Roman" panose="02020603050405020304" pitchFamily="18" charset="0"/>
+            </a:endParaRPr>
+          </a:p>
+        </p:txBody>
+      </p:sp>
+      <p:cxnSp>
+        <p:nvCxnSpPr>
+          <p:cNvPr id="63" name="直接连接符 62">
+            <a:extLst>
+              <a:ext uri="{FF2B5EF4-FFF2-40B4-BE49-F238E27FC236}">
+                <a16:creationId xmlns:a16="http://schemas.microsoft.com/office/drawing/2014/main" id="{BE1838D4-9502-36D8-7DB7-A3E1DDBFFE7D}"/>
+              </a:ext>
+            </a:extLst>
+          </p:cNvPr>
+          <p:cNvCxnSpPr>
+            <a:cxnSpLocks/>
+            <a:endCxn id="21" idx="3"/>
+          </p:cNvCxnSpPr>
+          <p:nvPr/>
+        </p:nvCxnSpPr>
+        <p:spPr>
+          <a:xfrm flipV="1">
+            <a:off x="6367511" y="5605296"/>
+            <a:ext cx="387493" cy="744836"/>
+          </a:xfrm>
+          <a:prstGeom prst="line">
+            <a:avLst/>
+          </a:prstGeom>
+          <a:ln w="28575">
+            <a:solidFill>
+              <a:schemeClr val="tx1"/>
+            </a:solidFill>
+            <a:headEnd type="none" w="med" len="med"/>
+            <a:tailEnd type="triangle" w="med" len="med"/>
+          </a:ln>
+        </p:spPr>
+        <p:style>
+          <a:lnRef idx="1">
+            <a:schemeClr val="accent1"/>
+          </a:lnRef>
+          <a:fillRef idx="0">
+            <a:schemeClr val="accent1"/>
+          </a:fillRef>
+          <a:effectRef idx="0">
+            <a:schemeClr val="accent1"/>
+          </a:effectRef>
+          <a:fontRef idx="minor">
+            <a:schemeClr val="tx1"/>
+          </a:fontRef>
+        </p:style>
+      </p:cxnSp>
+      <p:sp>
+        <p:nvSpPr>
+          <p:cNvPr id="67" name="文本框 66">
+            <a:extLst>
+              <a:ext uri="{FF2B5EF4-FFF2-40B4-BE49-F238E27FC236}">
+                <a16:creationId xmlns:a16="http://schemas.microsoft.com/office/drawing/2014/main" id="{5E21F6C8-5135-EE40-8393-23BC122F9B39}"/>
+              </a:ext>
+            </a:extLst>
+          </p:cNvPr>
+          <p:cNvSpPr txBox="1"/>
+          <p:nvPr/>
+        </p:nvSpPr>
+        <p:spPr>
+          <a:xfrm>
+            <a:off x="5931579" y="5741517"/>
+            <a:ext cx="338554" cy="461665"/>
+          </a:xfrm>
+          <a:prstGeom prst="rect">
+            <a:avLst/>
+          </a:prstGeom>
+          <a:noFill/>
+        </p:spPr>
+        <p:txBody>
+          <a:bodyPr wrap="none" rtlCol="0">
+            <a:spAutoFit/>
+          </a:bodyPr>
+          <a:lstStyle/>
+          <a:p>
+            <a:r>
+              <a:rPr lang="en-US" altLang="zh-CN" sz="2400" i="1" dirty="0">
+                <a:latin typeface="Times New Roman" panose="02020603050405020304" pitchFamily="18" charset="0"/>
+                <a:cs typeface="Times New Roman" panose="02020603050405020304" pitchFamily="18" charset="0"/>
+              </a:rPr>
+              <a:t>b</a:t>
+            </a:r>
+            <a:endParaRPr lang="zh-CN" altLang="en-US" sz="2400" i="1" dirty="0">
+              <a:latin typeface="Times New Roman" panose="02020603050405020304" pitchFamily="18" charset="0"/>
+              <a:cs typeface="Times New Roman" panose="02020603050405020304" pitchFamily="18" charset="0"/>
+            </a:endParaRPr>
+          </a:p>
+        </p:txBody>
+      </p:sp>
+      <p:sp>
+        <p:nvSpPr>
+          <p:cNvPr id="76" name="文本框 75">
+            <a:extLst>
+              <a:ext uri="{FF2B5EF4-FFF2-40B4-BE49-F238E27FC236}">
+                <a16:creationId xmlns:a16="http://schemas.microsoft.com/office/drawing/2014/main" id="{3CD53716-AF46-73FA-6ABD-00F15ED23C44}"/>
+              </a:ext>
+            </a:extLst>
+          </p:cNvPr>
+          <p:cNvSpPr txBox="1"/>
+          <p:nvPr/>
+        </p:nvSpPr>
+        <p:spPr>
+          <a:xfrm>
+            <a:off x="5369001" y="4647638"/>
+            <a:ext cx="338554" cy="461665"/>
+          </a:xfrm>
+          <a:prstGeom prst="rect">
+            <a:avLst/>
+          </a:prstGeom>
+          <a:noFill/>
+        </p:spPr>
+        <p:txBody>
+          <a:bodyPr wrap="none" rtlCol="0">
+            <a:spAutoFit/>
+          </a:bodyPr>
+          <a:lstStyle/>
+          <a:p>
+            <a:r>
+              <a:rPr lang="en-US" altLang="zh-CN" sz="2400" b="1" i="1" dirty="0">
+                <a:latin typeface="Times New Roman" panose="02020603050405020304" pitchFamily="18" charset="0"/>
+                <a:cs typeface="Times New Roman" panose="02020603050405020304" pitchFamily="18" charset="0"/>
+              </a:rPr>
+              <a:t>a</a:t>
+            </a:r>
+            <a:endParaRPr lang="zh-CN" altLang="en-US" sz="2400" i="1" dirty="0">
+              <a:latin typeface="Times New Roman" panose="02020603050405020304" pitchFamily="18" charset="0"/>
+              <a:cs typeface="Times New Roman" panose="02020603050405020304" pitchFamily="18" charset="0"/>
+            </a:endParaRPr>
+          </a:p>
+        </p:txBody>
+      </p:sp>
+      <p:sp>
+        <p:nvSpPr>
+          <p:cNvPr id="78" name="文本框 77">
+            <a:extLst>
+              <a:ext uri="{FF2B5EF4-FFF2-40B4-BE49-F238E27FC236}">
+                <a16:creationId xmlns:a16="http://schemas.microsoft.com/office/drawing/2014/main" id="{24ECE64A-9F34-2297-DCB9-FDBCE7DE2553}"/>
+              </a:ext>
+            </a:extLst>
+          </p:cNvPr>
+          <p:cNvSpPr txBox="1"/>
+          <p:nvPr/>
+        </p:nvSpPr>
+        <p:spPr>
+          <a:xfrm>
+            <a:off x="7345521" y="4919149"/>
+            <a:ext cx="357790" cy="461665"/>
+          </a:xfrm>
+          <a:prstGeom prst="rect">
+            <a:avLst/>
+          </a:prstGeom>
+          <a:noFill/>
+        </p:spPr>
+        <p:txBody>
+          <a:bodyPr wrap="none" rtlCol="0">
+            <a:spAutoFit/>
+          </a:bodyPr>
+          <a:lstStyle/>
+          <a:p>
+            <a:r>
+              <a:rPr lang="en-US" altLang="zh-CN" sz="2400" dirty="0">
+                <a:latin typeface="Times New Roman" panose="02020603050405020304" pitchFamily="18" charset="0"/>
+                <a:cs typeface="Times New Roman" panose="02020603050405020304" pitchFamily="18" charset="0"/>
+              </a:rPr>
+              <a:t>=</a:t>
+            </a:r>
+            <a:endParaRPr lang="zh-CN" altLang="en-US" sz="2400" baseline="30000" dirty="0">
+              <a:latin typeface="Times New Roman" panose="02020603050405020304" pitchFamily="18" charset="0"/>
+              <a:cs typeface="Times New Roman" panose="02020603050405020304" pitchFamily="18" charset="0"/>
+            </a:endParaRPr>
+          </a:p>
+        </p:txBody>
+      </p:sp>
     </p:spTree>
     <p:extLst>
       <p:ext uri="{BB962C8B-B14F-4D97-AF65-F5344CB8AC3E}">
         <p14:creationId xmlns:p14="http://schemas.microsoft.com/office/powerpoint/2010/main" val="14880980"/>
+      </p:ext>
+    </p:extLst>
+  </p:cSld>
+  <p:clrMapOvr>
+    <a:masterClrMapping/>
+  </p:clrMapOvr>
+</p:sld>
+</file>
+
+<file path=ppt/slides/slide2.xml><?xml version="1.0" encoding="utf-8"?>
+<p:sld xmlns:a="http://schemas.openxmlformats.org/drawingml/2006/main" xmlns:r="http://schemas.openxmlformats.org/officeDocument/2006/relationships" xmlns:p="http://schemas.openxmlformats.org/presentationml/2006/main">
+  <p:cSld>
+    <p:spTree>
+      <p:nvGrpSpPr>
+        <p:cNvPr id="1" name=""/>
+        <p:cNvGrpSpPr/>
+        <p:nvPr/>
+      </p:nvGrpSpPr>
+      <p:grpSpPr>
+        <a:xfrm>
+          <a:off x="0" y="0"/>
+          <a:ext cx="0" cy="0"/>
+          <a:chOff x="0" y="0"/>
+          <a:chExt cx="0" cy="0"/>
+        </a:xfrm>
+      </p:grpSpPr>
+      <p:cxnSp>
+        <p:nvCxnSpPr>
+          <p:cNvPr id="4" name="直接连接符 3">
+            <a:extLst>
+              <a:ext uri="{FF2B5EF4-FFF2-40B4-BE49-F238E27FC236}">
+                <a16:creationId xmlns:a16="http://schemas.microsoft.com/office/drawing/2014/main" id="{17601F93-CDAC-B9AF-1E24-3ABC2A0D47C8}"/>
+              </a:ext>
+            </a:extLst>
+          </p:cNvPr>
+          <p:cNvCxnSpPr>
+            <a:cxnSpLocks/>
+            <a:endCxn id="5" idx="2"/>
+          </p:cNvCxnSpPr>
+          <p:nvPr/>
+        </p:nvCxnSpPr>
+        <p:spPr>
+          <a:xfrm>
+            <a:off x="3755508" y="3200400"/>
+            <a:ext cx="766806" cy="0"/>
+          </a:xfrm>
+          <a:prstGeom prst="line">
+            <a:avLst/>
+          </a:prstGeom>
+          <a:ln w="28575">
+            <a:solidFill>
+              <a:schemeClr val="tx1"/>
+            </a:solidFill>
+            <a:headEnd type="none" w="med" len="med"/>
+            <a:tailEnd type="triangle" w="med" len="med"/>
+          </a:ln>
+        </p:spPr>
+        <p:style>
+          <a:lnRef idx="1">
+            <a:schemeClr val="accent1"/>
+          </a:lnRef>
+          <a:fillRef idx="0">
+            <a:schemeClr val="accent1"/>
+          </a:fillRef>
+          <a:effectRef idx="0">
+            <a:schemeClr val="accent1"/>
+          </a:effectRef>
+          <a:fontRef idx="minor">
+            <a:schemeClr val="tx1"/>
+          </a:fontRef>
+        </p:style>
+      </p:cxnSp>
+      <p:sp>
+        <p:nvSpPr>
+          <p:cNvPr id="5" name="椭圆 4">
+            <a:extLst>
+              <a:ext uri="{FF2B5EF4-FFF2-40B4-BE49-F238E27FC236}">
+                <a16:creationId xmlns:a16="http://schemas.microsoft.com/office/drawing/2014/main" id="{5B8480E2-2B51-C94A-E63C-2EFFB37A233E}"/>
+              </a:ext>
+            </a:extLst>
+          </p:cNvPr>
+          <p:cNvSpPr/>
+          <p:nvPr/>
+        </p:nvSpPr>
+        <p:spPr>
+          <a:xfrm>
+            <a:off x="4522314" y="2558561"/>
+            <a:ext cx="1283677" cy="1283677"/>
+          </a:xfrm>
+          <a:prstGeom prst="ellipse">
+            <a:avLst/>
+          </a:prstGeom>
+          <a:noFill/>
+          <a:ln w="28575">
+            <a:solidFill>
+              <a:schemeClr val="tx1"/>
+            </a:solidFill>
+          </a:ln>
+        </p:spPr>
+        <p:style>
+          <a:lnRef idx="2">
+            <a:schemeClr val="accent1">
+              <a:shade val="15000"/>
+            </a:schemeClr>
+          </a:lnRef>
+          <a:fillRef idx="1">
+            <a:schemeClr val="accent1"/>
+          </a:fillRef>
+          <a:effectRef idx="0">
+            <a:schemeClr val="accent1"/>
+          </a:effectRef>
+          <a:fontRef idx="minor">
+            <a:schemeClr val="lt1"/>
+          </a:fontRef>
+        </p:style>
+        <p:txBody>
+          <a:bodyPr rtlCol="0" anchor="ctr"/>
+          <a:lstStyle/>
+          <a:p>
+            <a:pPr algn="ctr"/>
+            <a:endParaRPr lang="zh-CN" altLang="en-US"/>
+          </a:p>
+        </p:txBody>
+      </p:sp>
+      <p:sp>
+        <p:nvSpPr>
+          <p:cNvPr id="6" name="文本框 5">
+            <a:extLst>
+              <a:ext uri="{FF2B5EF4-FFF2-40B4-BE49-F238E27FC236}">
+                <a16:creationId xmlns:a16="http://schemas.microsoft.com/office/drawing/2014/main" id="{E2732A48-16CE-C49A-CBB6-6F628C7E29A8}"/>
+              </a:ext>
+            </a:extLst>
+          </p:cNvPr>
+          <p:cNvSpPr txBox="1"/>
+          <p:nvPr/>
+        </p:nvSpPr>
+        <p:spPr>
+          <a:xfrm>
+            <a:off x="4673955" y="2968101"/>
+            <a:ext cx="304892" cy="461665"/>
+          </a:xfrm>
+          <a:prstGeom prst="rect">
+            <a:avLst/>
+          </a:prstGeom>
+          <a:noFill/>
+        </p:spPr>
+        <p:txBody>
+          <a:bodyPr wrap="none" rtlCol="0">
+            <a:spAutoFit/>
+          </a:bodyPr>
+          <a:lstStyle/>
+          <a:p>
+            <a:r>
+              <a:rPr lang="en-US" altLang="zh-CN" sz="2400" b="1" i="1" dirty="0">
+                <a:latin typeface="Times New Roman" panose="02020603050405020304" pitchFamily="18" charset="0"/>
+                <a:cs typeface="Times New Roman" panose="02020603050405020304" pitchFamily="18" charset="0"/>
+              </a:rPr>
+              <a:t>z</a:t>
+            </a:r>
+            <a:endParaRPr lang="zh-CN" altLang="en-US" sz="2400" i="1" baseline="30000" dirty="0">
+              <a:latin typeface="Times New Roman" panose="02020603050405020304" pitchFamily="18" charset="0"/>
+              <a:cs typeface="Times New Roman" panose="02020603050405020304" pitchFamily="18" charset="0"/>
+            </a:endParaRPr>
+          </a:p>
+        </p:txBody>
+      </p:sp>
+      <p:sp>
+        <p:nvSpPr>
+          <p:cNvPr id="7" name="文本框 6">
+            <a:extLst>
+              <a:ext uri="{FF2B5EF4-FFF2-40B4-BE49-F238E27FC236}">
+                <a16:creationId xmlns:a16="http://schemas.microsoft.com/office/drawing/2014/main" id="{7B071053-76D6-7B85-93A6-D471B169BFA1}"/>
+              </a:ext>
+            </a:extLst>
+          </p:cNvPr>
+          <p:cNvSpPr txBox="1"/>
+          <p:nvPr/>
+        </p:nvSpPr>
+        <p:spPr>
+          <a:xfrm>
+            <a:off x="5892590" y="2669397"/>
+            <a:ext cx="1281120" cy="461665"/>
+          </a:xfrm>
+          <a:prstGeom prst="rect">
+            <a:avLst/>
+          </a:prstGeom>
+          <a:noFill/>
+        </p:spPr>
+        <p:txBody>
+          <a:bodyPr wrap="none" rtlCol="0">
+            <a:spAutoFit/>
+          </a:bodyPr>
+          <a:lstStyle/>
+          <a:p>
+            <a:r>
+              <a:rPr lang="en-US" altLang="zh-CN" sz="2400" i="1" dirty="0">
+                <a:latin typeface="Times New Roman" panose="02020603050405020304" pitchFamily="18" charset="0"/>
+                <a:cs typeface="Times New Roman" panose="02020603050405020304" pitchFamily="18" charset="0"/>
+              </a:rPr>
+              <a:t>a </a:t>
+            </a:r>
+            <a:r>
+              <a:rPr lang="en-US" altLang="zh-CN" sz="2400" dirty="0">
+                <a:latin typeface="Times New Roman" panose="02020603050405020304" pitchFamily="18" charset="0"/>
+                <a:cs typeface="Times New Roman" panose="02020603050405020304" pitchFamily="18" charset="0"/>
+              </a:rPr>
+              <a:t>= 4.25</a:t>
+            </a:r>
+            <a:r>
+              <a:rPr lang="en-US" altLang="zh-CN" sz="2400" i="1" dirty="0">
+                <a:latin typeface="Times New Roman" panose="02020603050405020304" pitchFamily="18" charset="0"/>
+                <a:cs typeface="Times New Roman" panose="02020603050405020304" pitchFamily="18" charset="0"/>
+              </a:rPr>
+              <a:t> </a:t>
+            </a:r>
+            <a:endParaRPr lang="zh-CN" altLang="en-US" sz="2400" i="1" dirty="0">
+              <a:latin typeface="Times New Roman" panose="02020603050405020304" pitchFamily="18" charset="0"/>
+              <a:cs typeface="Times New Roman" panose="02020603050405020304" pitchFamily="18" charset="0"/>
+            </a:endParaRPr>
+          </a:p>
+        </p:txBody>
+      </p:sp>
+      <p:cxnSp>
+        <p:nvCxnSpPr>
+          <p:cNvPr id="8" name="直接连接符 7">
+            <a:extLst>
+              <a:ext uri="{FF2B5EF4-FFF2-40B4-BE49-F238E27FC236}">
+                <a16:creationId xmlns:a16="http://schemas.microsoft.com/office/drawing/2014/main" id="{7E98FB11-D16D-A065-AF98-3AFFD2AA7C40}"/>
+              </a:ext>
+            </a:extLst>
+          </p:cNvPr>
+          <p:cNvCxnSpPr>
+            <a:cxnSpLocks/>
+            <a:stCxn id="5" idx="0"/>
+            <a:endCxn id="5" idx="4"/>
+          </p:cNvCxnSpPr>
+          <p:nvPr/>
+        </p:nvCxnSpPr>
+        <p:spPr>
+          <a:xfrm>
+            <a:off x="5164153" y="2558561"/>
+            <a:ext cx="0" cy="1283677"/>
+          </a:xfrm>
+          <a:prstGeom prst="line">
+            <a:avLst/>
+          </a:prstGeom>
+          <a:ln w="28575">
+            <a:solidFill>
+              <a:schemeClr val="tx1"/>
+            </a:solidFill>
+          </a:ln>
+        </p:spPr>
+        <p:style>
+          <a:lnRef idx="1">
+            <a:schemeClr val="accent1"/>
+          </a:lnRef>
+          <a:fillRef idx="0">
+            <a:schemeClr val="accent1"/>
+          </a:fillRef>
+          <a:effectRef idx="0">
+            <a:schemeClr val="accent1"/>
+          </a:effectRef>
+          <a:fontRef idx="minor">
+            <a:schemeClr val="tx1"/>
+          </a:fontRef>
+        </p:style>
+      </p:cxnSp>
+      <p:cxnSp>
+        <p:nvCxnSpPr>
+          <p:cNvPr id="9" name="直接连接符 8">
+            <a:extLst>
+              <a:ext uri="{FF2B5EF4-FFF2-40B4-BE49-F238E27FC236}">
+                <a16:creationId xmlns:a16="http://schemas.microsoft.com/office/drawing/2014/main" id="{D0C2D48A-CBA5-A788-4730-F85AA543D008}"/>
+              </a:ext>
+            </a:extLst>
+          </p:cNvPr>
+          <p:cNvCxnSpPr>
+            <a:cxnSpLocks/>
+            <a:stCxn id="5" idx="6"/>
+          </p:cNvCxnSpPr>
+          <p:nvPr/>
+        </p:nvCxnSpPr>
+        <p:spPr>
+          <a:xfrm flipV="1">
+            <a:off x="5805991" y="3198933"/>
+            <a:ext cx="641839" cy="1467"/>
+          </a:xfrm>
+          <a:prstGeom prst="line">
+            <a:avLst/>
+          </a:prstGeom>
+          <a:ln w="28575">
+            <a:solidFill>
+              <a:schemeClr val="tx1"/>
+            </a:solidFill>
+            <a:headEnd type="none" w="med" len="med"/>
+            <a:tailEnd type="triangle" w="med" len="med"/>
+          </a:ln>
+        </p:spPr>
+        <p:style>
+          <a:lnRef idx="1">
+            <a:schemeClr val="accent1"/>
+          </a:lnRef>
+          <a:fillRef idx="0">
+            <a:schemeClr val="accent1"/>
+          </a:fillRef>
+          <a:effectRef idx="0">
+            <a:schemeClr val="accent1"/>
+          </a:effectRef>
+          <a:fontRef idx="minor">
+            <a:schemeClr val="tx1"/>
+          </a:fontRef>
+        </p:style>
+      </p:cxnSp>
+      <p:sp>
+        <p:nvSpPr>
+          <p:cNvPr id="10" name="文本框 9">
+            <a:extLst>
+              <a:ext uri="{FF2B5EF4-FFF2-40B4-BE49-F238E27FC236}">
+                <a16:creationId xmlns:a16="http://schemas.microsoft.com/office/drawing/2014/main" id="{AD454D27-1B95-E74B-5245-5F2DDA6FBA19}"/>
+              </a:ext>
+            </a:extLst>
+          </p:cNvPr>
+          <p:cNvSpPr txBox="1"/>
+          <p:nvPr/>
+        </p:nvSpPr>
+        <p:spPr>
+          <a:xfrm rot="5400000">
+            <a:off x="3752830" y="3214322"/>
+            <a:ext cx="492443" cy="461665"/>
+          </a:xfrm>
+          <a:prstGeom prst="rect">
+            <a:avLst/>
+          </a:prstGeom>
+          <a:noFill/>
+        </p:spPr>
+        <p:txBody>
+          <a:bodyPr wrap="none" rtlCol="0">
+            <a:spAutoFit/>
+          </a:bodyPr>
+          <a:lstStyle/>
+          <a:p>
+            <a:r>
+              <a:rPr lang="en-US" altLang="zh-CN" sz="2400" dirty="0">
+                <a:latin typeface="Times New Roman" panose="02020603050405020304" pitchFamily="18" charset="0"/>
+                <a:cs typeface="Times New Roman" panose="02020603050405020304" pitchFamily="18" charset="0"/>
+              </a:rPr>
+              <a:t>…</a:t>
+            </a:r>
+            <a:endParaRPr lang="zh-CN" altLang="en-US" sz="2400" dirty="0">
+              <a:latin typeface="Times New Roman" panose="02020603050405020304" pitchFamily="18" charset="0"/>
+              <a:cs typeface="Times New Roman" panose="02020603050405020304" pitchFamily="18" charset="0"/>
+            </a:endParaRPr>
+          </a:p>
+        </p:txBody>
+      </p:sp>
+      <p:cxnSp>
+        <p:nvCxnSpPr>
+          <p:cNvPr id="11" name="直接连接符 10">
+            <a:extLst>
+              <a:ext uri="{FF2B5EF4-FFF2-40B4-BE49-F238E27FC236}">
+                <a16:creationId xmlns:a16="http://schemas.microsoft.com/office/drawing/2014/main" id="{286521B9-1E28-6F26-8AC1-6DC813F8C51E}"/>
+              </a:ext>
+            </a:extLst>
+          </p:cNvPr>
+          <p:cNvCxnSpPr>
+            <a:cxnSpLocks/>
+            <a:endCxn id="5" idx="2"/>
+          </p:cNvCxnSpPr>
+          <p:nvPr/>
+        </p:nvCxnSpPr>
+        <p:spPr>
+          <a:xfrm>
+            <a:off x="3743807" y="2503228"/>
+            <a:ext cx="778507" cy="697172"/>
+          </a:xfrm>
+          <a:prstGeom prst="line">
+            <a:avLst/>
+          </a:prstGeom>
+          <a:ln w="28575">
+            <a:solidFill>
+              <a:schemeClr val="tx1"/>
+            </a:solidFill>
+            <a:headEnd type="none" w="med" len="med"/>
+            <a:tailEnd type="triangle" w="med" len="med"/>
+          </a:ln>
+        </p:spPr>
+        <p:style>
+          <a:lnRef idx="1">
+            <a:schemeClr val="accent1"/>
+          </a:lnRef>
+          <a:fillRef idx="0">
+            <a:schemeClr val="accent1"/>
+          </a:fillRef>
+          <a:effectRef idx="0">
+            <a:schemeClr val="accent1"/>
+          </a:effectRef>
+          <a:fontRef idx="minor">
+            <a:schemeClr val="tx1"/>
+          </a:fontRef>
+        </p:style>
+      </p:cxnSp>
+      <p:cxnSp>
+        <p:nvCxnSpPr>
+          <p:cNvPr id="12" name="直接连接符 11">
+            <a:extLst>
+              <a:ext uri="{FF2B5EF4-FFF2-40B4-BE49-F238E27FC236}">
+                <a16:creationId xmlns:a16="http://schemas.microsoft.com/office/drawing/2014/main" id="{9B9B9FD5-B31E-A69A-8458-8F1340A20289}"/>
+              </a:ext>
+            </a:extLst>
+          </p:cNvPr>
+          <p:cNvCxnSpPr>
+            <a:cxnSpLocks/>
+            <a:endCxn id="5" idx="2"/>
+          </p:cNvCxnSpPr>
+          <p:nvPr/>
+        </p:nvCxnSpPr>
+        <p:spPr>
+          <a:xfrm>
+            <a:off x="3743807" y="2851814"/>
+            <a:ext cx="778507" cy="348586"/>
+          </a:xfrm>
+          <a:prstGeom prst="line">
+            <a:avLst/>
+          </a:prstGeom>
+          <a:ln w="28575">
+            <a:solidFill>
+              <a:schemeClr val="tx1"/>
+            </a:solidFill>
+            <a:headEnd type="none" w="med" len="med"/>
+            <a:tailEnd type="triangle" w="med" len="med"/>
+          </a:ln>
+        </p:spPr>
+        <p:style>
+          <a:lnRef idx="1">
+            <a:schemeClr val="accent1"/>
+          </a:lnRef>
+          <a:fillRef idx="0">
+            <a:schemeClr val="accent1"/>
+          </a:fillRef>
+          <a:effectRef idx="0">
+            <a:schemeClr val="accent1"/>
+          </a:effectRef>
+          <a:fontRef idx="minor">
+            <a:schemeClr val="tx1"/>
+          </a:fontRef>
+        </p:style>
+      </p:cxnSp>
+      <p:sp>
+        <p:nvSpPr>
+          <p:cNvPr id="13" name="文本框 12">
+            <a:extLst>
+              <a:ext uri="{FF2B5EF4-FFF2-40B4-BE49-F238E27FC236}">
+                <a16:creationId xmlns:a16="http://schemas.microsoft.com/office/drawing/2014/main" id="{6BA58DE9-D29D-4235-CF6E-5DA99A39B0EA}"/>
+              </a:ext>
+            </a:extLst>
+          </p:cNvPr>
+          <p:cNvSpPr txBox="1"/>
+          <p:nvPr/>
+        </p:nvSpPr>
+        <p:spPr>
+          <a:xfrm>
+            <a:off x="3905443" y="2253737"/>
+            <a:ext cx="458780" cy="461665"/>
+          </a:xfrm>
+          <a:prstGeom prst="rect">
+            <a:avLst/>
+          </a:prstGeom>
+          <a:noFill/>
+        </p:spPr>
+        <p:txBody>
+          <a:bodyPr wrap="none" rtlCol="0">
+            <a:spAutoFit/>
+          </a:bodyPr>
+          <a:lstStyle/>
+          <a:p>
+            <a:r>
+              <a:rPr lang="en-US" altLang="zh-CN" sz="2400" b="1" i="1" dirty="0">
+                <a:latin typeface="Times New Roman" panose="02020603050405020304" pitchFamily="18" charset="0"/>
+                <a:cs typeface="Times New Roman" panose="02020603050405020304" pitchFamily="18" charset="0"/>
+              </a:rPr>
+              <a:t>W</a:t>
+            </a:r>
+            <a:endParaRPr lang="zh-CN" altLang="en-US" sz="2400" dirty="0">
+              <a:latin typeface="Times New Roman" panose="02020603050405020304" pitchFamily="18" charset="0"/>
+              <a:cs typeface="Times New Roman" panose="02020603050405020304" pitchFamily="18" charset="0"/>
+            </a:endParaRPr>
+          </a:p>
+        </p:txBody>
+      </p:sp>
+      <p:cxnSp>
+        <p:nvCxnSpPr>
+          <p:cNvPr id="14" name="直接连接符 13">
+            <a:extLst>
+              <a:ext uri="{FF2B5EF4-FFF2-40B4-BE49-F238E27FC236}">
+                <a16:creationId xmlns:a16="http://schemas.microsoft.com/office/drawing/2014/main" id="{E2932EB2-4B71-4467-1F5C-F041EBC62A57}"/>
+              </a:ext>
+            </a:extLst>
+          </p:cNvPr>
+          <p:cNvCxnSpPr>
+            <a:cxnSpLocks/>
+            <a:endCxn id="5" idx="3"/>
+          </p:cNvCxnSpPr>
+          <p:nvPr/>
+        </p:nvCxnSpPr>
+        <p:spPr>
+          <a:xfrm flipV="1">
+            <a:off x="4322811" y="3654248"/>
+            <a:ext cx="387493" cy="744836"/>
+          </a:xfrm>
+          <a:prstGeom prst="line">
+            <a:avLst/>
+          </a:prstGeom>
+          <a:ln w="28575">
+            <a:solidFill>
+              <a:schemeClr val="tx1"/>
+            </a:solidFill>
+            <a:headEnd type="none" w="med" len="med"/>
+            <a:tailEnd type="triangle" w="med" len="med"/>
+          </a:ln>
+        </p:spPr>
+        <p:style>
+          <a:lnRef idx="1">
+            <a:schemeClr val="accent1"/>
+          </a:lnRef>
+          <a:fillRef idx="0">
+            <a:schemeClr val="accent1"/>
+          </a:fillRef>
+          <a:effectRef idx="0">
+            <a:schemeClr val="accent1"/>
+          </a:effectRef>
+          <a:fontRef idx="minor">
+            <a:schemeClr val="tx1"/>
+          </a:fontRef>
+        </p:style>
+      </p:cxnSp>
+      <p:sp>
+        <p:nvSpPr>
+          <p:cNvPr id="15" name="文本框 14">
+            <a:extLst>
+              <a:ext uri="{FF2B5EF4-FFF2-40B4-BE49-F238E27FC236}">
+                <a16:creationId xmlns:a16="http://schemas.microsoft.com/office/drawing/2014/main" id="{AEA20470-127E-DC31-05B9-E0C706BAFFF6}"/>
+              </a:ext>
+            </a:extLst>
+          </p:cNvPr>
+          <p:cNvSpPr txBox="1"/>
+          <p:nvPr/>
+        </p:nvSpPr>
+        <p:spPr>
+          <a:xfrm>
+            <a:off x="3886879" y="3790469"/>
+            <a:ext cx="338554" cy="461665"/>
+          </a:xfrm>
+          <a:prstGeom prst="rect">
+            <a:avLst/>
+          </a:prstGeom>
+          <a:noFill/>
+        </p:spPr>
+        <p:txBody>
+          <a:bodyPr wrap="none" rtlCol="0">
+            <a:spAutoFit/>
+          </a:bodyPr>
+          <a:lstStyle/>
+          <a:p>
+            <a:r>
+              <a:rPr lang="en-US" altLang="zh-CN" sz="2400" i="1" dirty="0">
+                <a:latin typeface="Times New Roman" panose="02020603050405020304" pitchFamily="18" charset="0"/>
+                <a:cs typeface="Times New Roman" panose="02020603050405020304" pitchFamily="18" charset="0"/>
+              </a:rPr>
+              <a:t>b</a:t>
+            </a:r>
+            <a:endParaRPr lang="zh-CN" altLang="en-US" sz="2400" i="1" dirty="0">
+              <a:latin typeface="Times New Roman" panose="02020603050405020304" pitchFamily="18" charset="0"/>
+              <a:cs typeface="Times New Roman" panose="02020603050405020304" pitchFamily="18" charset="0"/>
+            </a:endParaRPr>
+          </a:p>
+        </p:txBody>
+      </p:sp>
+      <p:sp>
+        <p:nvSpPr>
+          <p:cNvPr id="16" name="文本框 15">
+            <a:extLst>
+              <a:ext uri="{FF2B5EF4-FFF2-40B4-BE49-F238E27FC236}">
+                <a16:creationId xmlns:a16="http://schemas.microsoft.com/office/drawing/2014/main" id="{4716182C-740E-97B3-77BD-B8B02C4DD194}"/>
+              </a:ext>
+            </a:extLst>
+          </p:cNvPr>
+          <p:cNvSpPr txBox="1"/>
+          <p:nvPr/>
+        </p:nvSpPr>
+        <p:spPr>
+          <a:xfrm>
+            <a:off x="3324301" y="2696590"/>
+            <a:ext cx="338554" cy="461665"/>
+          </a:xfrm>
+          <a:prstGeom prst="rect">
+            <a:avLst/>
+          </a:prstGeom>
+          <a:noFill/>
+        </p:spPr>
+        <p:txBody>
+          <a:bodyPr wrap="none" rtlCol="0">
+            <a:spAutoFit/>
+          </a:bodyPr>
+          <a:lstStyle/>
+          <a:p>
+            <a:r>
+              <a:rPr lang="en-US" altLang="zh-CN" sz="2400" b="1" i="1" dirty="0">
+                <a:latin typeface="Times New Roman" panose="02020603050405020304" pitchFamily="18" charset="0"/>
+                <a:cs typeface="Times New Roman" panose="02020603050405020304" pitchFamily="18" charset="0"/>
+              </a:rPr>
+              <a:t>a</a:t>
+            </a:r>
+            <a:endParaRPr lang="zh-CN" altLang="en-US" sz="2400" i="1" dirty="0">
+              <a:latin typeface="Times New Roman" panose="02020603050405020304" pitchFamily="18" charset="0"/>
+              <a:cs typeface="Times New Roman" panose="02020603050405020304" pitchFamily="18" charset="0"/>
+            </a:endParaRPr>
+          </a:p>
+        </p:txBody>
+      </p:sp>
+      <p:sp>
+        <p:nvSpPr>
+          <p:cNvPr id="17" name="文本框 16">
+            <a:extLst>
+              <a:ext uri="{FF2B5EF4-FFF2-40B4-BE49-F238E27FC236}">
+                <a16:creationId xmlns:a16="http://schemas.microsoft.com/office/drawing/2014/main" id="{027DBE58-4E74-E961-BBF9-05A7B0AD6879}"/>
+              </a:ext>
+            </a:extLst>
+          </p:cNvPr>
+          <p:cNvSpPr txBox="1"/>
+          <p:nvPr/>
+        </p:nvSpPr>
+        <p:spPr>
+          <a:xfrm>
+            <a:off x="5300821" y="2968101"/>
+            <a:ext cx="357790" cy="461665"/>
+          </a:xfrm>
+          <a:prstGeom prst="rect">
+            <a:avLst/>
+          </a:prstGeom>
+          <a:noFill/>
+        </p:spPr>
+        <p:txBody>
+          <a:bodyPr wrap="none" rtlCol="0">
+            <a:spAutoFit/>
+          </a:bodyPr>
+          <a:lstStyle/>
+          <a:p>
+            <a:r>
+              <a:rPr lang="en-US" altLang="zh-CN" sz="2400" dirty="0">
+                <a:latin typeface="Times New Roman" panose="02020603050405020304" pitchFamily="18" charset="0"/>
+                <a:cs typeface="Times New Roman" panose="02020603050405020304" pitchFamily="18" charset="0"/>
+              </a:rPr>
+              <a:t>=</a:t>
+            </a:r>
+            <a:endParaRPr lang="zh-CN" altLang="en-US" sz="2400" baseline="30000" dirty="0">
+              <a:latin typeface="Times New Roman" panose="02020603050405020304" pitchFamily="18" charset="0"/>
+              <a:cs typeface="Times New Roman" panose="02020603050405020304" pitchFamily="18" charset="0"/>
+            </a:endParaRPr>
+          </a:p>
+        </p:txBody>
+      </p:sp>
+      <p:sp>
+        <p:nvSpPr>
+          <p:cNvPr id="18" name="文本框 17">
+            <a:extLst>
+              <a:ext uri="{FF2B5EF4-FFF2-40B4-BE49-F238E27FC236}">
+                <a16:creationId xmlns:a16="http://schemas.microsoft.com/office/drawing/2014/main" id="{EA66C431-118C-5A2E-4980-3ADC1DD2C66E}"/>
+              </a:ext>
+            </a:extLst>
+          </p:cNvPr>
+          <p:cNvSpPr txBox="1"/>
+          <p:nvPr/>
+        </p:nvSpPr>
+        <p:spPr>
+          <a:xfrm>
+            <a:off x="7607090" y="2669397"/>
+            <a:ext cx="1298753" cy="461665"/>
+          </a:xfrm>
+          <a:prstGeom prst="rect">
+            <a:avLst/>
+          </a:prstGeom>
+          <a:noFill/>
+        </p:spPr>
+        <p:txBody>
+          <a:bodyPr wrap="none" rtlCol="0">
+            <a:spAutoFit/>
+          </a:bodyPr>
+          <a:lstStyle/>
+          <a:p>
+            <a:r>
+              <a:rPr lang="en-US" altLang="zh-CN" sz="2400" i="1" dirty="0">
+                <a:latin typeface="Times New Roman" panose="02020603050405020304" pitchFamily="18" charset="0"/>
+                <a:cs typeface="Times New Roman" panose="02020603050405020304" pitchFamily="18" charset="0"/>
+              </a:rPr>
+              <a:t>y = 5.89 </a:t>
+            </a:r>
+            <a:endParaRPr lang="zh-CN" altLang="en-US" sz="2400" i="1" dirty="0">
+              <a:latin typeface="Times New Roman" panose="02020603050405020304" pitchFamily="18" charset="0"/>
+              <a:cs typeface="Times New Roman" panose="02020603050405020304" pitchFamily="18" charset="0"/>
+            </a:endParaRPr>
+          </a:p>
+        </p:txBody>
+      </p:sp>
+      <p:sp>
+        <p:nvSpPr>
+          <p:cNvPr id="19" name="文本框 18">
+            <a:extLst>
+              <a:ext uri="{FF2B5EF4-FFF2-40B4-BE49-F238E27FC236}">
+                <a16:creationId xmlns:a16="http://schemas.microsoft.com/office/drawing/2014/main" id="{94C7F8CD-0B61-36F9-8A59-F97B7B011D74}"/>
+              </a:ext>
+            </a:extLst>
+          </p:cNvPr>
+          <p:cNvSpPr txBox="1"/>
+          <p:nvPr/>
+        </p:nvSpPr>
+        <p:spPr>
+          <a:xfrm>
+            <a:off x="5419024" y="3817642"/>
+            <a:ext cx="1107996" cy="369332"/>
+          </a:xfrm>
+          <a:prstGeom prst="rect">
+            <a:avLst/>
+          </a:prstGeom>
+          <a:noFill/>
+        </p:spPr>
+        <p:txBody>
+          <a:bodyPr wrap="none" rtlCol="0">
+            <a:spAutoFit/>
+          </a:bodyPr>
+          <a:lstStyle/>
+          <a:p>
+            <a:r>
+              <a:rPr lang="zh-CN" altLang="en-US" dirty="0">
+                <a:latin typeface="宋体" panose="02010600030101010101" pitchFamily="2" charset="-122"/>
+                <a:ea typeface="宋体" panose="02010600030101010101" pitchFamily="2" charset="-122"/>
+                <a:cs typeface="Times New Roman" panose="02020603050405020304" pitchFamily="18" charset="0"/>
+              </a:rPr>
+              <a:t>恒等映射</a:t>
+            </a:r>
+          </a:p>
+        </p:txBody>
+      </p:sp>
+      <p:sp>
+        <p:nvSpPr>
+          <p:cNvPr id="20" name="文本框 19">
+            <a:extLst>
+              <a:ext uri="{FF2B5EF4-FFF2-40B4-BE49-F238E27FC236}">
+                <a16:creationId xmlns:a16="http://schemas.microsoft.com/office/drawing/2014/main" id="{DD6B8595-27C3-02F5-5B6D-A08885FF55D0}"/>
+              </a:ext>
+            </a:extLst>
+          </p:cNvPr>
+          <p:cNvSpPr txBox="1"/>
+          <p:nvPr/>
+        </p:nvSpPr>
+        <p:spPr>
+          <a:xfrm>
+            <a:off x="6781890" y="3817642"/>
+            <a:ext cx="1107996" cy="369332"/>
+          </a:xfrm>
+          <a:prstGeom prst="rect">
+            <a:avLst/>
+          </a:prstGeom>
+          <a:noFill/>
+        </p:spPr>
+        <p:txBody>
+          <a:bodyPr wrap="none" rtlCol="0">
+            <a:spAutoFit/>
+          </a:bodyPr>
+          <a:lstStyle/>
+          <a:p>
+            <a:r>
+              <a:rPr lang="zh-CN" altLang="en-US" dirty="0">
+                <a:latin typeface="宋体" panose="02010600030101010101" pitchFamily="2" charset="-122"/>
+                <a:ea typeface="宋体" panose="02010600030101010101" pitchFamily="2" charset="-122"/>
+                <a:cs typeface="Times New Roman" panose="02020603050405020304" pitchFamily="18" charset="0"/>
+              </a:rPr>
+              <a:t>均方误差</a:t>
+            </a:r>
+          </a:p>
+        </p:txBody>
+      </p:sp>
+      <p:cxnSp>
+        <p:nvCxnSpPr>
+          <p:cNvPr id="22" name="直接箭头连接符 21">
+            <a:extLst>
+              <a:ext uri="{FF2B5EF4-FFF2-40B4-BE49-F238E27FC236}">
+                <a16:creationId xmlns:a16="http://schemas.microsoft.com/office/drawing/2014/main" id="{049746A4-D75D-DFED-448E-85E38ABB3649}"/>
+              </a:ext>
+            </a:extLst>
+          </p:cNvPr>
+          <p:cNvCxnSpPr>
+            <a:cxnSpLocks/>
+          </p:cNvCxnSpPr>
+          <p:nvPr/>
+        </p:nvCxnSpPr>
+        <p:spPr>
+          <a:xfrm>
+            <a:off x="6781890" y="3158255"/>
+            <a:ext cx="362940" cy="560314"/>
+          </a:xfrm>
+          <a:prstGeom prst="straightConnector1">
+            <a:avLst/>
+          </a:prstGeom>
+          <a:ln w="12700">
+            <a:solidFill>
+              <a:schemeClr val="tx1"/>
+            </a:solidFill>
+            <a:prstDash val="dash"/>
+            <a:tailEnd type="triangle"/>
+          </a:ln>
+        </p:spPr>
+        <p:style>
+          <a:lnRef idx="1">
+            <a:schemeClr val="accent1"/>
+          </a:lnRef>
+          <a:fillRef idx="0">
+            <a:schemeClr val="accent1"/>
+          </a:fillRef>
+          <a:effectRef idx="0">
+            <a:schemeClr val="accent1"/>
+          </a:effectRef>
+          <a:fontRef idx="minor">
+            <a:schemeClr val="tx1"/>
+          </a:fontRef>
+        </p:style>
+      </p:cxnSp>
+      <p:cxnSp>
+        <p:nvCxnSpPr>
+          <p:cNvPr id="23" name="直接箭头连接符 22">
+            <a:extLst>
+              <a:ext uri="{FF2B5EF4-FFF2-40B4-BE49-F238E27FC236}">
+                <a16:creationId xmlns:a16="http://schemas.microsoft.com/office/drawing/2014/main" id="{AAF8511F-C670-DEE7-EC30-559521409D95}"/>
+              </a:ext>
+            </a:extLst>
+          </p:cNvPr>
+          <p:cNvCxnSpPr>
+            <a:cxnSpLocks/>
+          </p:cNvCxnSpPr>
+          <p:nvPr/>
+        </p:nvCxnSpPr>
+        <p:spPr>
+          <a:xfrm flipH="1">
+            <a:off x="7507770" y="3158255"/>
+            <a:ext cx="382116" cy="568684"/>
+          </a:xfrm>
+          <a:prstGeom prst="straightConnector1">
+            <a:avLst/>
+          </a:prstGeom>
+          <a:ln w="12700">
+            <a:solidFill>
+              <a:schemeClr val="tx1"/>
+            </a:solidFill>
+            <a:prstDash val="dash"/>
+            <a:tailEnd type="triangle"/>
+          </a:ln>
+        </p:spPr>
+        <p:style>
+          <a:lnRef idx="1">
+            <a:schemeClr val="accent1"/>
+          </a:lnRef>
+          <a:fillRef idx="0">
+            <a:schemeClr val="accent1"/>
+          </a:fillRef>
+          <a:effectRef idx="0">
+            <a:schemeClr val="accent1"/>
+          </a:effectRef>
+          <a:fontRef idx="minor">
+            <a:schemeClr val="tx1"/>
+          </a:fontRef>
+        </p:style>
+      </p:cxnSp>
+    </p:spTree>
+    <p:extLst>
+      <p:ext uri="{BB962C8B-B14F-4D97-AF65-F5344CB8AC3E}">
+        <p14:creationId xmlns:p14="http://schemas.microsoft.com/office/powerpoint/2010/main" val="2878619544"/>
+      </p:ext>
+    </p:extLst>
+  </p:cSld>
+  <p:clrMapOvr>
+    <a:masterClrMapping/>
+  </p:clrMapOvr>
+</p:sld>
+</file>
+
+<file path=ppt/slides/slide3.xml><?xml version="1.0" encoding="utf-8"?>
+<p:sld xmlns:a="http://schemas.openxmlformats.org/drawingml/2006/main" xmlns:r="http://schemas.openxmlformats.org/officeDocument/2006/relationships" xmlns:p="http://schemas.openxmlformats.org/presentationml/2006/main">
+  <p:cSld>
+    <p:spTree>
+      <p:nvGrpSpPr>
+        <p:cNvPr id="1" name="">
+          <a:extLst>
+            <a:ext uri="{FF2B5EF4-FFF2-40B4-BE49-F238E27FC236}">
+              <a16:creationId xmlns:a16="http://schemas.microsoft.com/office/drawing/2014/main" id="{9F248BC3-9131-2CF8-0014-90B686BE16F0}"/>
+            </a:ext>
+          </a:extLst>
+        </p:cNvPr>
+        <p:cNvGrpSpPr/>
+        <p:nvPr/>
+      </p:nvGrpSpPr>
+      <p:grpSpPr>
+        <a:xfrm>
+          <a:off x="0" y="0"/>
+          <a:ext cx="0" cy="0"/>
+          <a:chOff x="0" y="0"/>
+          <a:chExt cx="0" cy="0"/>
+        </a:xfrm>
+      </p:grpSpPr>
+      <p:cxnSp>
+        <p:nvCxnSpPr>
+          <p:cNvPr id="45" name="直接连接符 44">
+            <a:extLst>
+              <a:ext uri="{FF2B5EF4-FFF2-40B4-BE49-F238E27FC236}">
+                <a16:creationId xmlns:a16="http://schemas.microsoft.com/office/drawing/2014/main" id="{9D942776-C803-CBB3-4A11-E22F6B754B70}"/>
+              </a:ext>
+            </a:extLst>
+          </p:cNvPr>
+          <p:cNvCxnSpPr>
+            <a:cxnSpLocks/>
+            <a:endCxn id="51" idx="2"/>
+          </p:cNvCxnSpPr>
+          <p:nvPr/>
+        </p:nvCxnSpPr>
+        <p:spPr>
+          <a:xfrm>
+            <a:off x="4085708" y="1828844"/>
+            <a:ext cx="766806" cy="0"/>
+          </a:xfrm>
+          <a:prstGeom prst="line">
+            <a:avLst/>
+          </a:prstGeom>
+          <a:ln w="28575">
+            <a:solidFill>
+              <a:schemeClr val="tx1"/>
+            </a:solidFill>
+            <a:headEnd type="none" w="med" len="med"/>
+            <a:tailEnd type="triangle" w="med" len="med"/>
+          </a:ln>
+        </p:spPr>
+        <p:style>
+          <a:lnRef idx="1">
+            <a:schemeClr val="accent1"/>
+          </a:lnRef>
+          <a:fillRef idx="0">
+            <a:schemeClr val="accent1"/>
+          </a:fillRef>
+          <a:effectRef idx="0">
+            <a:schemeClr val="accent1"/>
+          </a:effectRef>
+          <a:fontRef idx="minor">
+            <a:schemeClr val="tx1"/>
+          </a:fontRef>
+        </p:style>
+      </p:cxnSp>
+      <p:sp>
+        <p:nvSpPr>
+          <p:cNvPr id="51" name="椭圆 50">
+            <a:extLst>
+              <a:ext uri="{FF2B5EF4-FFF2-40B4-BE49-F238E27FC236}">
+                <a16:creationId xmlns:a16="http://schemas.microsoft.com/office/drawing/2014/main" id="{FA85A5FF-9FDC-03C5-920C-2B65455F57E4}"/>
+              </a:ext>
+            </a:extLst>
+          </p:cNvPr>
+          <p:cNvSpPr/>
+          <p:nvPr/>
+        </p:nvSpPr>
+        <p:spPr>
+          <a:xfrm>
+            <a:off x="4852514" y="1187005"/>
+            <a:ext cx="1575498" cy="1283677"/>
+          </a:xfrm>
+          <a:prstGeom prst="ellipse">
+            <a:avLst/>
+          </a:prstGeom>
+          <a:noFill/>
+          <a:ln w="28575">
+            <a:solidFill>
+              <a:schemeClr val="tx1"/>
+            </a:solidFill>
+          </a:ln>
+        </p:spPr>
+        <p:style>
+          <a:lnRef idx="2">
+            <a:schemeClr val="accent1">
+              <a:shade val="15000"/>
+            </a:schemeClr>
+          </a:lnRef>
+          <a:fillRef idx="1">
+            <a:schemeClr val="accent1"/>
+          </a:fillRef>
+          <a:effectRef idx="0">
+            <a:schemeClr val="accent1"/>
+          </a:effectRef>
+          <a:fontRef idx="minor">
+            <a:schemeClr val="lt1"/>
+          </a:fontRef>
+        </p:style>
+        <p:txBody>
+          <a:bodyPr rtlCol="0" anchor="ctr"/>
+          <a:lstStyle/>
+          <a:p>
+            <a:pPr algn="ctr"/>
+            <a:endParaRPr lang="zh-CN" altLang="en-US"/>
+          </a:p>
+        </p:txBody>
+      </p:sp>
+      <p:sp>
+        <p:nvSpPr>
+          <p:cNvPr id="54" name="文本框 53">
+            <a:extLst>
+              <a:ext uri="{FF2B5EF4-FFF2-40B4-BE49-F238E27FC236}">
+                <a16:creationId xmlns:a16="http://schemas.microsoft.com/office/drawing/2014/main" id="{CD7DC136-747D-8886-E099-5C10DA5B1069}"/>
+              </a:ext>
+            </a:extLst>
+          </p:cNvPr>
+          <p:cNvSpPr txBox="1"/>
+          <p:nvPr/>
+        </p:nvSpPr>
+        <p:spPr>
+          <a:xfrm>
+            <a:off x="4946099" y="1596545"/>
+            <a:ext cx="418704" cy="461665"/>
+          </a:xfrm>
+          <a:prstGeom prst="rect">
+            <a:avLst/>
+          </a:prstGeom>
+          <a:noFill/>
+        </p:spPr>
+        <p:txBody>
+          <a:bodyPr wrap="none" rtlCol="0">
+            <a:spAutoFit/>
+          </a:bodyPr>
+          <a:lstStyle/>
+          <a:p>
+            <a:r>
+              <a:rPr lang="en-US" altLang="zh-CN" sz="2400" b="1" i="1" dirty="0" err="1">
+                <a:latin typeface="Times New Roman" panose="02020603050405020304" pitchFamily="18" charset="0"/>
+                <a:cs typeface="Times New Roman" panose="02020603050405020304" pitchFamily="18" charset="0"/>
+              </a:rPr>
+              <a:t>z</a:t>
+            </a:r>
+            <a:r>
+              <a:rPr lang="en-US" altLang="zh-CN" sz="2400" i="1" baseline="30000" dirty="0" err="1">
+                <a:latin typeface="Times New Roman" panose="02020603050405020304" pitchFamily="18" charset="0"/>
+                <a:cs typeface="Times New Roman" panose="02020603050405020304" pitchFamily="18" charset="0"/>
+              </a:rPr>
+              <a:t>L</a:t>
+            </a:r>
+            <a:endParaRPr lang="zh-CN" altLang="en-US" sz="2400" i="1" baseline="30000" dirty="0">
+              <a:latin typeface="Times New Roman" panose="02020603050405020304" pitchFamily="18" charset="0"/>
+              <a:cs typeface="Times New Roman" panose="02020603050405020304" pitchFamily="18" charset="0"/>
+            </a:endParaRPr>
+          </a:p>
+        </p:txBody>
+      </p:sp>
+      <p:sp>
+        <p:nvSpPr>
+          <p:cNvPr id="55" name="文本框 54">
+            <a:extLst>
+              <a:ext uri="{FF2B5EF4-FFF2-40B4-BE49-F238E27FC236}">
+                <a16:creationId xmlns:a16="http://schemas.microsoft.com/office/drawing/2014/main" id="{25D28E44-F486-4E8B-32F7-9881F224C570}"/>
+              </a:ext>
+            </a:extLst>
+          </p:cNvPr>
+          <p:cNvSpPr txBox="1"/>
+          <p:nvPr/>
+        </p:nvSpPr>
+        <p:spPr>
+          <a:xfrm>
+            <a:off x="6379441" y="1297841"/>
+            <a:ext cx="554960" cy="461665"/>
+          </a:xfrm>
+          <a:prstGeom prst="rect">
+            <a:avLst/>
+          </a:prstGeom>
+          <a:noFill/>
+        </p:spPr>
+        <p:txBody>
+          <a:bodyPr wrap="none" rtlCol="0">
+            <a:spAutoFit/>
+          </a:bodyPr>
+          <a:lstStyle/>
+          <a:p>
+            <a:r>
+              <a:rPr lang="en-US" altLang="zh-CN" sz="2400" i="1" dirty="0">
+                <a:latin typeface="Times New Roman" panose="02020603050405020304" pitchFamily="18" charset="0"/>
+                <a:cs typeface="Times New Roman" panose="02020603050405020304" pitchFamily="18" charset="0"/>
+              </a:rPr>
+              <a:t>a</a:t>
+            </a:r>
+            <a:r>
+              <a:rPr lang="en-US" altLang="zh-CN" sz="2400" baseline="-25000" dirty="0">
+                <a:latin typeface="Times New Roman" panose="02020603050405020304" pitchFamily="18" charset="0"/>
+                <a:cs typeface="Times New Roman" panose="02020603050405020304" pitchFamily="18" charset="0"/>
+              </a:rPr>
+              <a:t>1</a:t>
+            </a:r>
+            <a:r>
+              <a:rPr lang="en-US" altLang="zh-CN" sz="2400" i="1" baseline="30000" dirty="0">
+                <a:latin typeface="Times New Roman" panose="02020603050405020304" pitchFamily="18" charset="0"/>
+                <a:cs typeface="Times New Roman" panose="02020603050405020304" pitchFamily="18" charset="0"/>
+              </a:rPr>
+              <a:t>L</a:t>
+            </a:r>
+            <a:endParaRPr lang="zh-CN" altLang="en-US" sz="2400" i="1" dirty="0">
+              <a:latin typeface="Times New Roman" panose="02020603050405020304" pitchFamily="18" charset="0"/>
+              <a:cs typeface="Times New Roman" panose="02020603050405020304" pitchFamily="18" charset="0"/>
+            </a:endParaRPr>
+          </a:p>
+        </p:txBody>
+      </p:sp>
+      <p:cxnSp>
+        <p:nvCxnSpPr>
+          <p:cNvPr id="58" name="直接连接符 57">
+            <a:extLst>
+              <a:ext uri="{FF2B5EF4-FFF2-40B4-BE49-F238E27FC236}">
+                <a16:creationId xmlns:a16="http://schemas.microsoft.com/office/drawing/2014/main" id="{15DCED71-E6CC-2552-8EFB-744CF9F96456}"/>
+              </a:ext>
+            </a:extLst>
+          </p:cNvPr>
+          <p:cNvCxnSpPr>
+            <a:cxnSpLocks/>
+          </p:cNvCxnSpPr>
+          <p:nvPr/>
+        </p:nvCxnSpPr>
+        <p:spPr>
+          <a:xfrm>
+            <a:off x="5309047" y="1225105"/>
+            <a:ext cx="0" cy="1200595"/>
+          </a:xfrm>
+          <a:prstGeom prst="line">
+            <a:avLst/>
+          </a:prstGeom>
+          <a:ln w="28575">
+            <a:solidFill>
+              <a:schemeClr val="tx1"/>
+            </a:solidFill>
+          </a:ln>
+        </p:spPr>
+        <p:style>
+          <a:lnRef idx="1">
+            <a:schemeClr val="accent1"/>
+          </a:lnRef>
+          <a:fillRef idx="0">
+            <a:schemeClr val="accent1"/>
+          </a:fillRef>
+          <a:effectRef idx="0">
+            <a:schemeClr val="accent1"/>
+          </a:effectRef>
+          <a:fontRef idx="minor">
+            <a:schemeClr val="tx1"/>
+          </a:fontRef>
+        </p:style>
+      </p:cxnSp>
+      <p:cxnSp>
+        <p:nvCxnSpPr>
+          <p:cNvPr id="59" name="直接连接符 58">
+            <a:extLst>
+              <a:ext uri="{FF2B5EF4-FFF2-40B4-BE49-F238E27FC236}">
+                <a16:creationId xmlns:a16="http://schemas.microsoft.com/office/drawing/2014/main" id="{87DBF365-EFD1-6AAE-B5B0-FE5F679CFBB0}"/>
+              </a:ext>
+            </a:extLst>
+          </p:cNvPr>
+          <p:cNvCxnSpPr>
+            <a:cxnSpLocks/>
+            <a:stCxn id="51" idx="6"/>
+          </p:cNvCxnSpPr>
+          <p:nvPr/>
+        </p:nvCxnSpPr>
+        <p:spPr>
+          <a:xfrm flipV="1">
+            <a:off x="6428012" y="1827377"/>
+            <a:ext cx="350018" cy="1467"/>
+          </a:xfrm>
+          <a:prstGeom prst="line">
+            <a:avLst/>
+          </a:prstGeom>
+          <a:ln w="28575">
+            <a:solidFill>
+              <a:schemeClr val="tx1"/>
+            </a:solidFill>
+            <a:headEnd type="none" w="med" len="med"/>
+            <a:tailEnd type="triangle" w="med" len="med"/>
+          </a:ln>
+        </p:spPr>
+        <p:style>
+          <a:lnRef idx="1">
+            <a:schemeClr val="accent1"/>
+          </a:lnRef>
+          <a:fillRef idx="0">
+            <a:schemeClr val="accent1"/>
+          </a:fillRef>
+          <a:effectRef idx="0">
+            <a:schemeClr val="accent1"/>
+          </a:effectRef>
+          <a:fontRef idx="minor">
+            <a:schemeClr val="tx1"/>
+          </a:fontRef>
+        </p:style>
+      </p:cxnSp>
+      <p:sp>
+        <p:nvSpPr>
+          <p:cNvPr id="73" name="文本框 72">
+            <a:extLst>
+              <a:ext uri="{FF2B5EF4-FFF2-40B4-BE49-F238E27FC236}">
+                <a16:creationId xmlns:a16="http://schemas.microsoft.com/office/drawing/2014/main" id="{D755545F-D37E-D81D-E29F-AE96DEEFD5E4}"/>
+              </a:ext>
+            </a:extLst>
+          </p:cNvPr>
+          <p:cNvSpPr txBox="1"/>
+          <p:nvPr/>
+        </p:nvSpPr>
+        <p:spPr>
+          <a:xfrm rot="5400000">
+            <a:off x="4083030" y="1842766"/>
+            <a:ext cx="492443" cy="461665"/>
+          </a:xfrm>
+          <a:prstGeom prst="rect">
+            <a:avLst/>
+          </a:prstGeom>
+          <a:noFill/>
+        </p:spPr>
+        <p:txBody>
+          <a:bodyPr wrap="none" rtlCol="0">
+            <a:spAutoFit/>
+          </a:bodyPr>
+          <a:lstStyle/>
+          <a:p>
+            <a:r>
+              <a:rPr lang="en-US" altLang="zh-CN" sz="2400" dirty="0">
+                <a:latin typeface="Times New Roman" panose="02020603050405020304" pitchFamily="18" charset="0"/>
+                <a:cs typeface="Times New Roman" panose="02020603050405020304" pitchFamily="18" charset="0"/>
+              </a:rPr>
+              <a:t>…</a:t>
+            </a:r>
+            <a:endParaRPr lang="zh-CN" altLang="en-US" sz="2400" dirty="0">
+              <a:latin typeface="Times New Roman" panose="02020603050405020304" pitchFamily="18" charset="0"/>
+              <a:cs typeface="Times New Roman" panose="02020603050405020304" pitchFamily="18" charset="0"/>
+            </a:endParaRPr>
+          </a:p>
+        </p:txBody>
+      </p:sp>
+      <p:cxnSp>
+        <p:nvCxnSpPr>
+          <p:cNvPr id="2" name="直接连接符 1">
+            <a:extLst>
+              <a:ext uri="{FF2B5EF4-FFF2-40B4-BE49-F238E27FC236}">
+                <a16:creationId xmlns:a16="http://schemas.microsoft.com/office/drawing/2014/main" id="{51AD6BE0-E5F1-9CCE-715F-D9F020F2C1CB}"/>
+              </a:ext>
+            </a:extLst>
+          </p:cNvPr>
+          <p:cNvCxnSpPr>
+            <a:cxnSpLocks/>
+            <a:endCxn id="51" idx="2"/>
+          </p:cNvCxnSpPr>
+          <p:nvPr/>
+        </p:nvCxnSpPr>
+        <p:spPr>
+          <a:xfrm>
+            <a:off x="4074007" y="1131672"/>
+            <a:ext cx="778507" cy="697172"/>
+          </a:xfrm>
+          <a:prstGeom prst="line">
+            <a:avLst/>
+          </a:prstGeom>
+          <a:ln w="28575">
+            <a:solidFill>
+              <a:schemeClr val="tx1"/>
+            </a:solidFill>
+            <a:headEnd type="none" w="med" len="med"/>
+            <a:tailEnd type="triangle" w="med" len="med"/>
+          </a:ln>
+        </p:spPr>
+        <p:style>
+          <a:lnRef idx="1">
+            <a:schemeClr val="accent1"/>
+          </a:lnRef>
+          <a:fillRef idx="0">
+            <a:schemeClr val="accent1"/>
+          </a:fillRef>
+          <a:effectRef idx="0">
+            <a:schemeClr val="accent1"/>
+          </a:effectRef>
+          <a:fontRef idx="minor">
+            <a:schemeClr val="tx1"/>
+          </a:fontRef>
+        </p:style>
+      </p:cxnSp>
+      <p:cxnSp>
+        <p:nvCxnSpPr>
+          <p:cNvPr id="3" name="直接连接符 2">
+            <a:extLst>
+              <a:ext uri="{FF2B5EF4-FFF2-40B4-BE49-F238E27FC236}">
+                <a16:creationId xmlns:a16="http://schemas.microsoft.com/office/drawing/2014/main" id="{8D4B2B87-3CBF-658C-055B-A955306661D6}"/>
+              </a:ext>
+            </a:extLst>
+          </p:cNvPr>
+          <p:cNvCxnSpPr>
+            <a:cxnSpLocks/>
+            <a:endCxn id="51" idx="2"/>
+          </p:cNvCxnSpPr>
+          <p:nvPr/>
+        </p:nvCxnSpPr>
+        <p:spPr>
+          <a:xfrm>
+            <a:off x="4074007" y="1480258"/>
+            <a:ext cx="778507" cy="348586"/>
+          </a:xfrm>
+          <a:prstGeom prst="line">
+            <a:avLst/>
+          </a:prstGeom>
+          <a:ln w="28575">
+            <a:solidFill>
+              <a:schemeClr val="tx1"/>
+            </a:solidFill>
+            <a:headEnd type="none" w="med" len="med"/>
+            <a:tailEnd type="triangle" w="med" len="med"/>
+          </a:ln>
+        </p:spPr>
+        <p:style>
+          <a:lnRef idx="1">
+            <a:schemeClr val="accent1"/>
+          </a:lnRef>
+          <a:fillRef idx="0">
+            <a:schemeClr val="accent1"/>
+          </a:fillRef>
+          <a:effectRef idx="0">
+            <a:schemeClr val="accent1"/>
+          </a:effectRef>
+          <a:fontRef idx="minor">
+            <a:schemeClr val="tx1"/>
+          </a:fontRef>
+        </p:style>
+      </p:cxnSp>
+      <p:sp>
+        <p:nvSpPr>
+          <p:cNvPr id="5" name="文本框 4">
+            <a:extLst>
+              <a:ext uri="{FF2B5EF4-FFF2-40B4-BE49-F238E27FC236}">
+                <a16:creationId xmlns:a16="http://schemas.microsoft.com/office/drawing/2014/main" id="{4120D08E-9D4D-4208-1035-8CE930CAA88C}"/>
+              </a:ext>
+            </a:extLst>
+          </p:cNvPr>
+          <p:cNvSpPr txBox="1"/>
+          <p:nvPr/>
+        </p:nvSpPr>
+        <p:spPr>
+          <a:xfrm>
+            <a:off x="4235643" y="882181"/>
+            <a:ext cx="618311" cy="461665"/>
+          </a:xfrm>
+          <a:prstGeom prst="rect">
+            <a:avLst/>
+          </a:prstGeom>
+          <a:noFill/>
+        </p:spPr>
+        <p:txBody>
+          <a:bodyPr wrap="none" rtlCol="0">
+            <a:spAutoFit/>
+          </a:bodyPr>
+          <a:lstStyle/>
+          <a:p>
+            <a:r>
+              <a:rPr lang="en-US" altLang="zh-CN" sz="2400" b="1" i="1" dirty="0">
+                <a:latin typeface="Times New Roman" panose="02020603050405020304" pitchFamily="18" charset="0"/>
+                <a:cs typeface="Times New Roman" panose="02020603050405020304" pitchFamily="18" charset="0"/>
+              </a:rPr>
+              <a:t>W</a:t>
+            </a:r>
+            <a:r>
+              <a:rPr lang="en-US" altLang="zh-CN" sz="2400" b="1" i="1" baseline="-25000" dirty="0">
+                <a:latin typeface="Times New Roman" panose="02020603050405020304" pitchFamily="18" charset="0"/>
+                <a:cs typeface="Times New Roman" panose="02020603050405020304" pitchFamily="18" charset="0"/>
+              </a:rPr>
+              <a:t> </a:t>
+            </a:r>
+            <a:r>
+              <a:rPr lang="en-US" altLang="zh-CN" sz="2400" i="1" baseline="30000" dirty="0">
+                <a:latin typeface="Times New Roman" panose="02020603050405020304" pitchFamily="18" charset="0"/>
+                <a:cs typeface="Times New Roman" panose="02020603050405020304" pitchFamily="18" charset="0"/>
+              </a:rPr>
+              <a:t>L</a:t>
+            </a:r>
+            <a:endParaRPr lang="zh-CN" altLang="en-US" sz="2400" dirty="0">
+              <a:latin typeface="Times New Roman" panose="02020603050405020304" pitchFamily="18" charset="0"/>
+              <a:cs typeface="Times New Roman" panose="02020603050405020304" pitchFamily="18" charset="0"/>
+            </a:endParaRPr>
+          </a:p>
+        </p:txBody>
+      </p:sp>
+      <p:cxnSp>
+        <p:nvCxnSpPr>
+          <p:cNvPr id="12" name="直接连接符 11">
+            <a:extLst>
+              <a:ext uri="{FF2B5EF4-FFF2-40B4-BE49-F238E27FC236}">
+                <a16:creationId xmlns:a16="http://schemas.microsoft.com/office/drawing/2014/main" id="{9FDC5AE1-1614-25A7-B7F4-F6494D19E539}"/>
+              </a:ext>
+            </a:extLst>
+          </p:cNvPr>
+          <p:cNvCxnSpPr>
+            <a:cxnSpLocks/>
+            <a:endCxn id="51" idx="3"/>
+          </p:cNvCxnSpPr>
+          <p:nvPr/>
+        </p:nvCxnSpPr>
+        <p:spPr>
+          <a:xfrm flipV="1">
+            <a:off x="4653011" y="2282692"/>
+            <a:ext cx="430229" cy="744836"/>
+          </a:xfrm>
+          <a:prstGeom prst="line">
+            <a:avLst/>
+          </a:prstGeom>
+          <a:ln w="28575">
+            <a:solidFill>
+              <a:schemeClr val="tx1"/>
+            </a:solidFill>
+            <a:headEnd type="none" w="med" len="med"/>
+            <a:tailEnd type="triangle" w="med" len="med"/>
+          </a:ln>
+        </p:spPr>
+        <p:style>
+          <a:lnRef idx="1">
+            <a:schemeClr val="accent1"/>
+          </a:lnRef>
+          <a:fillRef idx="0">
+            <a:schemeClr val="accent1"/>
+          </a:fillRef>
+          <a:effectRef idx="0">
+            <a:schemeClr val="accent1"/>
+          </a:effectRef>
+          <a:fontRef idx="minor">
+            <a:schemeClr val="tx1"/>
+          </a:fontRef>
+        </p:style>
+      </p:cxnSp>
+      <p:cxnSp>
+        <p:nvCxnSpPr>
+          <p:cNvPr id="15" name="直接连接符 14">
+            <a:extLst>
+              <a:ext uri="{FF2B5EF4-FFF2-40B4-BE49-F238E27FC236}">
+                <a16:creationId xmlns:a16="http://schemas.microsoft.com/office/drawing/2014/main" id="{E48A8C72-8C47-A9B3-A8DE-AF0B8DB251E0}"/>
+              </a:ext>
+            </a:extLst>
+          </p:cNvPr>
+          <p:cNvCxnSpPr>
+            <a:cxnSpLocks/>
+            <a:endCxn id="21" idx="2"/>
+          </p:cNvCxnSpPr>
+          <p:nvPr/>
+        </p:nvCxnSpPr>
+        <p:spPr>
+          <a:xfrm>
+            <a:off x="4085708" y="4613623"/>
+            <a:ext cx="766806" cy="0"/>
+          </a:xfrm>
+          <a:prstGeom prst="line">
+            <a:avLst/>
+          </a:prstGeom>
+          <a:ln w="28575">
+            <a:solidFill>
+              <a:schemeClr val="tx1"/>
+            </a:solidFill>
+            <a:headEnd type="none" w="med" len="med"/>
+            <a:tailEnd type="triangle" w="med" len="med"/>
+          </a:ln>
+        </p:spPr>
+        <p:style>
+          <a:lnRef idx="1">
+            <a:schemeClr val="accent1"/>
+          </a:lnRef>
+          <a:fillRef idx="0">
+            <a:schemeClr val="accent1"/>
+          </a:fillRef>
+          <a:effectRef idx="0">
+            <a:schemeClr val="accent1"/>
+          </a:effectRef>
+          <a:fontRef idx="minor">
+            <a:schemeClr val="tx1"/>
+          </a:fontRef>
+        </p:style>
+      </p:cxnSp>
+      <p:sp>
+        <p:nvSpPr>
+          <p:cNvPr id="21" name="椭圆 20">
+            <a:extLst>
+              <a:ext uri="{FF2B5EF4-FFF2-40B4-BE49-F238E27FC236}">
+                <a16:creationId xmlns:a16="http://schemas.microsoft.com/office/drawing/2014/main" id="{181A771A-0316-4890-7629-5715FDB1132C}"/>
+              </a:ext>
+            </a:extLst>
+          </p:cNvPr>
+          <p:cNvSpPr/>
+          <p:nvPr/>
+        </p:nvSpPr>
+        <p:spPr>
+          <a:xfrm>
+            <a:off x="4852514" y="3971784"/>
+            <a:ext cx="1575498" cy="1283677"/>
+          </a:xfrm>
+          <a:prstGeom prst="ellipse">
+            <a:avLst/>
+          </a:prstGeom>
+          <a:noFill/>
+          <a:ln w="28575">
+            <a:solidFill>
+              <a:schemeClr val="tx1"/>
+            </a:solidFill>
+          </a:ln>
+        </p:spPr>
+        <p:style>
+          <a:lnRef idx="2">
+            <a:schemeClr val="accent1">
+              <a:shade val="15000"/>
+            </a:schemeClr>
+          </a:lnRef>
+          <a:fillRef idx="1">
+            <a:schemeClr val="accent1"/>
+          </a:fillRef>
+          <a:effectRef idx="0">
+            <a:schemeClr val="accent1"/>
+          </a:effectRef>
+          <a:fontRef idx="minor">
+            <a:schemeClr val="lt1"/>
+          </a:fontRef>
+        </p:style>
+        <p:txBody>
+          <a:bodyPr rtlCol="0" anchor="ctr"/>
+          <a:lstStyle/>
+          <a:p>
+            <a:pPr algn="ctr"/>
+            <a:endParaRPr lang="zh-CN" altLang="en-US"/>
+          </a:p>
+        </p:txBody>
+      </p:sp>
+      <p:cxnSp>
+        <p:nvCxnSpPr>
+          <p:cNvPr id="50" name="直接连接符 49">
+            <a:extLst>
+              <a:ext uri="{FF2B5EF4-FFF2-40B4-BE49-F238E27FC236}">
+                <a16:creationId xmlns:a16="http://schemas.microsoft.com/office/drawing/2014/main" id="{C0068FE2-AD0F-3BC7-E889-A73683AF27DA}"/>
+              </a:ext>
+            </a:extLst>
+          </p:cNvPr>
+          <p:cNvCxnSpPr>
+            <a:cxnSpLocks/>
+          </p:cNvCxnSpPr>
+          <p:nvPr/>
+        </p:nvCxnSpPr>
+        <p:spPr>
+          <a:xfrm>
+            <a:off x="5309047" y="4038304"/>
+            <a:ext cx="0" cy="1172841"/>
+          </a:xfrm>
+          <a:prstGeom prst="line">
+            <a:avLst/>
+          </a:prstGeom>
+          <a:ln w="28575">
+            <a:solidFill>
+              <a:schemeClr val="tx1"/>
+            </a:solidFill>
+          </a:ln>
+        </p:spPr>
+        <p:style>
+          <a:lnRef idx="1">
+            <a:schemeClr val="accent1"/>
+          </a:lnRef>
+          <a:fillRef idx="0">
+            <a:schemeClr val="accent1"/>
+          </a:fillRef>
+          <a:effectRef idx="0">
+            <a:schemeClr val="accent1"/>
+          </a:effectRef>
+          <a:fontRef idx="minor">
+            <a:schemeClr val="tx1"/>
+          </a:fontRef>
+        </p:style>
+      </p:cxnSp>
+      <p:cxnSp>
+        <p:nvCxnSpPr>
+          <p:cNvPr id="56" name="直接连接符 55">
+            <a:extLst>
+              <a:ext uri="{FF2B5EF4-FFF2-40B4-BE49-F238E27FC236}">
+                <a16:creationId xmlns:a16="http://schemas.microsoft.com/office/drawing/2014/main" id="{3EF13DA1-CA02-F2EF-6D06-30518107134D}"/>
+              </a:ext>
+            </a:extLst>
+          </p:cNvPr>
+          <p:cNvCxnSpPr>
+            <a:cxnSpLocks/>
+            <a:stCxn id="21" idx="6"/>
+          </p:cNvCxnSpPr>
+          <p:nvPr/>
+        </p:nvCxnSpPr>
+        <p:spPr>
+          <a:xfrm flipV="1">
+            <a:off x="6428012" y="4612156"/>
+            <a:ext cx="350018" cy="1467"/>
+          </a:xfrm>
+          <a:prstGeom prst="line">
+            <a:avLst/>
+          </a:prstGeom>
+          <a:ln w="28575">
+            <a:solidFill>
+              <a:schemeClr val="tx1"/>
+            </a:solidFill>
+            <a:headEnd type="none" w="med" len="med"/>
+            <a:tailEnd type="triangle" w="med" len="med"/>
+          </a:ln>
+        </p:spPr>
+        <p:style>
+          <a:lnRef idx="1">
+            <a:schemeClr val="accent1"/>
+          </a:lnRef>
+          <a:fillRef idx="0">
+            <a:schemeClr val="accent1"/>
+          </a:fillRef>
+          <a:effectRef idx="0">
+            <a:schemeClr val="accent1"/>
+          </a:effectRef>
+          <a:fontRef idx="minor">
+            <a:schemeClr val="tx1"/>
+          </a:fontRef>
+        </p:style>
+      </p:cxnSp>
+      <p:sp>
+        <p:nvSpPr>
+          <p:cNvPr id="57" name="文本框 56">
+            <a:extLst>
+              <a:ext uri="{FF2B5EF4-FFF2-40B4-BE49-F238E27FC236}">
+                <a16:creationId xmlns:a16="http://schemas.microsoft.com/office/drawing/2014/main" id="{1CE8D311-96F1-1E48-C238-DA7C774CF2EE}"/>
+              </a:ext>
+            </a:extLst>
+          </p:cNvPr>
+          <p:cNvSpPr txBox="1"/>
+          <p:nvPr/>
+        </p:nvSpPr>
+        <p:spPr>
+          <a:xfrm rot="5400000">
+            <a:off x="4083030" y="4627545"/>
+            <a:ext cx="492443" cy="461665"/>
+          </a:xfrm>
+          <a:prstGeom prst="rect">
+            <a:avLst/>
+          </a:prstGeom>
+          <a:noFill/>
+        </p:spPr>
+        <p:txBody>
+          <a:bodyPr wrap="none" rtlCol="0">
+            <a:spAutoFit/>
+          </a:bodyPr>
+          <a:lstStyle/>
+          <a:p>
+            <a:r>
+              <a:rPr lang="en-US" altLang="zh-CN" sz="2400" dirty="0">
+                <a:latin typeface="Times New Roman" panose="02020603050405020304" pitchFamily="18" charset="0"/>
+                <a:cs typeface="Times New Roman" panose="02020603050405020304" pitchFamily="18" charset="0"/>
+              </a:rPr>
+              <a:t>…</a:t>
+            </a:r>
+            <a:endParaRPr lang="zh-CN" altLang="en-US" sz="2400" dirty="0">
+              <a:latin typeface="Times New Roman" panose="02020603050405020304" pitchFamily="18" charset="0"/>
+              <a:cs typeface="Times New Roman" panose="02020603050405020304" pitchFamily="18" charset="0"/>
+            </a:endParaRPr>
+          </a:p>
+        </p:txBody>
+      </p:sp>
+      <p:cxnSp>
+        <p:nvCxnSpPr>
+          <p:cNvPr id="60" name="直接连接符 59">
+            <a:extLst>
+              <a:ext uri="{FF2B5EF4-FFF2-40B4-BE49-F238E27FC236}">
+                <a16:creationId xmlns:a16="http://schemas.microsoft.com/office/drawing/2014/main" id="{3FDDAD50-889E-7AFD-0AEE-72C01F9EF87D}"/>
+              </a:ext>
+            </a:extLst>
+          </p:cNvPr>
+          <p:cNvCxnSpPr>
+            <a:cxnSpLocks/>
+            <a:endCxn id="21" idx="2"/>
+          </p:cNvCxnSpPr>
+          <p:nvPr/>
+        </p:nvCxnSpPr>
+        <p:spPr>
+          <a:xfrm>
+            <a:off x="4074007" y="3916451"/>
+            <a:ext cx="778507" cy="697172"/>
+          </a:xfrm>
+          <a:prstGeom prst="line">
+            <a:avLst/>
+          </a:prstGeom>
+          <a:ln w="28575">
+            <a:solidFill>
+              <a:schemeClr val="tx1"/>
+            </a:solidFill>
+            <a:headEnd type="none" w="med" len="med"/>
+            <a:tailEnd type="triangle" w="med" len="med"/>
+          </a:ln>
+        </p:spPr>
+        <p:style>
+          <a:lnRef idx="1">
+            <a:schemeClr val="accent1"/>
+          </a:lnRef>
+          <a:fillRef idx="0">
+            <a:schemeClr val="accent1"/>
+          </a:fillRef>
+          <a:effectRef idx="0">
+            <a:schemeClr val="accent1"/>
+          </a:effectRef>
+          <a:fontRef idx="minor">
+            <a:schemeClr val="tx1"/>
+          </a:fontRef>
+        </p:style>
+      </p:cxnSp>
+      <p:cxnSp>
+        <p:nvCxnSpPr>
+          <p:cNvPr id="61" name="直接连接符 60">
+            <a:extLst>
+              <a:ext uri="{FF2B5EF4-FFF2-40B4-BE49-F238E27FC236}">
+                <a16:creationId xmlns:a16="http://schemas.microsoft.com/office/drawing/2014/main" id="{0C69411B-EF08-1ACC-4680-3C6FE37D8EC6}"/>
+              </a:ext>
+            </a:extLst>
+          </p:cNvPr>
+          <p:cNvCxnSpPr>
+            <a:cxnSpLocks/>
+            <a:endCxn id="21" idx="2"/>
+          </p:cNvCxnSpPr>
+          <p:nvPr/>
+        </p:nvCxnSpPr>
+        <p:spPr>
+          <a:xfrm>
+            <a:off x="4074007" y="4265037"/>
+            <a:ext cx="778507" cy="348586"/>
+          </a:xfrm>
+          <a:prstGeom prst="line">
+            <a:avLst/>
+          </a:prstGeom>
+          <a:ln w="28575">
+            <a:solidFill>
+              <a:schemeClr val="tx1"/>
+            </a:solidFill>
+            <a:headEnd type="none" w="med" len="med"/>
+            <a:tailEnd type="triangle" w="med" len="med"/>
+          </a:ln>
+        </p:spPr>
+        <p:style>
+          <a:lnRef idx="1">
+            <a:schemeClr val="accent1"/>
+          </a:lnRef>
+          <a:fillRef idx="0">
+            <a:schemeClr val="accent1"/>
+          </a:fillRef>
+          <a:effectRef idx="0">
+            <a:schemeClr val="accent1"/>
+          </a:effectRef>
+          <a:fontRef idx="minor">
+            <a:schemeClr val="tx1"/>
+          </a:fontRef>
+        </p:style>
+      </p:cxnSp>
+      <p:sp>
+        <p:nvSpPr>
+          <p:cNvPr id="62" name="文本框 61">
+            <a:extLst>
+              <a:ext uri="{FF2B5EF4-FFF2-40B4-BE49-F238E27FC236}">
+                <a16:creationId xmlns:a16="http://schemas.microsoft.com/office/drawing/2014/main" id="{00AAA0B6-E088-2368-0DA3-8C7817A81C0A}"/>
+              </a:ext>
+            </a:extLst>
+          </p:cNvPr>
+          <p:cNvSpPr txBox="1"/>
+          <p:nvPr/>
+        </p:nvSpPr>
+        <p:spPr>
+          <a:xfrm>
+            <a:off x="4235643" y="3666960"/>
+            <a:ext cx="618311" cy="461665"/>
+          </a:xfrm>
+          <a:prstGeom prst="rect">
+            <a:avLst/>
+          </a:prstGeom>
+          <a:noFill/>
+        </p:spPr>
+        <p:txBody>
+          <a:bodyPr wrap="none" rtlCol="0">
+            <a:spAutoFit/>
+          </a:bodyPr>
+          <a:lstStyle/>
+          <a:p>
+            <a:r>
+              <a:rPr lang="en-US" altLang="zh-CN" sz="2400" b="1" i="1" dirty="0">
+                <a:latin typeface="Times New Roman" panose="02020603050405020304" pitchFamily="18" charset="0"/>
+                <a:cs typeface="Times New Roman" panose="02020603050405020304" pitchFamily="18" charset="0"/>
+              </a:rPr>
+              <a:t>W</a:t>
+            </a:r>
+            <a:r>
+              <a:rPr lang="en-US" altLang="zh-CN" sz="2400" b="1" i="1" baseline="-25000" dirty="0">
+                <a:latin typeface="Times New Roman" panose="02020603050405020304" pitchFamily="18" charset="0"/>
+                <a:cs typeface="Times New Roman" panose="02020603050405020304" pitchFamily="18" charset="0"/>
+              </a:rPr>
+              <a:t> </a:t>
+            </a:r>
+            <a:r>
+              <a:rPr lang="en-US" altLang="zh-CN" sz="2400" i="1" baseline="30000" dirty="0">
+                <a:latin typeface="Times New Roman" panose="02020603050405020304" pitchFamily="18" charset="0"/>
+                <a:cs typeface="Times New Roman" panose="02020603050405020304" pitchFamily="18" charset="0"/>
+              </a:rPr>
+              <a:t>L</a:t>
+            </a:r>
+            <a:endParaRPr lang="zh-CN" altLang="en-US" sz="2400" baseline="30000" dirty="0">
+              <a:latin typeface="Times New Roman" panose="02020603050405020304" pitchFamily="18" charset="0"/>
+              <a:cs typeface="Times New Roman" panose="02020603050405020304" pitchFamily="18" charset="0"/>
+            </a:endParaRPr>
+          </a:p>
+        </p:txBody>
+      </p:sp>
+      <p:cxnSp>
+        <p:nvCxnSpPr>
+          <p:cNvPr id="63" name="直接连接符 62">
+            <a:extLst>
+              <a:ext uri="{FF2B5EF4-FFF2-40B4-BE49-F238E27FC236}">
+                <a16:creationId xmlns:a16="http://schemas.microsoft.com/office/drawing/2014/main" id="{4290B868-0E06-4E96-0490-F2C405AEA5A0}"/>
+              </a:ext>
+            </a:extLst>
+          </p:cNvPr>
+          <p:cNvCxnSpPr>
+            <a:cxnSpLocks/>
+            <a:endCxn id="21" idx="3"/>
+          </p:cNvCxnSpPr>
+          <p:nvPr/>
+        </p:nvCxnSpPr>
+        <p:spPr>
+          <a:xfrm flipV="1">
+            <a:off x="4653011" y="5067471"/>
+            <a:ext cx="430229" cy="744836"/>
+          </a:xfrm>
+          <a:prstGeom prst="line">
+            <a:avLst/>
+          </a:prstGeom>
+          <a:ln w="28575">
+            <a:solidFill>
+              <a:schemeClr val="tx1"/>
+            </a:solidFill>
+            <a:headEnd type="none" w="med" len="med"/>
+            <a:tailEnd type="triangle" w="med" len="med"/>
+          </a:ln>
+        </p:spPr>
+        <p:style>
+          <a:lnRef idx="1">
+            <a:schemeClr val="accent1"/>
+          </a:lnRef>
+          <a:fillRef idx="0">
+            <a:schemeClr val="accent1"/>
+          </a:fillRef>
+          <a:effectRef idx="0">
+            <a:schemeClr val="accent1"/>
+          </a:effectRef>
+          <a:fontRef idx="minor">
+            <a:schemeClr val="tx1"/>
+          </a:fontRef>
+        </p:style>
+      </p:cxnSp>
+      <p:sp>
+        <p:nvSpPr>
+          <p:cNvPr id="67" name="文本框 66">
+            <a:extLst>
+              <a:ext uri="{FF2B5EF4-FFF2-40B4-BE49-F238E27FC236}">
+                <a16:creationId xmlns:a16="http://schemas.microsoft.com/office/drawing/2014/main" id="{732D41B9-2651-56FF-F225-5816ADC2F1C5}"/>
+              </a:ext>
+            </a:extLst>
+          </p:cNvPr>
+          <p:cNvSpPr txBox="1"/>
+          <p:nvPr/>
+        </p:nvSpPr>
+        <p:spPr>
+          <a:xfrm>
+            <a:off x="4217079" y="5203692"/>
+            <a:ext cx="338554" cy="461665"/>
+          </a:xfrm>
+          <a:prstGeom prst="rect">
+            <a:avLst/>
+          </a:prstGeom>
+          <a:noFill/>
+        </p:spPr>
+        <p:txBody>
+          <a:bodyPr wrap="none" rtlCol="0">
+            <a:spAutoFit/>
+          </a:bodyPr>
+          <a:lstStyle/>
+          <a:p>
+            <a:r>
+              <a:rPr lang="en-US" altLang="zh-CN" sz="2400" i="1" dirty="0">
+                <a:latin typeface="Times New Roman" panose="02020603050405020304" pitchFamily="18" charset="0"/>
+                <a:cs typeface="Times New Roman" panose="02020603050405020304" pitchFamily="18" charset="0"/>
+              </a:rPr>
+              <a:t>b</a:t>
+            </a:r>
+            <a:endParaRPr lang="zh-CN" altLang="en-US" sz="2400" i="1" dirty="0">
+              <a:latin typeface="Times New Roman" panose="02020603050405020304" pitchFamily="18" charset="0"/>
+              <a:cs typeface="Times New Roman" panose="02020603050405020304" pitchFamily="18" charset="0"/>
+            </a:endParaRPr>
+          </a:p>
+        </p:txBody>
+      </p:sp>
+      <p:sp>
+        <p:nvSpPr>
+          <p:cNvPr id="76" name="文本框 75">
+            <a:extLst>
+              <a:ext uri="{FF2B5EF4-FFF2-40B4-BE49-F238E27FC236}">
+                <a16:creationId xmlns:a16="http://schemas.microsoft.com/office/drawing/2014/main" id="{9D6C2C17-B39F-1217-B3F8-68BB6F468951}"/>
+              </a:ext>
+            </a:extLst>
+          </p:cNvPr>
+          <p:cNvSpPr txBox="1"/>
+          <p:nvPr/>
+        </p:nvSpPr>
+        <p:spPr>
+          <a:xfrm>
+            <a:off x="3674852" y="1343846"/>
+            <a:ext cx="338554" cy="461665"/>
+          </a:xfrm>
+          <a:prstGeom prst="rect">
+            <a:avLst/>
+          </a:prstGeom>
+          <a:noFill/>
+        </p:spPr>
+        <p:txBody>
+          <a:bodyPr wrap="none" rtlCol="0">
+            <a:spAutoFit/>
+          </a:bodyPr>
+          <a:lstStyle/>
+          <a:p>
+            <a:r>
+              <a:rPr lang="en-US" altLang="zh-CN" sz="2400" b="1" i="1" dirty="0">
+                <a:latin typeface="Times New Roman" panose="02020603050405020304" pitchFamily="18" charset="0"/>
+                <a:cs typeface="Times New Roman" panose="02020603050405020304" pitchFamily="18" charset="0"/>
+              </a:rPr>
+              <a:t>a</a:t>
+            </a:r>
+            <a:endParaRPr lang="zh-CN" altLang="en-US" sz="2400" i="1" dirty="0">
+              <a:latin typeface="Times New Roman" panose="02020603050405020304" pitchFamily="18" charset="0"/>
+              <a:cs typeface="Times New Roman" panose="02020603050405020304" pitchFamily="18" charset="0"/>
+            </a:endParaRPr>
+          </a:p>
+        </p:txBody>
+      </p:sp>
+      <p:sp>
+        <p:nvSpPr>
+          <p:cNvPr id="78" name="文本框 77">
+            <a:extLst>
+              <a:ext uri="{FF2B5EF4-FFF2-40B4-BE49-F238E27FC236}">
+                <a16:creationId xmlns:a16="http://schemas.microsoft.com/office/drawing/2014/main" id="{BD1F56CB-9966-DAB9-29AB-BBAEE3E37F91}"/>
+              </a:ext>
+            </a:extLst>
+          </p:cNvPr>
+          <p:cNvSpPr txBox="1"/>
+          <p:nvPr/>
+        </p:nvSpPr>
+        <p:spPr>
+          <a:xfrm>
+            <a:off x="5252691" y="4379607"/>
+            <a:ext cx="1175322" cy="461665"/>
+          </a:xfrm>
+          <a:prstGeom prst="rect">
+            <a:avLst/>
+          </a:prstGeom>
+          <a:noFill/>
+        </p:spPr>
+        <p:txBody>
+          <a:bodyPr wrap="none" rtlCol="0">
+            <a:spAutoFit/>
+          </a:bodyPr>
+          <a:lstStyle/>
+          <a:p>
+            <a:r>
+              <a:rPr lang="en-US" altLang="zh-CN" sz="2400" dirty="0" err="1">
+                <a:latin typeface="Times New Roman" panose="02020603050405020304" pitchFamily="18" charset="0"/>
+                <a:cs typeface="Times New Roman" panose="02020603050405020304" pitchFamily="18" charset="0"/>
+              </a:rPr>
+              <a:t>softmax</a:t>
+            </a:r>
+            <a:endParaRPr lang="zh-CN" altLang="en-US" sz="2400" baseline="30000" dirty="0">
+              <a:latin typeface="Times New Roman" panose="02020603050405020304" pitchFamily="18" charset="0"/>
+              <a:cs typeface="Times New Roman" panose="02020603050405020304" pitchFamily="18" charset="0"/>
+            </a:endParaRPr>
+          </a:p>
+        </p:txBody>
+      </p:sp>
+      <p:sp>
+        <p:nvSpPr>
+          <p:cNvPr id="68" name="文本框 67">
+            <a:extLst>
+              <a:ext uri="{FF2B5EF4-FFF2-40B4-BE49-F238E27FC236}">
+                <a16:creationId xmlns:a16="http://schemas.microsoft.com/office/drawing/2014/main" id="{BF7431E1-CAA2-F414-3B2E-773061168C82}"/>
+              </a:ext>
+            </a:extLst>
+          </p:cNvPr>
+          <p:cNvSpPr txBox="1"/>
+          <p:nvPr/>
+        </p:nvSpPr>
+        <p:spPr>
+          <a:xfrm rot="5400000">
+            <a:off x="5178974" y="2990400"/>
+            <a:ext cx="800219" cy="461665"/>
+          </a:xfrm>
+          <a:prstGeom prst="rect">
+            <a:avLst/>
+          </a:prstGeom>
+          <a:noFill/>
+        </p:spPr>
+        <p:txBody>
+          <a:bodyPr wrap="none" rtlCol="0">
+            <a:spAutoFit/>
+          </a:bodyPr>
+          <a:lstStyle/>
+          <a:p>
+            <a:r>
+              <a:rPr lang="en-US" altLang="zh-CN" sz="2400" b="1" dirty="0">
+                <a:latin typeface="Times New Roman" panose="02020603050405020304" pitchFamily="18" charset="0"/>
+                <a:cs typeface="Times New Roman" panose="02020603050405020304" pitchFamily="18" charset="0"/>
+              </a:rPr>
+              <a:t>……</a:t>
+            </a:r>
+            <a:endParaRPr lang="zh-CN" altLang="en-US" sz="2400" b="1" dirty="0">
+              <a:latin typeface="Times New Roman" panose="02020603050405020304" pitchFamily="18" charset="0"/>
+              <a:cs typeface="Times New Roman" panose="02020603050405020304" pitchFamily="18" charset="0"/>
+            </a:endParaRPr>
+          </a:p>
+        </p:txBody>
+      </p:sp>
+      <p:sp>
+        <p:nvSpPr>
+          <p:cNvPr id="75" name="文本框 74">
+            <a:extLst>
+              <a:ext uri="{FF2B5EF4-FFF2-40B4-BE49-F238E27FC236}">
+                <a16:creationId xmlns:a16="http://schemas.microsoft.com/office/drawing/2014/main" id="{D0741FFA-A8AA-9D1A-0036-D1B515FD824D}"/>
+              </a:ext>
+            </a:extLst>
+          </p:cNvPr>
+          <p:cNvSpPr txBox="1"/>
+          <p:nvPr/>
+        </p:nvSpPr>
+        <p:spPr>
+          <a:xfrm>
+            <a:off x="4217079" y="2497833"/>
+            <a:ext cx="338554" cy="461665"/>
+          </a:xfrm>
+          <a:prstGeom prst="rect">
+            <a:avLst/>
+          </a:prstGeom>
+          <a:noFill/>
+        </p:spPr>
+        <p:txBody>
+          <a:bodyPr wrap="none" rtlCol="0">
+            <a:spAutoFit/>
+          </a:bodyPr>
+          <a:lstStyle/>
+          <a:p>
+            <a:r>
+              <a:rPr lang="en-US" altLang="zh-CN" sz="2400" i="1" dirty="0">
+                <a:latin typeface="Times New Roman" panose="02020603050405020304" pitchFamily="18" charset="0"/>
+                <a:cs typeface="Times New Roman" panose="02020603050405020304" pitchFamily="18" charset="0"/>
+              </a:rPr>
+              <a:t>b</a:t>
+            </a:r>
+            <a:endParaRPr lang="zh-CN" altLang="en-US" sz="2400" i="1" dirty="0">
+              <a:latin typeface="Times New Roman" panose="02020603050405020304" pitchFamily="18" charset="0"/>
+              <a:cs typeface="Times New Roman" panose="02020603050405020304" pitchFamily="18" charset="0"/>
+            </a:endParaRPr>
+          </a:p>
+        </p:txBody>
+      </p:sp>
+      <p:sp>
+        <p:nvSpPr>
+          <p:cNvPr id="79" name="文本框 78">
+            <a:extLst>
+              <a:ext uri="{FF2B5EF4-FFF2-40B4-BE49-F238E27FC236}">
+                <a16:creationId xmlns:a16="http://schemas.microsoft.com/office/drawing/2014/main" id="{1CB44E29-2D85-6465-C94A-CA63D0B04E51}"/>
+              </a:ext>
+            </a:extLst>
+          </p:cNvPr>
+          <p:cNvSpPr txBox="1"/>
+          <p:nvPr/>
+        </p:nvSpPr>
+        <p:spPr>
+          <a:xfrm>
+            <a:off x="5309047" y="1596544"/>
+            <a:ext cx="1175322" cy="461665"/>
+          </a:xfrm>
+          <a:prstGeom prst="rect">
+            <a:avLst/>
+          </a:prstGeom>
+          <a:noFill/>
+        </p:spPr>
+        <p:txBody>
+          <a:bodyPr wrap="none" rtlCol="0">
+            <a:spAutoFit/>
+          </a:bodyPr>
+          <a:lstStyle/>
+          <a:p>
+            <a:r>
+              <a:rPr lang="en-US" altLang="zh-CN" sz="2400" dirty="0" err="1">
+                <a:latin typeface="Times New Roman" panose="02020603050405020304" pitchFamily="18" charset="0"/>
+                <a:cs typeface="Times New Roman" panose="02020603050405020304" pitchFamily="18" charset="0"/>
+              </a:rPr>
+              <a:t>softmax</a:t>
+            </a:r>
+            <a:endParaRPr lang="zh-CN" altLang="en-US" sz="2400" baseline="30000" dirty="0">
+              <a:latin typeface="Times New Roman" panose="02020603050405020304" pitchFamily="18" charset="0"/>
+              <a:cs typeface="Times New Roman" panose="02020603050405020304" pitchFamily="18" charset="0"/>
+            </a:endParaRPr>
+          </a:p>
+        </p:txBody>
+      </p:sp>
+      <p:sp>
+        <p:nvSpPr>
+          <p:cNvPr id="112" name="文本框 111">
+            <a:extLst>
+              <a:ext uri="{FF2B5EF4-FFF2-40B4-BE49-F238E27FC236}">
+                <a16:creationId xmlns:a16="http://schemas.microsoft.com/office/drawing/2014/main" id="{B386F625-3B7A-14E3-2D32-F59FFABD9262}"/>
+              </a:ext>
+            </a:extLst>
+          </p:cNvPr>
+          <p:cNvSpPr txBox="1"/>
+          <p:nvPr/>
+        </p:nvSpPr>
+        <p:spPr>
+          <a:xfrm>
+            <a:off x="4946099" y="4393893"/>
+            <a:ext cx="418704" cy="461665"/>
+          </a:xfrm>
+          <a:prstGeom prst="rect">
+            <a:avLst/>
+          </a:prstGeom>
+          <a:noFill/>
+        </p:spPr>
+        <p:txBody>
+          <a:bodyPr wrap="none" rtlCol="0">
+            <a:spAutoFit/>
+          </a:bodyPr>
+          <a:lstStyle/>
+          <a:p>
+            <a:r>
+              <a:rPr lang="en-US" altLang="zh-CN" sz="2400" b="1" i="1" dirty="0" err="1">
+                <a:latin typeface="Times New Roman" panose="02020603050405020304" pitchFamily="18" charset="0"/>
+                <a:cs typeface="Times New Roman" panose="02020603050405020304" pitchFamily="18" charset="0"/>
+              </a:rPr>
+              <a:t>z</a:t>
+            </a:r>
+            <a:r>
+              <a:rPr lang="en-US" altLang="zh-CN" sz="2400" i="1" baseline="30000" dirty="0" err="1">
+                <a:latin typeface="Times New Roman" panose="02020603050405020304" pitchFamily="18" charset="0"/>
+                <a:cs typeface="Times New Roman" panose="02020603050405020304" pitchFamily="18" charset="0"/>
+              </a:rPr>
+              <a:t>L</a:t>
+            </a:r>
+            <a:endParaRPr lang="zh-CN" altLang="en-US" sz="2400" i="1" baseline="30000" dirty="0">
+              <a:latin typeface="Times New Roman" panose="02020603050405020304" pitchFamily="18" charset="0"/>
+              <a:cs typeface="Times New Roman" panose="02020603050405020304" pitchFamily="18" charset="0"/>
+            </a:endParaRPr>
+          </a:p>
+        </p:txBody>
+      </p:sp>
+      <p:sp>
+        <p:nvSpPr>
+          <p:cNvPr id="113" name="文本框 112">
+            <a:extLst>
+              <a:ext uri="{FF2B5EF4-FFF2-40B4-BE49-F238E27FC236}">
+                <a16:creationId xmlns:a16="http://schemas.microsoft.com/office/drawing/2014/main" id="{D634942B-9E1B-DA57-2822-BB2C048FCBF5}"/>
+              </a:ext>
+            </a:extLst>
+          </p:cNvPr>
+          <p:cNvSpPr txBox="1"/>
+          <p:nvPr/>
+        </p:nvSpPr>
+        <p:spPr>
+          <a:xfrm>
+            <a:off x="6379441" y="4082620"/>
+            <a:ext cx="554960" cy="461665"/>
+          </a:xfrm>
+          <a:prstGeom prst="rect">
+            <a:avLst/>
+          </a:prstGeom>
+          <a:noFill/>
+        </p:spPr>
+        <p:txBody>
+          <a:bodyPr wrap="none" rtlCol="0">
+            <a:spAutoFit/>
+          </a:bodyPr>
+          <a:lstStyle/>
+          <a:p>
+            <a:r>
+              <a:rPr lang="en-US" altLang="zh-CN" sz="2400" i="1" dirty="0" err="1">
+                <a:latin typeface="Times New Roman" panose="02020603050405020304" pitchFamily="18" charset="0"/>
+                <a:cs typeface="Times New Roman" panose="02020603050405020304" pitchFamily="18" charset="0"/>
+              </a:rPr>
+              <a:t>a</a:t>
+            </a:r>
+            <a:r>
+              <a:rPr lang="en-US" altLang="zh-CN" sz="2400" i="1" baseline="-25000" dirty="0" err="1">
+                <a:latin typeface="Times New Roman" panose="02020603050405020304" pitchFamily="18" charset="0"/>
+                <a:cs typeface="Times New Roman" panose="02020603050405020304" pitchFamily="18" charset="0"/>
+              </a:rPr>
+              <a:t>k</a:t>
+            </a:r>
+            <a:r>
+              <a:rPr lang="en-US" altLang="zh-CN" sz="2400" i="1" baseline="30000" dirty="0" err="1">
+                <a:latin typeface="Times New Roman" panose="02020603050405020304" pitchFamily="18" charset="0"/>
+                <a:cs typeface="Times New Roman" panose="02020603050405020304" pitchFamily="18" charset="0"/>
+              </a:rPr>
+              <a:t>L</a:t>
+            </a:r>
+            <a:endParaRPr lang="zh-CN" altLang="en-US" sz="2400" i="1" dirty="0">
+              <a:latin typeface="Times New Roman" panose="02020603050405020304" pitchFamily="18" charset="0"/>
+              <a:cs typeface="Times New Roman" panose="02020603050405020304" pitchFamily="18" charset="0"/>
+            </a:endParaRPr>
+          </a:p>
+        </p:txBody>
+      </p:sp>
+      <p:sp>
+        <p:nvSpPr>
+          <p:cNvPr id="114" name="文本框 113">
+            <a:extLst>
+              <a:ext uri="{FF2B5EF4-FFF2-40B4-BE49-F238E27FC236}">
+                <a16:creationId xmlns:a16="http://schemas.microsoft.com/office/drawing/2014/main" id="{8CF988CB-A0C9-4A8D-FFBF-3AB4C628B37E}"/>
+              </a:ext>
+            </a:extLst>
+          </p:cNvPr>
+          <p:cNvSpPr txBox="1"/>
+          <p:nvPr/>
+        </p:nvSpPr>
+        <p:spPr>
+          <a:xfrm>
+            <a:off x="3674852" y="4066288"/>
+            <a:ext cx="338554" cy="461665"/>
+          </a:xfrm>
+          <a:prstGeom prst="rect">
+            <a:avLst/>
+          </a:prstGeom>
+          <a:noFill/>
+        </p:spPr>
+        <p:txBody>
+          <a:bodyPr wrap="none" rtlCol="0">
+            <a:spAutoFit/>
+          </a:bodyPr>
+          <a:lstStyle/>
+          <a:p>
+            <a:r>
+              <a:rPr lang="en-US" altLang="zh-CN" sz="2400" b="1" i="1" dirty="0">
+                <a:latin typeface="Times New Roman" panose="02020603050405020304" pitchFamily="18" charset="0"/>
+                <a:cs typeface="Times New Roman" panose="02020603050405020304" pitchFamily="18" charset="0"/>
+              </a:rPr>
+              <a:t>a</a:t>
+            </a:r>
+            <a:endParaRPr lang="zh-CN" altLang="en-US" sz="2400" i="1" dirty="0">
+              <a:latin typeface="Times New Roman" panose="02020603050405020304" pitchFamily="18" charset="0"/>
+              <a:cs typeface="Times New Roman" panose="02020603050405020304" pitchFamily="18" charset="0"/>
+            </a:endParaRPr>
+          </a:p>
+        </p:txBody>
+      </p:sp>
+      <p:cxnSp>
+        <p:nvCxnSpPr>
+          <p:cNvPr id="120" name="直接连接符 119">
+            <a:extLst>
+              <a:ext uri="{FF2B5EF4-FFF2-40B4-BE49-F238E27FC236}">
+                <a16:creationId xmlns:a16="http://schemas.microsoft.com/office/drawing/2014/main" id="{E9E75558-098D-D8F3-DC73-FED013D5C1F1}"/>
+              </a:ext>
+            </a:extLst>
+          </p:cNvPr>
+          <p:cNvCxnSpPr>
+            <a:cxnSpLocks/>
+          </p:cNvCxnSpPr>
+          <p:nvPr/>
+        </p:nvCxnSpPr>
+        <p:spPr>
+          <a:xfrm>
+            <a:off x="8574378" y="1225105"/>
+            <a:ext cx="0" cy="3842366"/>
+          </a:xfrm>
+          <a:prstGeom prst="line">
+            <a:avLst/>
+          </a:prstGeom>
+          <a:ln w="28575">
+            <a:solidFill>
+              <a:schemeClr val="tx1"/>
+            </a:solidFill>
+          </a:ln>
+        </p:spPr>
+        <p:style>
+          <a:lnRef idx="1">
+            <a:schemeClr val="accent1"/>
+          </a:lnRef>
+          <a:fillRef idx="0">
+            <a:schemeClr val="accent1"/>
+          </a:fillRef>
+          <a:effectRef idx="0">
+            <a:schemeClr val="accent1"/>
+          </a:effectRef>
+          <a:fontRef idx="minor">
+            <a:schemeClr val="tx1"/>
+          </a:fontRef>
+        </p:style>
+      </p:cxnSp>
+      <p:sp>
+        <p:nvSpPr>
+          <p:cNvPr id="121" name="文本框 120">
+            <a:extLst>
+              <a:ext uri="{FF2B5EF4-FFF2-40B4-BE49-F238E27FC236}">
+                <a16:creationId xmlns:a16="http://schemas.microsoft.com/office/drawing/2014/main" id="{61D0D6F6-1288-F116-7EBF-3D3ED15848FA}"/>
+              </a:ext>
+            </a:extLst>
+          </p:cNvPr>
+          <p:cNvSpPr txBox="1"/>
+          <p:nvPr/>
+        </p:nvSpPr>
+        <p:spPr>
+          <a:xfrm>
+            <a:off x="8649928" y="1343846"/>
+            <a:ext cx="338554" cy="461665"/>
+          </a:xfrm>
+          <a:prstGeom prst="rect">
+            <a:avLst/>
+          </a:prstGeom>
+          <a:noFill/>
+        </p:spPr>
+        <p:txBody>
+          <a:bodyPr wrap="none" rtlCol="0">
+            <a:spAutoFit/>
+          </a:bodyPr>
+          <a:lstStyle/>
+          <a:p>
+            <a:r>
+              <a:rPr lang="en-US" altLang="zh-CN" sz="2400" dirty="0">
+                <a:latin typeface="Times New Roman" panose="02020603050405020304" pitchFamily="18" charset="0"/>
+                <a:cs typeface="Times New Roman" panose="02020603050405020304" pitchFamily="18" charset="0"/>
+              </a:rPr>
+              <a:t>0</a:t>
+            </a:r>
+            <a:endParaRPr lang="zh-CN" altLang="en-US" sz="2400" baseline="30000" dirty="0">
+              <a:latin typeface="Times New Roman" panose="02020603050405020304" pitchFamily="18" charset="0"/>
+              <a:cs typeface="Times New Roman" panose="02020603050405020304" pitchFamily="18" charset="0"/>
+            </a:endParaRPr>
+          </a:p>
+        </p:txBody>
+      </p:sp>
+      <p:sp>
+        <p:nvSpPr>
+          <p:cNvPr id="122" name="文本框 121">
+            <a:extLst>
+              <a:ext uri="{FF2B5EF4-FFF2-40B4-BE49-F238E27FC236}">
+                <a16:creationId xmlns:a16="http://schemas.microsoft.com/office/drawing/2014/main" id="{921075CB-8D95-4309-67A7-6EF1E13F50D2}"/>
+              </a:ext>
+            </a:extLst>
+          </p:cNvPr>
+          <p:cNvSpPr txBox="1"/>
+          <p:nvPr/>
+        </p:nvSpPr>
+        <p:spPr>
+          <a:xfrm>
+            <a:off x="8649928" y="4313452"/>
+            <a:ext cx="338554" cy="461665"/>
+          </a:xfrm>
+          <a:prstGeom prst="rect">
+            <a:avLst/>
+          </a:prstGeom>
+          <a:noFill/>
+        </p:spPr>
+        <p:txBody>
+          <a:bodyPr wrap="none" rtlCol="0">
+            <a:spAutoFit/>
+          </a:bodyPr>
+          <a:lstStyle/>
+          <a:p>
+            <a:r>
+              <a:rPr lang="en-US" altLang="zh-CN" sz="2400" dirty="0">
+                <a:latin typeface="Times New Roman" panose="02020603050405020304" pitchFamily="18" charset="0"/>
+                <a:cs typeface="Times New Roman" panose="02020603050405020304" pitchFamily="18" charset="0"/>
+              </a:rPr>
+              <a:t>0</a:t>
+            </a:r>
+            <a:endParaRPr lang="zh-CN" altLang="en-US" sz="2400" baseline="30000" dirty="0">
+              <a:latin typeface="Times New Roman" panose="02020603050405020304" pitchFamily="18" charset="0"/>
+              <a:cs typeface="Times New Roman" panose="02020603050405020304" pitchFamily="18" charset="0"/>
+            </a:endParaRPr>
+          </a:p>
+        </p:txBody>
+      </p:sp>
+      <p:sp>
+        <p:nvSpPr>
+          <p:cNvPr id="123" name="文本框 122">
+            <a:extLst>
+              <a:ext uri="{FF2B5EF4-FFF2-40B4-BE49-F238E27FC236}">
+                <a16:creationId xmlns:a16="http://schemas.microsoft.com/office/drawing/2014/main" id="{E7B3B17D-DCF4-9DF6-5BC9-97E130F61430}"/>
+              </a:ext>
+            </a:extLst>
+          </p:cNvPr>
+          <p:cNvSpPr txBox="1"/>
+          <p:nvPr/>
+        </p:nvSpPr>
+        <p:spPr>
+          <a:xfrm>
+            <a:off x="8649928" y="2941494"/>
+            <a:ext cx="338554" cy="461665"/>
+          </a:xfrm>
+          <a:prstGeom prst="rect">
+            <a:avLst/>
+          </a:prstGeom>
+          <a:noFill/>
+        </p:spPr>
+        <p:txBody>
+          <a:bodyPr wrap="none" rtlCol="0">
+            <a:spAutoFit/>
+          </a:bodyPr>
+          <a:lstStyle/>
+          <a:p>
+            <a:r>
+              <a:rPr lang="en-US" altLang="zh-CN" sz="2400" dirty="0">
+                <a:latin typeface="Times New Roman" panose="02020603050405020304" pitchFamily="18" charset="0"/>
+                <a:cs typeface="Times New Roman" panose="02020603050405020304" pitchFamily="18" charset="0"/>
+              </a:rPr>
+              <a:t>1</a:t>
+            </a:r>
+            <a:endParaRPr lang="zh-CN" altLang="en-US" sz="2400" baseline="30000" dirty="0">
+              <a:latin typeface="Times New Roman" panose="02020603050405020304" pitchFamily="18" charset="0"/>
+              <a:cs typeface="Times New Roman" panose="02020603050405020304" pitchFamily="18" charset="0"/>
+            </a:endParaRPr>
+          </a:p>
+        </p:txBody>
+      </p:sp>
+      <p:cxnSp>
+        <p:nvCxnSpPr>
+          <p:cNvPr id="125" name="直接连接符 124">
+            <a:extLst>
+              <a:ext uri="{FF2B5EF4-FFF2-40B4-BE49-F238E27FC236}">
+                <a16:creationId xmlns:a16="http://schemas.microsoft.com/office/drawing/2014/main" id="{AA3F8C47-86FE-5014-69B6-44C341CCFFEC}"/>
+              </a:ext>
+            </a:extLst>
+          </p:cNvPr>
+          <p:cNvCxnSpPr>
+            <a:cxnSpLocks/>
+          </p:cNvCxnSpPr>
+          <p:nvPr/>
+        </p:nvCxnSpPr>
+        <p:spPr>
+          <a:xfrm>
+            <a:off x="9044789" y="1225105"/>
+            <a:ext cx="0" cy="3842366"/>
+          </a:xfrm>
+          <a:prstGeom prst="line">
+            <a:avLst/>
+          </a:prstGeom>
+          <a:ln w="28575">
+            <a:solidFill>
+              <a:schemeClr val="tx1"/>
+            </a:solidFill>
+          </a:ln>
+        </p:spPr>
+        <p:style>
+          <a:lnRef idx="1">
+            <a:schemeClr val="accent1"/>
+          </a:lnRef>
+          <a:fillRef idx="0">
+            <a:schemeClr val="accent1"/>
+          </a:fillRef>
+          <a:effectRef idx="0">
+            <a:schemeClr val="accent1"/>
+          </a:effectRef>
+          <a:fontRef idx="minor">
+            <a:schemeClr val="tx1"/>
+          </a:fontRef>
+        </p:style>
+      </p:cxnSp>
+      <p:cxnSp>
+        <p:nvCxnSpPr>
+          <p:cNvPr id="126" name="直接连接符 125">
+            <a:extLst>
+              <a:ext uri="{FF2B5EF4-FFF2-40B4-BE49-F238E27FC236}">
+                <a16:creationId xmlns:a16="http://schemas.microsoft.com/office/drawing/2014/main" id="{358E6964-374E-4A48-A950-86A23962C793}"/>
+              </a:ext>
+            </a:extLst>
+          </p:cNvPr>
+          <p:cNvCxnSpPr>
+            <a:cxnSpLocks/>
+          </p:cNvCxnSpPr>
+          <p:nvPr/>
+        </p:nvCxnSpPr>
+        <p:spPr>
+          <a:xfrm flipH="1">
+            <a:off x="8565289" y="5061292"/>
+            <a:ext cx="84638" cy="0"/>
+          </a:xfrm>
+          <a:prstGeom prst="line">
+            <a:avLst/>
+          </a:prstGeom>
+          <a:ln w="28575">
+            <a:solidFill>
+              <a:schemeClr val="tx1"/>
+            </a:solidFill>
+          </a:ln>
+        </p:spPr>
+        <p:style>
+          <a:lnRef idx="1">
+            <a:schemeClr val="accent1"/>
+          </a:lnRef>
+          <a:fillRef idx="0">
+            <a:schemeClr val="accent1"/>
+          </a:fillRef>
+          <a:effectRef idx="0">
+            <a:schemeClr val="accent1"/>
+          </a:effectRef>
+          <a:fontRef idx="minor">
+            <a:schemeClr val="tx1"/>
+          </a:fontRef>
+        </p:style>
+      </p:cxnSp>
+      <p:cxnSp>
+        <p:nvCxnSpPr>
+          <p:cNvPr id="129" name="直接连接符 128">
+            <a:extLst>
+              <a:ext uri="{FF2B5EF4-FFF2-40B4-BE49-F238E27FC236}">
+                <a16:creationId xmlns:a16="http://schemas.microsoft.com/office/drawing/2014/main" id="{E6AAAB7F-370E-1007-08FA-0B009D420612}"/>
+              </a:ext>
+            </a:extLst>
+          </p:cNvPr>
+          <p:cNvCxnSpPr>
+            <a:cxnSpLocks/>
+          </p:cNvCxnSpPr>
+          <p:nvPr/>
+        </p:nvCxnSpPr>
+        <p:spPr>
+          <a:xfrm flipH="1">
+            <a:off x="8969677" y="5061292"/>
+            <a:ext cx="84638" cy="0"/>
+          </a:xfrm>
+          <a:prstGeom prst="line">
+            <a:avLst/>
+          </a:prstGeom>
+          <a:ln w="28575">
+            <a:solidFill>
+              <a:schemeClr val="tx1"/>
+            </a:solidFill>
+          </a:ln>
+        </p:spPr>
+        <p:style>
+          <a:lnRef idx="1">
+            <a:schemeClr val="accent1"/>
+          </a:lnRef>
+          <a:fillRef idx="0">
+            <a:schemeClr val="accent1"/>
+          </a:fillRef>
+          <a:effectRef idx="0">
+            <a:schemeClr val="accent1"/>
+          </a:effectRef>
+          <a:fontRef idx="minor">
+            <a:schemeClr val="tx1"/>
+          </a:fontRef>
+        </p:style>
+      </p:cxnSp>
+      <p:cxnSp>
+        <p:nvCxnSpPr>
+          <p:cNvPr id="130" name="直接连接符 129">
+            <a:extLst>
+              <a:ext uri="{FF2B5EF4-FFF2-40B4-BE49-F238E27FC236}">
+                <a16:creationId xmlns:a16="http://schemas.microsoft.com/office/drawing/2014/main" id="{4AB19980-CAFC-9B94-F1B7-E36FF9E3E264}"/>
+              </a:ext>
+            </a:extLst>
+          </p:cNvPr>
+          <p:cNvCxnSpPr>
+            <a:cxnSpLocks/>
+          </p:cNvCxnSpPr>
+          <p:nvPr/>
+        </p:nvCxnSpPr>
+        <p:spPr>
+          <a:xfrm flipH="1">
+            <a:off x="8565289" y="1233818"/>
+            <a:ext cx="84638" cy="0"/>
+          </a:xfrm>
+          <a:prstGeom prst="line">
+            <a:avLst/>
+          </a:prstGeom>
+          <a:ln w="28575">
+            <a:solidFill>
+              <a:schemeClr val="tx1"/>
+            </a:solidFill>
+          </a:ln>
+        </p:spPr>
+        <p:style>
+          <a:lnRef idx="1">
+            <a:schemeClr val="accent1"/>
+          </a:lnRef>
+          <a:fillRef idx="0">
+            <a:schemeClr val="accent1"/>
+          </a:fillRef>
+          <a:effectRef idx="0">
+            <a:schemeClr val="accent1"/>
+          </a:effectRef>
+          <a:fontRef idx="minor">
+            <a:schemeClr val="tx1"/>
+          </a:fontRef>
+        </p:style>
+      </p:cxnSp>
+      <p:cxnSp>
+        <p:nvCxnSpPr>
+          <p:cNvPr id="131" name="直接连接符 130">
+            <a:extLst>
+              <a:ext uri="{FF2B5EF4-FFF2-40B4-BE49-F238E27FC236}">
+                <a16:creationId xmlns:a16="http://schemas.microsoft.com/office/drawing/2014/main" id="{253DE024-F9F7-2701-E46B-BA6A162749F5}"/>
+              </a:ext>
+            </a:extLst>
+          </p:cNvPr>
+          <p:cNvCxnSpPr>
+            <a:cxnSpLocks/>
+          </p:cNvCxnSpPr>
+          <p:nvPr/>
+        </p:nvCxnSpPr>
+        <p:spPr>
+          <a:xfrm flipH="1">
+            <a:off x="8969677" y="1233818"/>
+            <a:ext cx="84638" cy="0"/>
+          </a:xfrm>
+          <a:prstGeom prst="line">
+            <a:avLst/>
+          </a:prstGeom>
+          <a:ln w="28575">
+            <a:solidFill>
+              <a:schemeClr val="tx1"/>
+            </a:solidFill>
+          </a:ln>
+        </p:spPr>
+        <p:style>
+          <a:lnRef idx="1">
+            <a:schemeClr val="accent1"/>
+          </a:lnRef>
+          <a:fillRef idx="0">
+            <a:schemeClr val="accent1"/>
+          </a:fillRef>
+          <a:effectRef idx="0">
+            <a:schemeClr val="accent1"/>
+          </a:effectRef>
+          <a:fontRef idx="minor">
+            <a:schemeClr val="tx1"/>
+          </a:fontRef>
+        </p:style>
+      </p:cxnSp>
+      <p:sp>
+        <p:nvSpPr>
+          <p:cNvPr id="132" name="文本框 131">
+            <a:extLst>
+              <a:ext uri="{FF2B5EF4-FFF2-40B4-BE49-F238E27FC236}">
+                <a16:creationId xmlns:a16="http://schemas.microsoft.com/office/drawing/2014/main" id="{EA88E1FC-5B85-FD2A-424E-28058EFB9DD9}"/>
+              </a:ext>
+            </a:extLst>
+          </p:cNvPr>
+          <p:cNvSpPr txBox="1"/>
+          <p:nvPr/>
+        </p:nvSpPr>
+        <p:spPr>
+          <a:xfrm rot="5400000">
+            <a:off x="8493446" y="2190181"/>
+            <a:ext cx="800219" cy="461665"/>
+          </a:xfrm>
+          <a:prstGeom prst="rect">
+            <a:avLst/>
+          </a:prstGeom>
+          <a:noFill/>
+        </p:spPr>
+        <p:txBody>
+          <a:bodyPr wrap="none" rtlCol="0">
+            <a:spAutoFit/>
+          </a:bodyPr>
+          <a:lstStyle/>
+          <a:p>
+            <a:r>
+              <a:rPr lang="en-US" altLang="zh-CN" sz="2400" b="1" dirty="0">
+                <a:latin typeface="Times New Roman" panose="02020603050405020304" pitchFamily="18" charset="0"/>
+                <a:cs typeface="Times New Roman" panose="02020603050405020304" pitchFamily="18" charset="0"/>
+              </a:rPr>
+              <a:t>……</a:t>
+            </a:r>
+            <a:endParaRPr lang="zh-CN" altLang="en-US" sz="2400" b="1" dirty="0">
+              <a:latin typeface="Times New Roman" panose="02020603050405020304" pitchFamily="18" charset="0"/>
+              <a:cs typeface="Times New Roman" panose="02020603050405020304" pitchFamily="18" charset="0"/>
+            </a:endParaRPr>
+          </a:p>
+        </p:txBody>
+      </p:sp>
+      <p:sp>
+        <p:nvSpPr>
+          <p:cNvPr id="133" name="文本框 132">
+            <a:extLst>
+              <a:ext uri="{FF2B5EF4-FFF2-40B4-BE49-F238E27FC236}">
+                <a16:creationId xmlns:a16="http://schemas.microsoft.com/office/drawing/2014/main" id="{053F2DF4-D2EC-27D7-1597-95847981DA2C}"/>
+              </a:ext>
+            </a:extLst>
+          </p:cNvPr>
+          <p:cNvSpPr txBox="1"/>
+          <p:nvPr/>
+        </p:nvSpPr>
+        <p:spPr>
+          <a:xfrm rot="5400000">
+            <a:off x="8493446" y="3727942"/>
+            <a:ext cx="800219" cy="461665"/>
+          </a:xfrm>
+          <a:prstGeom prst="rect">
+            <a:avLst/>
+          </a:prstGeom>
+          <a:noFill/>
+        </p:spPr>
+        <p:txBody>
+          <a:bodyPr wrap="none" rtlCol="0">
+            <a:spAutoFit/>
+          </a:bodyPr>
+          <a:lstStyle/>
+          <a:p>
+            <a:r>
+              <a:rPr lang="en-US" altLang="zh-CN" sz="2400" b="1" dirty="0">
+                <a:latin typeface="Times New Roman" panose="02020603050405020304" pitchFamily="18" charset="0"/>
+                <a:cs typeface="Times New Roman" panose="02020603050405020304" pitchFamily="18" charset="0"/>
+              </a:rPr>
+              <a:t>……</a:t>
+            </a:r>
+            <a:endParaRPr lang="zh-CN" altLang="en-US" sz="2400" b="1" dirty="0">
+              <a:latin typeface="Times New Roman" panose="02020603050405020304" pitchFamily="18" charset="0"/>
+              <a:cs typeface="Times New Roman" panose="02020603050405020304" pitchFamily="18" charset="0"/>
+            </a:endParaRPr>
+          </a:p>
+        </p:txBody>
+      </p:sp>
+      <p:sp>
+        <p:nvSpPr>
+          <p:cNvPr id="134" name="文本框 133">
+            <a:extLst>
+              <a:ext uri="{FF2B5EF4-FFF2-40B4-BE49-F238E27FC236}">
+                <a16:creationId xmlns:a16="http://schemas.microsoft.com/office/drawing/2014/main" id="{9FC93431-C0F2-3299-D55D-54F8EA6ABF4E}"/>
+              </a:ext>
+            </a:extLst>
+          </p:cNvPr>
+          <p:cNvSpPr txBox="1"/>
+          <p:nvPr/>
+        </p:nvSpPr>
+        <p:spPr>
+          <a:xfrm>
+            <a:off x="8574378" y="5246692"/>
+            <a:ext cx="320922" cy="461665"/>
+          </a:xfrm>
+          <a:prstGeom prst="rect">
+            <a:avLst/>
+          </a:prstGeom>
+          <a:noFill/>
+        </p:spPr>
+        <p:txBody>
+          <a:bodyPr wrap="none" rtlCol="0">
+            <a:spAutoFit/>
+          </a:bodyPr>
+          <a:lstStyle/>
+          <a:p>
+            <a:r>
+              <a:rPr lang="en-US" altLang="zh-CN" sz="2400" b="1" i="1" dirty="0">
+                <a:latin typeface="Times New Roman" panose="02020603050405020304" pitchFamily="18" charset="0"/>
+                <a:cs typeface="Times New Roman" panose="02020603050405020304" pitchFamily="18" charset="0"/>
+              </a:rPr>
+              <a:t>y</a:t>
+            </a:r>
+            <a:endParaRPr lang="zh-CN" altLang="en-US" sz="2400" b="1" i="1" dirty="0">
+              <a:latin typeface="Times New Roman" panose="02020603050405020304" pitchFamily="18" charset="0"/>
+              <a:cs typeface="Times New Roman" panose="02020603050405020304" pitchFamily="18" charset="0"/>
+            </a:endParaRPr>
+          </a:p>
+        </p:txBody>
+      </p:sp>
+      <p:cxnSp>
+        <p:nvCxnSpPr>
+          <p:cNvPr id="135" name="直接连接符 134">
+            <a:extLst>
+              <a:ext uri="{FF2B5EF4-FFF2-40B4-BE49-F238E27FC236}">
+                <a16:creationId xmlns:a16="http://schemas.microsoft.com/office/drawing/2014/main" id="{13C7ABAD-4EF3-04A4-773A-2AC3AF64CB26}"/>
+              </a:ext>
+            </a:extLst>
+          </p:cNvPr>
+          <p:cNvCxnSpPr>
+            <a:cxnSpLocks/>
+          </p:cNvCxnSpPr>
+          <p:nvPr/>
+        </p:nvCxnSpPr>
+        <p:spPr>
+          <a:xfrm>
+            <a:off x="7394301" y="1225105"/>
+            <a:ext cx="0" cy="3842366"/>
+          </a:xfrm>
+          <a:prstGeom prst="line">
+            <a:avLst/>
+          </a:prstGeom>
+          <a:ln w="28575">
+            <a:solidFill>
+              <a:schemeClr val="tx1"/>
+            </a:solidFill>
+          </a:ln>
+        </p:spPr>
+        <p:style>
+          <a:lnRef idx="1">
+            <a:schemeClr val="accent1"/>
+          </a:lnRef>
+          <a:fillRef idx="0">
+            <a:schemeClr val="accent1"/>
+          </a:fillRef>
+          <a:effectRef idx="0">
+            <a:schemeClr val="accent1"/>
+          </a:effectRef>
+          <a:fontRef idx="minor">
+            <a:schemeClr val="tx1"/>
+          </a:fontRef>
+        </p:style>
+      </p:cxnSp>
+      <p:sp>
+        <p:nvSpPr>
+          <p:cNvPr id="136" name="文本框 135">
+            <a:extLst>
+              <a:ext uri="{FF2B5EF4-FFF2-40B4-BE49-F238E27FC236}">
+                <a16:creationId xmlns:a16="http://schemas.microsoft.com/office/drawing/2014/main" id="{D93C0E58-FB82-0821-139E-B598129CEDE1}"/>
+              </a:ext>
+            </a:extLst>
+          </p:cNvPr>
+          <p:cNvSpPr txBox="1"/>
+          <p:nvPr/>
+        </p:nvSpPr>
+        <p:spPr>
+          <a:xfrm>
+            <a:off x="7469851" y="1343846"/>
+            <a:ext cx="723275" cy="461665"/>
+          </a:xfrm>
+          <a:prstGeom prst="rect">
+            <a:avLst/>
+          </a:prstGeom>
+          <a:noFill/>
+        </p:spPr>
+        <p:txBody>
+          <a:bodyPr wrap="none" rtlCol="0">
+            <a:spAutoFit/>
+          </a:bodyPr>
+          <a:lstStyle/>
+          <a:p>
+            <a:r>
+              <a:rPr lang="en-US" altLang="zh-CN" sz="2400" dirty="0">
+                <a:latin typeface="Times New Roman" panose="02020603050405020304" pitchFamily="18" charset="0"/>
+                <a:cs typeface="Times New Roman" panose="02020603050405020304" pitchFamily="18" charset="0"/>
+              </a:rPr>
+              <a:t>0.12</a:t>
+            </a:r>
+            <a:endParaRPr lang="zh-CN" altLang="en-US" sz="2400" baseline="30000" dirty="0">
+              <a:latin typeface="Times New Roman" panose="02020603050405020304" pitchFamily="18" charset="0"/>
+              <a:cs typeface="Times New Roman" panose="02020603050405020304" pitchFamily="18" charset="0"/>
+            </a:endParaRPr>
+          </a:p>
+        </p:txBody>
+      </p:sp>
+      <p:sp>
+        <p:nvSpPr>
+          <p:cNvPr id="137" name="文本框 136">
+            <a:extLst>
+              <a:ext uri="{FF2B5EF4-FFF2-40B4-BE49-F238E27FC236}">
+                <a16:creationId xmlns:a16="http://schemas.microsoft.com/office/drawing/2014/main" id="{F1CE91C1-304C-D878-6608-6C760BBB5604}"/>
+              </a:ext>
+            </a:extLst>
+          </p:cNvPr>
+          <p:cNvSpPr txBox="1"/>
+          <p:nvPr/>
+        </p:nvSpPr>
+        <p:spPr>
+          <a:xfrm>
+            <a:off x="7469851" y="4313452"/>
+            <a:ext cx="723275" cy="461665"/>
+          </a:xfrm>
+          <a:prstGeom prst="rect">
+            <a:avLst/>
+          </a:prstGeom>
+          <a:noFill/>
+        </p:spPr>
+        <p:txBody>
+          <a:bodyPr wrap="none" rtlCol="0">
+            <a:spAutoFit/>
+          </a:bodyPr>
+          <a:lstStyle/>
+          <a:p>
+            <a:r>
+              <a:rPr lang="en-US" altLang="zh-CN" sz="2400" dirty="0">
+                <a:latin typeface="Times New Roman" panose="02020603050405020304" pitchFamily="18" charset="0"/>
+                <a:cs typeface="Times New Roman" panose="02020603050405020304" pitchFamily="18" charset="0"/>
+              </a:rPr>
+              <a:t>0.04</a:t>
+            </a:r>
+            <a:endParaRPr lang="zh-CN" altLang="en-US" sz="2400" baseline="30000" dirty="0">
+              <a:latin typeface="Times New Roman" panose="02020603050405020304" pitchFamily="18" charset="0"/>
+              <a:cs typeface="Times New Roman" panose="02020603050405020304" pitchFamily="18" charset="0"/>
+            </a:endParaRPr>
+          </a:p>
+        </p:txBody>
+      </p:sp>
+      <p:sp>
+        <p:nvSpPr>
+          <p:cNvPr id="138" name="文本框 137">
+            <a:extLst>
+              <a:ext uri="{FF2B5EF4-FFF2-40B4-BE49-F238E27FC236}">
+                <a16:creationId xmlns:a16="http://schemas.microsoft.com/office/drawing/2014/main" id="{CC387410-3DE1-3D70-65C5-A31940B6AD03}"/>
+              </a:ext>
+            </a:extLst>
+          </p:cNvPr>
+          <p:cNvSpPr txBox="1"/>
+          <p:nvPr/>
+        </p:nvSpPr>
+        <p:spPr>
+          <a:xfrm>
+            <a:off x="7469851" y="2941494"/>
+            <a:ext cx="723275" cy="461665"/>
+          </a:xfrm>
+          <a:prstGeom prst="rect">
+            <a:avLst/>
+          </a:prstGeom>
+          <a:noFill/>
+        </p:spPr>
+        <p:txBody>
+          <a:bodyPr wrap="none" rtlCol="0">
+            <a:spAutoFit/>
+          </a:bodyPr>
+          <a:lstStyle/>
+          <a:p>
+            <a:r>
+              <a:rPr lang="en-US" altLang="zh-CN" sz="2400" dirty="0">
+                <a:latin typeface="Times New Roman" panose="02020603050405020304" pitchFamily="18" charset="0"/>
+                <a:cs typeface="Times New Roman" panose="02020603050405020304" pitchFamily="18" charset="0"/>
+              </a:rPr>
+              <a:t>0.78</a:t>
+            </a:r>
+            <a:endParaRPr lang="zh-CN" altLang="en-US" sz="2400" baseline="30000" dirty="0">
+              <a:latin typeface="Times New Roman" panose="02020603050405020304" pitchFamily="18" charset="0"/>
+              <a:cs typeface="Times New Roman" panose="02020603050405020304" pitchFamily="18" charset="0"/>
+            </a:endParaRPr>
+          </a:p>
+        </p:txBody>
+      </p:sp>
+      <p:cxnSp>
+        <p:nvCxnSpPr>
+          <p:cNvPr id="139" name="直接连接符 138">
+            <a:extLst>
+              <a:ext uri="{FF2B5EF4-FFF2-40B4-BE49-F238E27FC236}">
+                <a16:creationId xmlns:a16="http://schemas.microsoft.com/office/drawing/2014/main" id="{67292061-451B-3A26-FF65-E1ED786FD002}"/>
+              </a:ext>
+            </a:extLst>
+          </p:cNvPr>
+          <p:cNvCxnSpPr>
+            <a:cxnSpLocks/>
+          </p:cNvCxnSpPr>
+          <p:nvPr/>
+        </p:nvCxnSpPr>
+        <p:spPr>
+          <a:xfrm>
+            <a:off x="8182212" y="1225105"/>
+            <a:ext cx="0" cy="3842366"/>
+          </a:xfrm>
+          <a:prstGeom prst="line">
+            <a:avLst/>
+          </a:prstGeom>
+          <a:ln w="28575">
+            <a:solidFill>
+              <a:schemeClr val="tx1"/>
+            </a:solidFill>
+          </a:ln>
+        </p:spPr>
+        <p:style>
+          <a:lnRef idx="1">
+            <a:schemeClr val="accent1"/>
+          </a:lnRef>
+          <a:fillRef idx="0">
+            <a:schemeClr val="accent1"/>
+          </a:fillRef>
+          <a:effectRef idx="0">
+            <a:schemeClr val="accent1"/>
+          </a:effectRef>
+          <a:fontRef idx="minor">
+            <a:schemeClr val="tx1"/>
+          </a:fontRef>
+        </p:style>
+      </p:cxnSp>
+      <p:cxnSp>
+        <p:nvCxnSpPr>
+          <p:cNvPr id="140" name="直接连接符 139">
+            <a:extLst>
+              <a:ext uri="{FF2B5EF4-FFF2-40B4-BE49-F238E27FC236}">
+                <a16:creationId xmlns:a16="http://schemas.microsoft.com/office/drawing/2014/main" id="{EE72F524-3F3F-0858-B1DB-1CE09031CDB8}"/>
+              </a:ext>
+            </a:extLst>
+          </p:cNvPr>
+          <p:cNvCxnSpPr>
+            <a:cxnSpLocks/>
+          </p:cNvCxnSpPr>
+          <p:nvPr/>
+        </p:nvCxnSpPr>
+        <p:spPr>
+          <a:xfrm flipH="1">
+            <a:off x="7385212" y="5061292"/>
+            <a:ext cx="84638" cy="0"/>
+          </a:xfrm>
+          <a:prstGeom prst="line">
+            <a:avLst/>
+          </a:prstGeom>
+          <a:ln w="28575">
+            <a:solidFill>
+              <a:schemeClr val="tx1"/>
+            </a:solidFill>
+          </a:ln>
+        </p:spPr>
+        <p:style>
+          <a:lnRef idx="1">
+            <a:schemeClr val="accent1"/>
+          </a:lnRef>
+          <a:fillRef idx="0">
+            <a:schemeClr val="accent1"/>
+          </a:fillRef>
+          <a:effectRef idx="0">
+            <a:schemeClr val="accent1"/>
+          </a:effectRef>
+          <a:fontRef idx="minor">
+            <a:schemeClr val="tx1"/>
+          </a:fontRef>
+        </p:style>
+      </p:cxnSp>
+      <p:cxnSp>
+        <p:nvCxnSpPr>
+          <p:cNvPr id="141" name="直接连接符 140">
+            <a:extLst>
+              <a:ext uri="{FF2B5EF4-FFF2-40B4-BE49-F238E27FC236}">
+                <a16:creationId xmlns:a16="http://schemas.microsoft.com/office/drawing/2014/main" id="{F6020F12-0FF7-11E9-F44A-CC6D95485F73}"/>
+              </a:ext>
+            </a:extLst>
+          </p:cNvPr>
+          <p:cNvCxnSpPr>
+            <a:cxnSpLocks/>
+          </p:cNvCxnSpPr>
+          <p:nvPr/>
+        </p:nvCxnSpPr>
+        <p:spPr>
+          <a:xfrm flipH="1">
+            <a:off x="8107100" y="5061292"/>
+            <a:ext cx="84638" cy="0"/>
+          </a:xfrm>
+          <a:prstGeom prst="line">
+            <a:avLst/>
+          </a:prstGeom>
+          <a:ln w="28575">
+            <a:solidFill>
+              <a:schemeClr val="tx1"/>
+            </a:solidFill>
+          </a:ln>
+        </p:spPr>
+        <p:style>
+          <a:lnRef idx="1">
+            <a:schemeClr val="accent1"/>
+          </a:lnRef>
+          <a:fillRef idx="0">
+            <a:schemeClr val="accent1"/>
+          </a:fillRef>
+          <a:effectRef idx="0">
+            <a:schemeClr val="accent1"/>
+          </a:effectRef>
+          <a:fontRef idx="minor">
+            <a:schemeClr val="tx1"/>
+          </a:fontRef>
+        </p:style>
+      </p:cxnSp>
+      <p:cxnSp>
+        <p:nvCxnSpPr>
+          <p:cNvPr id="142" name="直接连接符 141">
+            <a:extLst>
+              <a:ext uri="{FF2B5EF4-FFF2-40B4-BE49-F238E27FC236}">
+                <a16:creationId xmlns:a16="http://schemas.microsoft.com/office/drawing/2014/main" id="{07FEB181-1318-96F7-0EB1-A8E51A3E2ABF}"/>
+              </a:ext>
+            </a:extLst>
+          </p:cNvPr>
+          <p:cNvCxnSpPr>
+            <a:cxnSpLocks/>
+          </p:cNvCxnSpPr>
+          <p:nvPr/>
+        </p:nvCxnSpPr>
+        <p:spPr>
+          <a:xfrm flipH="1">
+            <a:off x="7385212" y="1233818"/>
+            <a:ext cx="84638" cy="0"/>
+          </a:xfrm>
+          <a:prstGeom prst="line">
+            <a:avLst/>
+          </a:prstGeom>
+          <a:ln w="28575">
+            <a:solidFill>
+              <a:schemeClr val="tx1"/>
+            </a:solidFill>
+          </a:ln>
+        </p:spPr>
+        <p:style>
+          <a:lnRef idx="1">
+            <a:schemeClr val="accent1"/>
+          </a:lnRef>
+          <a:fillRef idx="0">
+            <a:schemeClr val="accent1"/>
+          </a:fillRef>
+          <a:effectRef idx="0">
+            <a:schemeClr val="accent1"/>
+          </a:effectRef>
+          <a:fontRef idx="minor">
+            <a:schemeClr val="tx1"/>
+          </a:fontRef>
+        </p:style>
+      </p:cxnSp>
+      <p:cxnSp>
+        <p:nvCxnSpPr>
+          <p:cNvPr id="143" name="直接连接符 142">
+            <a:extLst>
+              <a:ext uri="{FF2B5EF4-FFF2-40B4-BE49-F238E27FC236}">
+                <a16:creationId xmlns:a16="http://schemas.microsoft.com/office/drawing/2014/main" id="{7229E7A7-D7B3-8346-2445-2A20674BE41F}"/>
+              </a:ext>
+            </a:extLst>
+          </p:cNvPr>
+          <p:cNvCxnSpPr>
+            <a:cxnSpLocks/>
+          </p:cNvCxnSpPr>
+          <p:nvPr/>
+        </p:nvCxnSpPr>
+        <p:spPr>
+          <a:xfrm flipH="1">
+            <a:off x="8107100" y="1233818"/>
+            <a:ext cx="84638" cy="0"/>
+          </a:xfrm>
+          <a:prstGeom prst="line">
+            <a:avLst/>
+          </a:prstGeom>
+          <a:ln w="28575">
+            <a:solidFill>
+              <a:schemeClr val="tx1"/>
+            </a:solidFill>
+          </a:ln>
+        </p:spPr>
+        <p:style>
+          <a:lnRef idx="1">
+            <a:schemeClr val="accent1"/>
+          </a:lnRef>
+          <a:fillRef idx="0">
+            <a:schemeClr val="accent1"/>
+          </a:fillRef>
+          <a:effectRef idx="0">
+            <a:schemeClr val="accent1"/>
+          </a:effectRef>
+          <a:fontRef idx="minor">
+            <a:schemeClr val="tx1"/>
+          </a:fontRef>
+        </p:style>
+      </p:cxnSp>
+      <p:sp>
+        <p:nvSpPr>
+          <p:cNvPr id="144" name="文本框 143">
+            <a:extLst>
+              <a:ext uri="{FF2B5EF4-FFF2-40B4-BE49-F238E27FC236}">
+                <a16:creationId xmlns:a16="http://schemas.microsoft.com/office/drawing/2014/main" id="{8B8080ED-1326-25DE-78F5-FA5AF7D6D721}"/>
+              </a:ext>
+            </a:extLst>
+          </p:cNvPr>
+          <p:cNvSpPr txBox="1"/>
+          <p:nvPr/>
+        </p:nvSpPr>
+        <p:spPr>
+          <a:xfrm rot="5400000">
+            <a:off x="7490035" y="2190181"/>
+            <a:ext cx="800219" cy="461665"/>
+          </a:xfrm>
+          <a:prstGeom prst="rect">
+            <a:avLst/>
+          </a:prstGeom>
+          <a:noFill/>
+        </p:spPr>
+        <p:txBody>
+          <a:bodyPr wrap="none" rtlCol="0">
+            <a:spAutoFit/>
+          </a:bodyPr>
+          <a:lstStyle/>
+          <a:p>
+            <a:r>
+              <a:rPr lang="en-US" altLang="zh-CN" sz="2400" b="1" dirty="0">
+                <a:latin typeface="Times New Roman" panose="02020603050405020304" pitchFamily="18" charset="0"/>
+                <a:cs typeface="Times New Roman" panose="02020603050405020304" pitchFamily="18" charset="0"/>
+              </a:rPr>
+              <a:t>……</a:t>
+            </a:r>
+            <a:endParaRPr lang="zh-CN" altLang="en-US" sz="2400" b="1" dirty="0">
+              <a:latin typeface="Times New Roman" panose="02020603050405020304" pitchFamily="18" charset="0"/>
+              <a:cs typeface="Times New Roman" panose="02020603050405020304" pitchFamily="18" charset="0"/>
+            </a:endParaRPr>
+          </a:p>
+        </p:txBody>
+      </p:sp>
+      <p:sp>
+        <p:nvSpPr>
+          <p:cNvPr id="145" name="文本框 144">
+            <a:extLst>
+              <a:ext uri="{FF2B5EF4-FFF2-40B4-BE49-F238E27FC236}">
+                <a16:creationId xmlns:a16="http://schemas.microsoft.com/office/drawing/2014/main" id="{0302EC9A-D369-4AAC-D10C-CE506BFE700A}"/>
+              </a:ext>
+            </a:extLst>
+          </p:cNvPr>
+          <p:cNvSpPr txBox="1"/>
+          <p:nvPr/>
+        </p:nvSpPr>
+        <p:spPr>
+          <a:xfrm rot="5400000">
+            <a:off x="7490035" y="3727942"/>
+            <a:ext cx="800219" cy="461665"/>
+          </a:xfrm>
+          <a:prstGeom prst="rect">
+            <a:avLst/>
+          </a:prstGeom>
+          <a:noFill/>
+        </p:spPr>
+        <p:txBody>
+          <a:bodyPr wrap="none" rtlCol="0">
+            <a:spAutoFit/>
+          </a:bodyPr>
+          <a:lstStyle/>
+          <a:p>
+            <a:r>
+              <a:rPr lang="en-US" altLang="zh-CN" sz="2400" b="1" dirty="0">
+                <a:latin typeface="Times New Roman" panose="02020603050405020304" pitchFamily="18" charset="0"/>
+                <a:cs typeface="Times New Roman" panose="02020603050405020304" pitchFamily="18" charset="0"/>
+              </a:rPr>
+              <a:t>……</a:t>
+            </a:r>
+            <a:endParaRPr lang="zh-CN" altLang="en-US" sz="2400" b="1" dirty="0">
+              <a:latin typeface="Times New Roman" panose="02020603050405020304" pitchFamily="18" charset="0"/>
+              <a:cs typeface="Times New Roman" panose="02020603050405020304" pitchFamily="18" charset="0"/>
+            </a:endParaRPr>
+          </a:p>
+        </p:txBody>
+      </p:sp>
+      <p:sp>
+        <p:nvSpPr>
+          <p:cNvPr id="146" name="文本框 145">
+            <a:extLst>
+              <a:ext uri="{FF2B5EF4-FFF2-40B4-BE49-F238E27FC236}">
+                <a16:creationId xmlns:a16="http://schemas.microsoft.com/office/drawing/2014/main" id="{654307A5-8F3E-D975-6236-58B798FBDE15}"/>
+              </a:ext>
+            </a:extLst>
+          </p:cNvPr>
+          <p:cNvSpPr txBox="1"/>
+          <p:nvPr/>
+        </p:nvSpPr>
+        <p:spPr>
+          <a:xfrm>
+            <a:off x="7603436" y="5246692"/>
+            <a:ext cx="503664" cy="461665"/>
+          </a:xfrm>
+          <a:prstGeom prst="rect">
+            <a:avLst/>
+          </a:prstGeom>
+          <a:noFill/>
+        </p:spPr>
+        <p:txBody>
+          <a:bodyPr wrap="none" rtlCol="0">
+            <a:spAutoFit/>
+          </a:bodyPr>
+          <a:lstStyle/>
+          <a:p>
+            <a:r>
+              <a:rPr lang="en-US" altLang="zh-CN" sz="2400" b="1" i="1" dirty="0">
+                <a:latin typeface="Times New Roman" panose="02020603050405020304" pitchFamily="18" charset="0"/>
+                <a:cs typeface="Times New Roman" panose="02020603050405020304" pitchFamily="18" charset="0"/>
+              </a:rPr>
+              <a:t>a</a:t>
+            </a:r>
+            <a:r>
+              <a:rPr lang="en-US" altLang="zh-CN" sz="2400" b="1" i="1" baseline="-25000" dirty="0">
+                <a:latin typeface="Times New Roman" panose="02020603050405020304" pitchFamily="18" charset="0"/>
+                <a:cs typeface="Times New Roman" panose="02020603050405020304" pitchFamily="18" charset="0"/>
+              </a:rPr>
+              <a:t> </a:t>
+            </a:r>
+            <a:r>
+              <a:rPr lang="en-US" altLang="zh-CN" sz="2400" i="1" baseline="30000" dirty="0">
+                <a:latin typeface="Times New Roman" panose="02020603050405020304" pitchFamily="18" charset="0"/>
+                <a:cs typeface="Times New Roman" panose="02020603050405020304" pitchFamily="18" charset="0"/>
+              </a:rPr>
+              <a:t>L</a:t>
+            </a:r>
+            <a:endParaRPr lang="zh-CN" altLang="en-US" sz="2400" b="1" i="1" dirty="0">
+              <a:latin typeface="Times New Roman" panose="02020603050405020304" pitchFamily="18" charset="0"/>
+              <a:cs typeface="Times New Roman" panose="02020603050405020304" pitchFamily="18" charset="0"/>
+            </a:endParaRPr>
+          </a:p>
+        </p:txBody>
+      </p:sp>
+      <p:sp>
+        <p:nvSpPr>
+          <p:cNvPr id="147" name="文本框 146">
+            <a:extLst>
+              <a:ext uri="{FF2B5EF4-FFF2-40B4-BE49-F238E27FC236}">
+                <a16:creationId xmlns:a16="http://schemas.microsoft.com/office/drawing/2014/main" id="{68F9262E-B037-FBD0-DB8C-D6E647CD420C}"/>
+              </a:ext>
+            </a:extLst>
+          </p:cNvPr>
+          <p:cNvSpPr txBox="1"/>
+          <p:nvPr/>
+        </p:nvSpPr>
+        <p:spPr>
+          <a:xfrm>
+            <a:off x="7744863" y="6400691"/>
+            <a:ext cx="877163" cy="369332"/>
+          </a:xfrm>
+          <a:prstGeom prst="rect">
+            <a:avLst/>
+          </a:prstGeom>
+          <a:noFill/>
+        </p:spPr>
+        <p:txBody>
+          <a:bodyPr wrap="none" rtlCol="0">
+            <a:spAutoFit/>
+          </a:bodyPr>
+          <a:lstStyle/>
+          <a:p>
+            <a:r>
+              <a:rPr lang="zh-CN" altLang="en-US" dirty="0">
+                <a:latin typeface="宋体" panose="02010600030101010101" pitchFamily="2" charset="-122"/>
+                <a:ea typeface="宋体" panose="02010600030101010101" pitchFamily="2" charset="-122"/>
+                <a:cs typeface="Times New Roman" panose="02020603050405020304" pitchFamily="18" charset="0"/>
+              </a:rPr>
+              <a:t>交叉熵</a:t>
+            </a:r>
+          </a:p>
+        </p:txBody>
+      </p:sp>
+      <p:cxnSp>
+        <p:nvCxnSpPr>
+          <p:cNvPr id="148" name="直接箭头连接符 147">
+            <a:extLst>
+              <a:ext uri="{FF2B5EF4-FFF2-40B4-BE49-F238E27FC236}">
+                <a16:creationId xmlns:a16="http://schemas.microsoft.com/office/drawing/2014/main" id="{3283AE36-EB2A-2A1A-3E42-0C108293FE1A}"/>
+              </a:ext>
+            </a:extLst>
+          </p:cNvPr>
+          <p:cNvCxnSpPr>
+            <a:cxnSpLocks/>
+          </p:cNvCxnSpPr>
+          <p:nvPr/>
+        </p:nvCxnSpPr>
+        <p:spPr>
+          <a:xfrm>
+            <a:off x="7659312" y="5741304"/>
+            <a:ext cx="362940" cy="560314"/>
+          </a:xfrm>
+          <a:prstGeom prst="straightConnector1">
+            <a:avLst/>
+          </a:prstGeom>
+          <a:ln w="12700">
+            <a:solidFill>
+              <a:schemeClr val="tx1"/>
+            </a:solidFill>
+            <a:prstDash val="dash"/>
+            <a:tailEnd type="triangle"/>
+          </a:ln>
+        </p:spPr>
+        <p:style>
+          <a:lnRef idx="1">
+            <a:schemeClr val="accent1"/>
+          </a:lnRef>
+          <a:fillRef idx="0">
+            <a:schemeClr val="accent1"/>
+          </a:fillRef>
+          <a:effectRef idx="0">
+            <a:schemeClr val="accent1"/>
+          </a:effectRef>
+          <a:fontRef idx="minor">
+            <a:schemeClr val="tx1"/>
+          </a:fontRef>
+        </p:style>
+      </p:cxnSp>
+      <p:cxnSp>
+        <p:nvCxnSpPr>
+          <p:cNvPr id="149" name="直接箭头连接符 148">
+            <a:extLst>
+              <a:ext uri="{FF2B5EF4-FFF2-40B4-BE49-F238E27FC236}">
+                <a16:creationId xmlns:a16="http://schemas.microsoft.com/office/drawing/2014/main" id="{F1F6D54A-1997-2CEF-46AB-2B460A93F732}"/>
+              </a:ext>
+            </a:extLst>
+          </p:cNvPr>
+          <p:cNvCxnSpPr>
+            <a:cxnSpLocks/>
+          </p:cNvCxnSpPr>
+          <p:nvPr/>
+        </p:nvCxnSpPr>
+        <p:spPr>
+          <a:xfrm flipH="1">
+            <a:off x="8385192" y="5741304"/>
+            <a:ext cx="382116" cy="568684"/>
+          </a:xfrm>
+          <a:prstGeom prst="straightConnector1">
+            <a:avLst/>
+          </a:prstGeom>
+          <a:ln w="12700">
+            <a:solidFill>
+              <a:schemeClr val="tx1"/>
+            </a:solidFill>
+            <a:prstDash val="dash"/>
+            <a:tailEnd type="triangle"/>
+          </a:ln>
+        </p:spPr>
+        <p:style>
+          <a:lnRef idx="1">
+            <a:schemeClr val="accent1"/>
+          </a:lnRef>
+          <a:fillRef idx="0">
+            <a:schemeClr val="accent1"/>
+          </a:fillRef>
+          <a:effectRef idx="0">
+            <a:schemeClr val="accent1"/>
+          </a:effectRef>
+          <a:fontRef idx="minor">
+            <a:schemeClr val="tx1"/>
+          </a:fontRef>
+        </p:style>
+      </p:cxnSp>
+      <p:sp>
+        <p:nvSpPr>
+          <p:cNvPr id="150" name="文本框 149">
+            <a:extLst>
+              <a:ext uri="{FF2B5EF4-FFF2-40B4-BE49-F238E27FC236}">
+                <a16:creationId xmlns:a16="http://schemas.microsoft.com/office/drawing/2014/main" id="{80096C39-B69E-CAC7-B9F3-45EEE0B05EBB}"/>
+              </a:ext>
+            </a:extLst>
+          </p:cNvPr>
+          <p:cNvSpPr txBox="1"/>
+          <p:nvPr/>
+        </p:nvSpPr>
+        <p:spPr>
+          <a:xfrm>
+            <a:off x="5348251" y="6400691"/>
+            <a:ext cx="928459" cy="369332"/>
+          </a:xfrm>
+          <a:prstGeom prst="rect">
+            <a:avLst/>
+          </a:prstGeom>
+          <a:noFill/>
+        </p:spPr>
+        <p:txBody>
+          <a:bodyPr wrap="none" rtlCol="0">
+            <a:spAutoFit/>
+          </a:bodyPr>
+          <a:lstStyle/>
+          <a:p>
+            <a:r>
+              <a:rPr lang="en-US" altLang="zh-CN" dirty="0" err="1">
+                <a:latin typeface="Times New Roman" panose="02020603050405020304" pitchFamily="18" charset="0"/>
+                <a:ea typeface="宋体" panose="02010600030101010101" pitchFamily="2" charset="-122"/>
+                <a:cs typeface="Times New Roman" panose="02020603050405020304" pitchFamily="18" charset="0"/>
+              </a:rPr>
+              <a:t>softmax</a:t>
+            </a:r>
+            <a:endParaRPr lang="zh-CN" altLang="en-US" dirty="0">
+              <a:latin typeface="Times New Roman" panose="02020603050405020304" pitchFamily="18" charset="0"/>
+              <a:ea typeface="宋体" panose="02010600030101010101" pitchFamily="2" charset="-122"/>
+              <a:cs typeface="Times New Roman" panose="02020603050405020304" pitchFamily="18" charset="0"/>
+            </a:endParaRPr>
+          </a:p>
+        </p:txBody>
+      </p:sp>
+    </p:spTree>
+    <p:extLst>
+      <p:ext uri="{BB962C8B-B14F-4D97-AF65-F5344CB8AC3E}">
+        <p14:creationId xmlns:p14="http://schemas.microsoft.com/office/powerpoint/2010/main" val="2202874557"/>
       </p:ext>
     </p:extLst>
   </p:cSld>
